--- a/doc/training.pptx
+++ b/doc/training.pptx
@@ -5,7 +5,7 @@
     <p:sldMasterId id="2147483648" r:id="rId1"/>
   </p:sldMasterIdLst>
   <p:notesMasterIdLst>
-    <p:notesMasterId r:id="rId11"/>
+    <p:notesMasterId r:id="rId12"/>
   </p:notesMasterIdLst>
   <p:sldIdLst>
     <p:sldId id="256" r:id="rId2"/>
@@ -13,10 +13,11 @@
     <p:sldId id="260" r:id="rId4"/>
     <p:sldId id="259" r:id="rId5"/>
     <p:sldId id="267" r:id="rId6"/>
-    <p:sldId id="257" r:id="rId7"/>
-    <p:sldId id="268" r:id="rId8"/>
-    <p:sldId id="270" r:id="rId9"/>
-    <p:sldId id="265" r:id="rId10"/>
+    <p:sldId id="271" r:id="rId7"/>
+    <p:sldId id="257" r:id="rId8"/>
+    <p:sldId id="268" r:id="rId9"/>
+    <p:sldId id="270" r:id="rId10"/>
+    <p:sldId id="265" r:id="rId11"/>
   </p:sldIdLst>
   <p:sldSz cx="12192000" cy="6858000"/>
   <p:notesSz cx="6858000" cy="9144000"/>
@@ -205,7 +206,7 @@
           <a:p>
             <a:fld id="{48B50D1B-63C5-449B-ADAC-FC90319413D4}" type="datetimeFigureOut">
               <a:rPr lang="en-ZW" smtClean="0"/>
-              <a:t>26/1/2024</a:t>
+              <a:t>30/1/2024</a:t>
             </a:fld>
             <a:endParaRPr lang="en-ZW"/>
           </a:p>
@@ -1066,13 +1067,80 @@
           <a:bodyPr/>
           <a:lstStyle/>
           <a:p>
+            <a:pPr marL="0" indent="0">
+              <a:buNone/>
+            </a:pPr>
+            <a:r>
+              <a:rPr lang="en-ZW" dirty="0"/>
+              <a:t>      Red Box: Indicates a vague outcome</a:t>
+            </a:r>
+          </a:p>
+          <a:p>
+            <a:pPr marL="0" indent="0">
+              <a:buNone/>
+            </a:pPr>
+            <a:r>
+              <a:rPr lang="en-ZW" dirty="0"/>
+              <a:t>      Green Box: Indicates a sound outcome</a:t>
+            </a:r>
+          </a:p>
+          <a:p>
+            <a:pPr marL="0" indent="0">
+              <a:buNone/>
+            </a:pPr>
+            <a:r>
+              <a:rPr lang="en-ZW" dirty="0"/>
+              <a:t>	</a:t>
+            </a:r>
+          </a:p>
+          <a:p>
+            <a:pPr marL="0" indent="0">
+              <a:buNone/>
+            </a:pPr>
+            <a:r>
+              <a:rPr lang="en-ZW" dirty="0"/>
+              <a:t>      NOTE: The model is not aware of what’s vague or what’s sound. If the dataset is clean and proper, then sound relationships can be established</a:t>
+            </a:r>
+          </a:p>
+          <a:p>
+            <a:pPr marL="0" indent="0">
+              <a:buNone/>
+            </a:pPr>
+            <a:r>
+              <a:rPr lang="en-ZW" dirty="0"/>
+              <a:t>                 programmatically using linear computation. This is done by a separate rules engine (</a:t>
+            </a:r>
+            <a:r>
+              <a:rPr lang="en-ZW" b="1" i="1" dirty="0"/>
+              <a:t>Class</a:t>
+            </a:r>
+            <a:r>
+              <a:rPr lang="en-ZW" dirty="0"/>
+              <a:t> Chain Mutation). It does not use any special algorithm,</a:t>
+            </a:r>
+          </a:p>
+          <a:p>
+            <a:pPr marL="0" indent="0">
+              <a:buNone/>
+            </a:pPr>
+            <a:r>
+              <a:rPr lang="en-ZW" dirty="0"/>
+              <a:t>                 but simple addition </a:t>
+            </a:r>
+            <a:r>
+              <a:rPr lang="en-ZW"/>
+              <a:t>&amp; backed </a:t>
+            </a:r>
+            <a:r>
+              <a:rPr lang="en-ZW" dirty="0"/>
+              <a:t>by data informed decision making.</a:t>
+            </a:r>
+          </a:p>
+          <a:p>
             <a:pPr marL="228600" indent="-228600">
               <a:buAutoNum type="arabicParenR"/>
             </a:pPr>
-            <a:r>
-              <a:rPr lang="en-ZW" dirty="0"/>
-              <a:t>The initial state can either be generated at random by the model or, defined by the user.</a:t>
-            </a:r>
+            <a:endParaRPr lang="en-ZW" dirty="0"/>
           </a:p>
           <a:p>
             <a:pPr marL="228600" indent="-228600">
@@ -1080,15 +1148,7 @@
             </a:pPr>
             <a:r>
               <a:rPr lang="en-ZW" dirty="0"/>
-              <a:t>Once that is done, the model begins a Random Walk for </a:t>
-            </a:r>
-            <a:r>
-              <a:rPr lang="en-ZW" i="1" dirty="0"/>
-              <a:t>n </a:t>
-            </a:r>
-            <a:r>
-              <a:rPr lang="en-ZW" i="0" dirty="0"/>
-              <a:t>number of steps.</a:t>
+              <a:t>Text generation using normal Markov Models tends to get vague as the length of the sequence increases. </a:t>
             </a:r>
           </a:p>
           <a:p>
@@ -1096,43 +1156,99 @@
               <a:buAutoNum type="arabicParenR"/>
             </a:pPr>
             <a:r>
-              <a:rPr lang="en-ZW" i="0" dirty="0"/>
-              <a:t> In the random walk, the previous</a:t>
-            </a:r>
-            <a:r>
-              <a:rPr lang="en-ZW" i="1" dirty="0"/>
-              <a:t> n </a:t>
-            </a:r>
-            <a:r>
-              <a:rPr lang="en-ZW" i="0" dirty="0"/>
-              <a:t>words are use to predict the next word.</a:t>
+              <a:rPr lang="en-ZW" dirty="0"/>
+              <a:t>However constructive chain Mutation addresses this issue by strengthening relationships, and favouring those over weaker ones, as the length of the chain increases. Because the results of this approach are more visible on longer sequences, (1000 tokens for example). It is difficult to illustrate</a:t>
+            </a:r>
+          </a:p>
+          <a:p>
+            <a:pPr marL="0" indent="0">
+              <a:buNone/>
+            </a:pPr>
+            <a:r>
+              <a:rPr lang="en-ZW" dirty="0"/>
+              <a:t>      it on a simple diagram. But even with this example, you can get a picture of how the approach significantly alters the chain.</a:t>
             </a:r>
           </a:p>
           <a:p>
             <a:pPr marL="228600" indent="-228600">
-              <a:buAutoNum type="arabicParenR"/>
+              <a:buAutoNum type="arabicParenR" startAt="3"/>
             </a:pPr>
             <a:r>
-              <a:rPr lang="en-ZW" i="0" dirty="0"/>
-              <a:t>The output is a generated sequence or a short passage.</a:t>
+              <a:rPr lang="en-ZW" dirty="0"/>
+              <a:t>In a real world situation, as the sequence gets longer, the count of some word combinations increase – and as they increase, so do their relationships with other words. Chain mutation iterates on these relationships. This results in vague statements being favoured less – and ultimately</a:t>
+            </a:r>
+          </a:p>
+          <a:p>
+            <a:pPr marL="0" indent="0">
+              <a:buNone/>
+            </a:pPr>
+            <a:r>
+              <a:rPr lang="en-ZW" dirty="0"/>
+              <a:t>      having something like 1/x chance of appearing in the generated text for every x iterations.</a:t>
             </a:r>
           </a:p>
           <a:p>
             <a:pPr marL="228600" indent="-228600">
-              <a:buAutoNum type="arabicParenR"/>
+              <a:buAutoNum type="arabicParenR" startAt="4"/>
             </a:pPr>
             <a:r>
-              <a:rPr lang="en-ZW" i="0" dirty="0"/>
-              <a:t>Because this is done using probability, there’s always room </a:t>
-            </a:r>
-            <a:r>
-              <a:rPr lang="en-ZW" i="0"/>
-              <a:t>for “error”.</a:t>
-            </a:r>
-            <a:endParaRPr lang="en-ZW" i="1" dirty="0"/>
-          </a:p>
-          <a:p>
-            <a:endParaRPr lang="en-ZW" dirty="0"/>
+              <a:rPr lang="en-ZW" dirty="0"/>
+              <a:t>That’s where the ‘iterations’ come in. For example, if a vague statement had a 1/10 chance of appearing after 1 iteration. It will have a 1/50</a:t>
+            </a:r>
+          </a:p>
+          <a:p>
+            <a:pPr marL="0" indent="0">
+              <a:buNone/>
+            </a:pPr>
+            <a:r>
+              <a:rPr lang="en-ZW" dirty="0"/>
+              <a:t>      chance of appearing after 5 iterations and so on.</a:t>
+            </a:r>
+          </a:p>
+          <a:p>
+            <a:pPr marL="228600" indent="-228600">
+              <a:buAutoNum type="arabicParenR" startAt="5"/>
+            </a:pPr>
+            <a:r>
+              <a:rPr lang="en-ZW" dirty="0"/>
+              <a:t>Chain Mutation turns the chain into sort of like a black box, but with a guarantee of sound output.</a:t>
+            </a:r>
+          </a:p>
+          <a:p>
+            <a:pPr marL="228600" indent="-228600">
+              <a:buAutoNum type="arabicParenR" startAt="5"/>
+            </a:pPr>
+            <a:r>
+              <a:rPr lang="en-ZW" dirty="0"/>
+              <a:t>This approach however is Memory intensive, that’s why I had to write a encoder capable of reducing the size of the model by more than 50%.</a:t>
+            </a:r>
+          </a:p>
+          <a:p>
+            <a:pPr marL="228600" indent="-228600">
+              <a:buAutoNum type="arabicParenR" startAt="5"/>
+            </a:pPr>
+            <a:r>
+              <a:rPr lang="en-ZW" dirty="0"/>
+              <a:t>Still, a small dataset of 16MB, can end up creating a model with size 1GB greater than that of a model without mutation depending on the number of iterations.</a:t>
+            </a:r>
+          </a:p>
+          <a:p>
+            <a:pPr marL="228600" indent="-228600">
+              <a:buAutoNum type="arabicParenR" startAt="5"/>
+            </a:pPr>
+            <a:r>
+              <a:rPr lang="en-ZW" dirty="0"/>
+              <a:t>And using many iterations on a small dataset results in sound but repetitive output, because in some cases only a small number of sound variations may be</a:t>
+            </a:r>
+          </a:p>
+          <a:p>
+            <a:pPr marL="0" indent="0">
+              <a:buNone/>
+            </a:pPr>
+            <a:r>
+              <a:rPr lang="en-ZW" dirty="0"/>
+              <a:t>       present in a small dataset.</a:t>
+            </a:r>
           </a:p>
         </p:txBody>
       </p:sp>
@@ -1162,7 +1278,7 @@
     </p:spTree>
     <p:extLst>
       <p:ext uri="{BB962C8B-B14F-4D97-AF65-F5344CB8AC3E}">
-        <p14:creationId xmlns:p14="http://schemas.microsoft.com/office/powerpoint/2010/main" val="163525101"/>
+        <p14:creationId xmlns:p14="http://schemas.microsoft.com/office/powerpoint/2010/main" val="544401204"/>
       </p:ext>
     </p:extLst>
   </p:cSld>
@@ -1221,7 +1337,7 @@
             </a:pPr>
             <a:r>
               <a:rPr lang="en-ZW" dirty="0"/>
-              <a:t>The sample generated text above illustrates the model’s ability to seamlessly transition between stories without immediately breaking context, regardless of being memoryless.</a:t>
+              <a:t>The initial state can either be generated at random by the model or, defined by the user.</a:t>
             </a:r>
           </a:p>
           <a:p>
@@ -1230,92 +1346,59 @@
             </a:pPr>
             <a:r>
               <a:rPr lang="en-ZW" dirty="0"/>
-              <a:t>The text moves from </a:t>
-            </a:r>
-          </a:p>
-          <a:p>
-            <a:pPr marL="0" indent="0">
-              <a:buNone/>
+              <a:t>Once that is done, the model begins a Random Walk for </a:t>
+            </a:r>
+            <a:r>
+              <a:rPr lang="en-ZW" i="1" dirty="0"/>
+              <a:t>n </a:t>
+            </a:r>
+            <a:r>
+              <a:rPr lang="en-ZW" i="0" dirty="0"/>
+              <a:t>number of steps.</a:t>
+            </a:r>
+          </a:p>
+          <a:p>
+            <a:pPr marL="228600" indent="-228600">
+              <a:buAutoNum type="arabicParenR"/>
             </a:pPr>
             <a:r>
-              <a:rPr lang="en-ZW" b="1" dirty="0"/>
-              <a:t>	</a:t>
-            </a:r>
-            <a:r>
-              <a:rPr lang="en-ZW" b="0" dirty="0"/>
-              <a:t>Story A: </a:t>
-            </a:r>
-            <a:r>
-              <a:rPr lang="en-ZW" b="0" i="1" dirty="0"/>
-              <a:t>Breaking into a house, then encountering enemies to fight</a:t>
-            </a:r>
-            <a:r>
-              <a:rPr lang="en-ZW" dirty="0"/>
-              <a:t>, </a:t>
-            </a:r>
-          </a:p>
-          <a:p>
-            <a:pPr marL="0" indent="0">
-              <a:buNone/>
+              <a:rPr lang="en-ZW" i="0" dirty="0"/>
+              <a:t> In the random walk, the previous</a:t>
+            </a:r>
+            <a:r>
+              <a:rPr lang="en-ZW" i="1" dirty="0"/>
+              <a:t> n </a:t>
+            </a:r>
+            <a:r>
+              <a:rPr lang="en-ZW" i="0" dirty="0"/>
+              <a:t>words are use to predict the next word.</a:t>
+            </a:r>
+          </a:p>
+          <a:p>
+            <a:pPr marL="228600" indent="-228600">
+              <a:buAutoNum type="arabicParenR"/>
             </a:pPr>
             <a:r>
-              <a:rPr lang="en-ZW" b="1" i="0" dirty="0"/>
-              <a:t>	</a:t>
-            </a:r>
-            <a:r>
-              <a:rPr lang="en-ZW" b="0" i="0" dirty="0"/>
-              <a:t>Story B: </a:t>
-            </a:r>
-            <a:r>
-              <a:rPr lang="en-ZW" b="0" i="1" dirty="0"/>
-              <a:t>Fighting enemies but using magic</a:t>
-            </a:r>
-            <a:r>
-              <a:rPr lang="en-ZW" dirty="0"/>
-              <a:t>, </a:t>
-            </a:r>
-          </a:p>
-          <a:p>
-            <a:pPr marL="0" indent="0">
-              <a:buNone/>
+              <a:rPr lang="en-ZW" i="0" dirty="0"/>
+              <a:t>The output is a generated sequence or a short passage.</a:t>
+            </a:r>
+          </a:p>
+          <a:p>
+            <a:pPr marL="228600" indent="-228600">
+              <a:buAutoNum type="arabicParenR"/>
             </a:pPr>
             <a:r>
-              <a:rPr lang="en-ZW" b="1" dirty="0"/>
-              <a:t>	</a:t>
-            </a:r>
-            <a:r>
-              <a:rPr lang="en-ZW" b="0" dirty="0"/>
-              <a:t>Story C: </a:t>
-            </a:r>
-            <a:r>
-              <a:rPr lang="en-ZW" b="0" i="1" dirty="0"/>
-              <a:t>Defeating Villains</a:t>
-            </a:r>
-            <a:r>
-              <a:rPr lang="en-ZW" i="1" dirty="0"/>
-              <a:t>, </a:t>
-            </a:r>
-          </a:p>
-          <a:p>
-            <a:pPr marL="0" indent="0">
-              <a:buNone/>
-            </a:pPr>
-            <a:r>
-              <a:rPr lang="en-ZW" b="1" i="1" dirty="0"/>
-              <a:t>	</a:t>
-            </a:r>
-            <a:r>
-              <a:rPr lang="en-ZW" b="0" dirty="0"/>
-              <a:t>Story D: </a:t>
-            </a:r>
-            <a:r>
-              <a:rPr lang="en-ZW" b="0" i="1" dirty="0"/>
-              <a:t>Returning home after saving the day</a:t>
-            </a:r>
-            <a:r>
-              <a:rPr lang="en-ZW" b="1" dirty="0"/>
-              <a:t>.</a:t>
-            </a:r>
+              <a:rPr lang="en-ZW" i="0" dirty="0"/>
+              <a:t>Because this is done using probability, there’s always room </a:t>
+            </a:r>
+            <a:r>
+              <a:rPr lang="en-ZW" i="0"/>
+              <a:t>for “error”.</a:t>
+            </a:r>
+            <a:endParaRPr lang="en-ZW" i="1" dirty="0"/>
+          </a:p>
+          <a:p>
+            <a:endParaRPr lang="en-ZW" dirty="0"/>
           </a:p>
         </p:txBody>
       </p:sp>
@@ -1345,7 +1428,7 @@
     </p:spTree>
     <p:extLst>
       <p:ext uri="{BB962C8B-B14F-4D97-AF65-F5344CB8AC3E}">
-        <p14:creationId xmlns:p14="http://schemas.microsoft.com/office/powerpoint/2010/main" val="762673071"/>
+        <p14:creationId xmlns:p14="http://schemas.microsoft.com/office/powerpoint/2010/main" val="163525101"/>
       </p:ext>
     </p:extLst>
   </p:cSld>
@@ -1399,12 +1482,42 @@
           <a:bodyPr/>
           <a:lstStyle/>
           <a:p>
+            <a:pPr marL="228600" indent="-228600">
+              <a:buAutoNum type="arabicParenR"/>
+            </a:pPr>
+            <a:r>
+              <a:rPr lang="en-ZW" dirty="0"/>
+              <a:t>The sample generated text above illustrates the model’s ability to seamlessly transition between stories without immediately breaking context, regardless of being memoryless.</a:t>
+            </a:r>
+          </a:p>
+          <a:p>
+            <a:pPr marL="228600" indent="-228600">
+              <a:buAutoNum type="arabicParenR"/>
+            </a:pPr>
+            <a:r>
+              <a:rPr lang="en-ZW" dirty="0"/>
+              <a:t>The text moves from </a:t>
+            </a:r>
+          </a:p>
+          <a:p>
             <a:pPr marL="0" indent="0">
               <a:buNone/>
             </a:pPr>
             <a:r>
+              <a:rPr lang="en-ZW" b="1" dirty="0"/>
+              <a:t>	</a:t>
+            </a:r>
+            <a:r>
               <a:rPr lang="en-ZW" b="0" dirty="0"/>
-              <a:t>There’s still a long way to go, but this is a step in the right direction.</a:t>
+              <a:t>Story A: </a:t>
+            </a:r>
+            <a:r>
+              <a:rPr lang="en-ZW" b="0" i="1" dirty="0"/>
+              <a:t>Breaking into a house, then encountering enemies to fight</a:t>
+            </a:r>
+            <a:r>
+              <a:rPr lang="en-ZW" dirty="0"/>
+              <a:t>, </a:t>
             </a:r>
           </a:p>
           <a:p>
@@ -1412,16 +1525,62 @@
               <a:buNone/>
             </a:pPr>
             <a:r>
+              <a:rPr lang="en-ZW" b="1" i="0" dirty="0"/>
+              <a:t>	</a:t>
+            </a:r>
+            <a:r>
+              <a:rPr lang="en-ZW" b="0" i="0" dirty="0"/>
+              <a:t>Story B: </a:t>
+            </a:r>
+            <a:r>
+              <a:rPr lang="en-ZW" b="0" i="1" dirty="0"/>
+              <a:t>Fighting enemies but using magic</a:t>
+            </a:r>
+            <a:r>
+              <a:rPr lang="en-ZW" dirty="0"/>
+              <a:t>, </a:t>
+            </a:r>
+          </a:p>
+          <a:p>
+            <a:pPr marL="0" indent="0">
+              <a:buNone/>
+            </a:pPr>
+            <a:r>
+              <a:rPr lang="en-ZW" b="1" dirty="0"/>
+              <a:t>	</a:t>
+            </a:r>
+            <a:r>
               <a:rPr lang="en-ZW" b="0" dirty="0"/>
-              <a:t>I’m confident, this can grow to become a powerful &amp; accessible Language Model, </a:t>
-            </a:r>
-            <a:r>
-              <a:rPr lang="en-ZW" b="0"/>
-              <a:t>for great story </a:t>
+              <a:t>Story C: </a:t>
+            </a:r>
+            <a:r>
+              <a:rPr lang="en-ZW" b="0" i="1" dirty="0"/>
+              <a:t>Defeating Villains</a:t>
+            </a:r>
+            <a:r>
+              <a:rPr lang="en-ZW" i="1" dirty="0"/>
+              <a:t>, </a:t>
+            </a:r>
+          </a:p>
+          <a:p>
+            <a:pPr marL="0" indent="0">
+              <a:buNone/>
+            </a:pPr>
+            <a:r>
+              <a:rPr lang="en-ZW" b="1" i="1" dirty="0"/>
+              <a:t>	</a:t>
             </a:r>
             <a:r>
               <a:rPr lang="en-ZW" b="0" dirty="0"/>
-              <a:t>telling.</a:t>
+              <a:t>Story D: </a:t>
+            </a:r>
+            <a:r>
+              <a:rPr lang="en-ZW" b="0" i="1" dirty="0"/>
+              <a:t>Returning home after saving the day</a:t>
+            </a:r>
+            <a:r>
+              <a:rPr lang="en-ZW" b="1" dirty="0"/>
+              <a:t>.</a:t>
             </a:r>
           </a:p>
         </p:txBody>
@@ -1444,6 +1603,93 @@
             <a:fld id="{D576F340-6DC1-4576-91D2-1EA8B77D43F1}" type="slidenum">
               <a:rPr lang="en-ZW" smtClean="0"/>
               <a:t>8</a:t>
+            </a:fld>
+            <a:endParaRPr lang="en-ZW"/>
+          </a:p>
+        </p:txBody>
+      </p:sp>
+    </p:spTree>
+    <p:extLst>
+      <p:ext uri="{BB962C8B-B14F-4D97-AF65-F5344CB8AC3E}">
+        <p14:creationId xmlns:p14="http://schemas.microsoft.com/office/powerpoint/2010/main" val="762673071"/>
+      </p:ext>
+    </p:extLst>
+  </p:cSld>
+  <p:clrMapOvr>
+    <a:masterClrMapping/>
+  </p:clrMapOvr>
+</p:notes>
+</file>
+
+<file path=ppt/notesSlides/notesSlide8.xml><?xml version="1.0" encoding="utf-8"?>
+<p:notes xmlns:a="http://schemas.openxmlformats.org/drawingml/2006/main" xmlns:r="http://schemas.openxmlformats.org/officeDocument/2006/relationships" xmlns:p="http://schemas.openxmlformats.org/presentationml/2006/main">
+  <p:cSld>
+    <p:spTree>
+      <p:nvGrpSpPr>
+        <p:cNvPr id="1" name=""/>
+        <p:cNvGrpSpPr/>
+        <p:nvPr/>
+      </p:nvGrpSpPr>
+      <p:grpSpPr>
+        <a:xfrm>
+          <a:off x="0" y="0"/>
+          <a:ext cx="0" cy="0"/>
+          <a:chOff x="0" y="0"/>
+          <a:chExt cx="0" cy="0"/>
+        </a:xfrm>
+      </p:grpSpPr>
+      <p:sp>
+        <p:nvSpPr>
+          <p:cNvPr id="2" name="Slide Image Placeholder 1"/>
+          <p:cNvSpPr>
+            <a:spLocks noGrp="1" noRot="1" noChangeAspect="1"/>
+          </p:cNvSpPr>
+          <p:nvPr>
+            <p:ph type="sldImg"/>
+          </p:nvPr>
+        </p:nvSpPr>
+        <p:spPr/>
+      </p:sp>
+      <p:sp>
+        <p:nvSpPr>
+          <p:cNvPr id="3" name="Notes Placeholder 2"/>
+          <p:cNvSpPr>
+            <a:spLocks noGrp="1"/>
+          </p:cNvSpPr>
+          <p:nvPr>
+            <p:ph type="body" idx="1"/>
+          </p:nvPr>
+        </p:nvSpPr>
+        <p:spPr/>
+        <p:txBody>
+          <a:bodyPr/>
+          <a:lstStyle/>
+          <a:p>
+            <a:pPr marL="0" indent="0">
+              <a:buNone/>
+            </a:pPr>
+            <a:endParaRPr lang="en-ZW" b="0" dirty="0"/>
+          </a:p>
+        </p:txBody>
+      </p:sp>
+      <p:sp>
+        <p:nvSpPr>
+          <p:cNvPr id="4" name="Slide Number Placeholder 3"/>
+          <p:cNvSpPr>
+            <a:spLocks noGrp="1"/>
+          </p:cNvSpPr>
+          <p:nvPr>
+            <p:ph type="sldNum" sz="quarter" idx="5"/>
+          </p:nvPr>
+        </p:nvSpPr>
+        <p:spPr/>
+        <p:txBody>
+          <a:bodyPr/>
+          <a:lstStyle/>
+          <a:p>
+            <a:fld id="{D576F340-6DC1-4576-91D2-1EA8B77D43F1}" type="slidenum">
+              <a:rPr lang="en-ZW" smtClean="0"/>
+              <a:t>9</a:t>
             </a:fld>
             <a:endParaRPr lang="en-ZW"/>
           </a:p>
@@ -1611,7 +1857,7 @@
           <a:p>
             <a:fld id="{BBEC8A20-2599-4036-AAC1-1C2EF308A1A8}" type="datetimeFigureOut">
               <a:rPr lang="en-ZW" smtClean="0"/>
-              <a:t>26/1/2024</a:t>
+              <a:t>30/1/2024</a:t>
             </a:fld>
             <a:endParaRPr lang="en-ZW"/>
           </a:p>
@@ -1811,7 +2057,7 @@
           <a:p>
             <a:fld id="{BBEC8A20-2599-4036-AAC1-1C2EF308A1A8}" type="datetimeFigureOut">
               <a:rPr lang="en-ZW" smtClean="0"/>
-              <a:t>26/1/2024</a:t>
+              <a:t>30/1/2024</a:t>
             </a:fld>
             <a:endParaRPr lang="en-ZW"/>
           </a:p>
@@ -2021,7 +2267,7 @@
           <a:p>
             <a:fld id="{BBEC8A20-2599-4036-AAC1-1C2EF308A1A8}" type="datetimeFigureOut">
               <a:rPr lang="en-ZW" smtClean="0"/>
-              <a:t>26/1/2024</a:t>
+              <a:t>30/1/2024</a:t>
             </a:fld>
             <a:endParaRPr lang="en-ZW"/>
           </a:p>
@@ -2221,7 +2467,7 @@
           <a:p>
             <a:fld id="{BBEC8A20-2599-4036-AAC1-1C2EF308A1A8}" type="datetimeFigureOut">
               <a:rPr lang="en-ZW" smtClean="0"/>
-              <a:t>26/1/2024</a:t>
+              <a:t>30/1/2024</a:t>
             </a:fld>
             <a:endParaRPr lang="en-ZW"/>
           </a:p>
@@ -2497,7 +2743,7 @@
           <a:p>
             <a:fld id="{BBEC8A20-2599-4036-AAC1-1C2EF308A1A8}" type="datetimeFigureOut">
               <a:rPr lang="en-ZW" smtClean="0"/>
-              <a:t>26/1/2024</a:t>
+              <a:t>30/1/2024</a:t>
             </a:fld>
             <a:endParaRPr lang="en-ZW"/>
           </a:p>
@@ -2765,7 +3011,7 @@
           <a:p>
             <a:fld id="{BBEC8A20-2599-4036-AAC1-1C2EF308A1A8}" type="datetimeFigureOut">
               <a:rPr lang="en-ZW" smtClean="0"/>
-              <a:t>26/1/2024</a:t>
+              <a:t>30/1/2024</a:t>
             </a:fld>
             <a:endParaRPr lang="en-ZW"/>
           </a:p>
@@ -3180,7 +3426,7 @@
           <a:p>
             <a:fld id="{BBEC8A20-2599-4036-AAC1-1C2EF308A1A8}" type="datetimeFigureOut">
               <a:rPr lang="en-ZW" smtClean="0"/>
-              <a:t>26/1/2024</a:t>
+              <a:t>30/1/2024</a:t>
             </a:fld>
             <a:endParaRPr lang="en-ZW"/>
           </a:p>
@@ -3322,7 +3568,7 @@
           <a:p>
             <a:fld id="{BBEC8A20-2599-4036-AAC1-1C2EF308A1A8}" type="datetimeFigureOut">
               <a:rPr lang="en-ZW" smtClean="0"/>
-              <a:t>26/1/2024</a:t>
+              <a:t>30/1/2024</a:t>
             </a:fld>
             <a:endParaRPr lang="en-ZW"/>
           </a:p>
@@ -3435,7 +3681,7 @@
           <a:p>
             <a:fld id="{BBEC8A20-2599-4036-AAC1-1C2EF308A1A8}" type="datetimeFigureOut">
               <a:rPr lang="en-ZW" smtClean="0"/>
-              <a:t>26/1/2024</a:t>
+              <a:t>30/1/2024</a:t>
             </a:fld>
             <a:endParaRPr lang="en-ZW"/>
           </a:p>
@@ -3748,7 +3994,7 @@
           <a:p>
             <a:fld id="{BBEC8A20-2599-4036-AAC1-1C2EF308A1A8}" type="datetimeFigureOut">
               <a:rPr lang="en-ZW" smtClean="0"/>
-              <a:t>26/1/2024</a:t>
+              <a:t>30/1/2024</a:t>
             </a:fld>
             <a:endParaRPr lang="en-ZW"/>
           </a:p>
@@ -4037,7 +4283,7 @@
           <a:p>
             <a:fld id="{BBEC8A20-2599-4036-AAC1-1C2EF308A1A8}" type="datetimeFigureOut">
               <a:rPr lang="en-ZW" smtClean="0"/>
-              <a:t>26/1/2024</a:t>
+              <a:t>30/1/2024</a:t>
             </a:fld>
             <a:endParaRPr lang="en-ZW"/>
           </a:p>
@@ -4280,7 +4526,7 @@
           <a:p>
             <a:fld id="{BBEC8A20-2599-4036-AAC1-1C2EF308A1A8}" type="datetimeFigureOut">
               <a:rPr lang="en-ZW" smtClean="0"/>
-              <a:t>26/1/2024</a:t>
+              <a:t>30/1/2024</a:t>
             </a:fld>
             <a:endParaRPr lang="en-ZW"/>
           </a:p>
@@ -4801,6 +5047,71 @@
 </p:sld>
 </file>
 
+<file path=ppt/slides/slide10.xml><?xml version="1.0" encoding="utf-8"?>
+<p:sld xmlns:a="http://schemas.openxmlformats.org/drawingml/2006/main" xmlns:r="http://schemas.openxmlformats.org/officeDocument/2006/relationships" xmlns:p="http://schemas.openxmlformats.org/presentationml/2006/main">
+  <p:cSld>
+    <p:spTree>
+      <p:nvGrpSpPr>
+        <p:cNvPr id="1" name=""/>
+        <p:cNvGrpSpPr/>
+        <p:nvPr/>
+      </p:nvGrpSpPr>
+      <p:grpSpPr>
+        <a:xfrm>
+          <a:off x="0" y="0"/>
+          <a:ext cx="0" cy="0"/>
+          <a:chOff x="0" y="0"/>
+          <a:chExt cx="0" cy="0"/>
+        </a:xfrm>
+      </p:grpSpPr>
+      <p:sp>
+        <p:nvSpPr>
+          <p:cNvPr id="2" name="TextBox 1">
+            <a:extLst>
+              <a:ext uri="{FF2B5EF4-FFF2-40B4-BE49-F238E27FC236}">
+                <a16:creationId xmlns:a16="http://schemas.microsoft.com/office/drawing/2014/main" id="{DE241D64-FB4C-4F84-A301-E43DD2E74DD6}"/>
+              </a:ext>
+            </a:extLst>
+          </p:cNvPr>
+          <p:cNvSpPr txBox="1"/>
+          <p:nvPr/>
+        </p:nvSpPr>
+        <p:spPr>
+          <a:xfrm>
+            <a:off x="5760720" y="2857500"/>
+            <a:ext cx="1005840" cy="584775"/>
+          </a:xfrm>
+          <a:prstGeom prst="rect">
+            <a:avLst/>
+          </a:prstGeom>
+          <a:noFill/>
+        </p:spPr>
+        <p:txBody>
+          <a:bodyPr wrap="square" rtlCol="0">
+            <a:spAutoFit/>
+          </a:bodyPr>
+          <a:lstStyle/>
+          <a:p>
+            <a:r>
+              <a:rPr lang="en-ZW" sz="3200" dirty="0"/>
+              <a:t>END</a:t>
+            </a:r>
+          </a:p>
+        </p:txBody>
+      </p:sp>
+    </p:spTree>
+    <p:extLst>
+      <p:ext uri="{BB962C8B-B14F-4D97-AF65-F5344CB8AC3E}">
+        <p14:creationId xmlns:p14="http://schemas.microsoft.com/office/powerpoint/2010/main" val="3651982013"/>
+      </p:ext>
+    </p:extLst>
+  </p:cSld>
+  <p:clrMapOvr>
+    <a:masterClrMapping/>
+  </p:clrMapOvr>
+</p:sld>
+</file>
+
 <file path=ppt/slides/slide2.xml><?xml version="1.0" encoding="utf-8"?>
 <p:sld xmlns:a="http://schemas.openxmlformats.org/drawingml/2006/main" xmlns:r="http://schemas.openxmlformats.org/officeDocument/2006/relationships" xmlns:p="http://schemas.openxmlformats.org/presentationml/2006/main">
   <p:cSld>
@@ -10049,10 +10360,10 @@
       </p:grpSpPr>
       <p:sp>
         <p:nvSpPr>
-          <p:cNvPr id="25" name="TextBox 24">
-            <a:extLst>
-              <a:ext uri="{FF2B5EF4-FFF2-40B4-BE49-F238E27FC236}">
-                <a16:creationId xmlns:a16="http://schemas.microsoft.com/office/drawing/2014/main" id="{2221A84E-49F3-435E-B739-9B08ADF2141F}"/>
+          <p:cNvPr id="2" name="TextBox 1">
+            <a:extLst>
+              <a:ext uri="{FF2B5EF4-FFF2-40B4-BE49-F238E27FC236}">
+                <a16:creationId xmlns:a16="http://schemas.microsoft.com/office/drawing/2014/main" id="{F37512F8-88B9-4422-B905-15C111E10D3E}"/>
               </a:ext>
             </a:extLst>
           </p:cNvPr>
@@ -10061,8 +10372,8 @@
         </p:nvSpPr>
         <p:spPr>
           <a:xfrm>
-            <a:off x="265471" y="127819"/>
-            <a:ext cx="2566219" cy="369332"/>
+            <a:off x="554924" y="218180"/>
+            <a:ext cx="2566219" cy="338554"/>
           </a:xfrm>
           <a:prstGeom prst="rect">
             <a:avLst/>
@@ -10076,22 +10387,22 @@
           <a:lstStyle/>
           <a:p>
             <a:r>
-              <a:rPr lang="en-ZW" b="1" dirty="0">
+              <a:rPr lang="en-ZW" sz="1600" b="1" dirty="0">
                 <a:solidFill>
                   <a:srgbClr val="C00000"/>
                 </a:solidFill>
               </a:rPr>
-              <a:t>Inference</a:t>
-            </a:r>
-          </a:p>
-        </p:txBody>
-      </p:sp>
-      <p:sp>
-        <p:nvSpPr>
-          <p:cNvPr id="27" name="Rectangle 26">
-            <a:extLst>
-              <a:ext uri="{FF2B5EF4-FFF2-40B4-BE49-F238E27FC236}">
-                <a16:creationId xmlns:a16="http://schemas.microsoft.com/office/drawing/2014/main" id="{371D3DEE-AE2B-4FD7-9FF1-F618E37AA3A7}"/>
+              <a:t>Sample Text</a:t>
+            </a:r>
+          </a:p>
+        </p:txBody>
+      </p:sp>
+      <p:sp>
+        <p:nvSpPr>
+          <p:cNvPr id="6" name="Rectangle 5">
+            <a:extLst>
+              <a:ext uri="{FF2B5EF4-FFF2-40B4-BE49-F238E27FC236}">
+                <a16:creationId xmlns:a16="http://schemas.microsoft.com/office/drawing/2014/main" id="{476584E9-7773-43B1-8654-C63F4F95EF42}"/>
               </a:ext>
             </a:extLst>
           </p:cNvPr>
@@ -10100,8 +10411,8 @@
         </p:nvSpPr>
         <p:spPr>
           <a:xfrm>
-            <a:off x="2203120" y="1564571"/>
-            <a:ext cx="2133600" cy="835742"/>
+            <a:off x="600364" y="637923"/>
+            <a:ext cx="11018981" cy="572654"/>
           </a:xfrm>
           <a:prstGeom prst="rect">
             <a:avLst/>
@@ -10128,31 +10439,1003 @@
           <a:p>
             <a:pPr algn="ctr"/>
             <a:r>
-              <a:rPr lang="en-ZW" b="1" dirty="0"/>
-              <a:t>Set State T</a:t>
-            </a:r>
-            <a:endParaRPr lang="en-ZW" b="1" i="1" dirty="0"/>
+              <a:rPr lang="en-ZW" dirty="0"/>
+              <a:t>It was on the first day of the week. We were walking around, like it was the 5</a:t>
+            </a:r>
+            <a:r>
+              <a:rPr lang="en-ZW" baseline="30000" dirty="0"/>
+              <a:t>th</a:t>
+            </a:r>
+            <a:r>
+              <a:rPr lang="en-ZW" dirty="0"/>
+              <a:t> of July. But It was not. It was the 6</a:t>
+            </a:r>
+            <a:r>
+              <a:rPr lang="en-ZW" baseline="30000" dirty="0"/>
+              <a:t>th</a:t>
+            </a:r>
+            <a:r>
+              <a:rPr lang="en-ZW" dirty="0"/>
+              <a:t>.</a:t>
+            </a:r>
+          </a:p>
+        </p:txBody>
+      </p:sp>
+      <p:sp>
+        <p:nvSpPr>
+          <p:cNvPr id="10" name="Rectangle 9">
+            <a:extLst>
+              <a:ext uri="{FF2B5EF4-FFF2-40B4-BE49-F238E27FC236}">
+                <a16:creationId xmlns:a16="http://schemas.microsoft.com/office/drawing/2014/main" id="{6B65D19A-B352-4E7E-AD1D-D2A143ECE720}"/>
+              </a:ext>
+            </a:extLst>
+          </p:cNvPr>
+          <p:cNvSpPr/>
+          <p:nvPr/>
+        </p:nvSpPr>
+        <p:spPr>
+          <a:xfrm>
+            <a:off x="600364" y="5546445"/>
+            <a:ext cx="1163781" cy="572654"/>
+          </a:xfrm>
+          <a:prstGeom prst="rect">
+            <a:avLst/>
+          </a:prstGeom>
+          <a:ln w="38100"/>
+        </p:spPr>
+        <p:style>
+          <a:lnRef idx="2">
+            <a:schemeClr val="dk1"/>
+          </a:lnRef>
+          <a:fillRef idx="1">
+            <a:schemeClr val="lt1"/>
+          </a:fillRef>
+          <a:effectRef idx="0">
+            <a:schemeClr val="dk1"/>
+          </a:effectRef>
+          <a:fontRef idx="minor">
+            <a:schemeClr val="dk1"/>
+          </a:fontRef>
+        </p:style>
+        <p:txBody>
+          <a:bodyPr rtlCol="0" anchor="ctr"/>
+          <a:lstStyle/>
+          <a:p>
+            <a:pPr algn="ctr"/>
+            <a:r>
+              <a:rPr lang="en-ZW" dirty="0"/>
+              <a:t>It was</a:t>
+            </a:r>
+          </a:p>
+        </p:txBody>
+      </p:sp>
+      <p:sp>
+        <p:nvSpPr>
+          <p:cNvPr id="26" name="Rectangle 25">
+            <a:extLst>
+              <a:ext uri="{FF2B5EF4-FFF2-40B4-BE49-F238E27FC236}">
+                <a16:creationId xmlns:a16="http://schemas.microsoft.com/office/drawing/2014/main" id="{BC29E230-078E-4C59-8AF2-B2729669D543}"/>
+              </a:ext>
+            </a:extLst>
+          </p:cNvPr>
+          <p:cNvSpPr/>
+          <p:nvPr/>
+        </p:nvSpPr>
+        <p:spPr>
+          <a:xfrm>
+            <a:off x="2063584" y="4576628"/>
+            <a:ext cx="1163781" cy="572654"/>
+          </a:xfrm>
+          <a:prstGeom prst="rect">
+            <a:avLst/>
+          </a:prstGeom>
+          <a:ln w="38100"/>
+        </p:spPr>
+        <p:style>
+          <a:lnRef idx="2">
+            <a:schemeClr val="dk1"/>
+          </a:lnRef>
+          <a:fillRef idx="1">
+            <a:schemeClr val="lt1"/>
+          </a:fillRef>
+          <a:effectRef idx="0">
+            <a:schemeClr val="dk1"/>
+          </a:effectRef>
+          <a:fontRef idx="minor">
+            <a:schemeClr val="dk1"/>
+          </a:fontRef>
+        </p:style>
+        <p:txBody>
+          <a:bodyPr rtlCol="0" anchor="ctr"/>
+          <a:lstStyle/>
+          <a:p>
+            <a:pPr algn="ctr"/>
+            <a:r>
+              <a:rPr lang="en-ZW" dirty="0"/>
+              <a:t>on</a:t>
+            </a:r>
+          </a:p>
+        </p:txBody>
+      </p:sp>
+      <p:sp>
+        <p:nvSpPr>
+          <p:cNvPr id="44" name="Rectangle 43">
+            <a:extLst>
+              <a:ext uri="{FF2B5EF4-FFF2-40B4-BE49-F238E27FC236}">
+                <a16:creationId xmlns:a16="http://schemas.microsoft.com/office/drawing/2014/main" id="{1D50BED3-48D9-43C3-BD13-7071AE05A0E0}"/>
+              </a:ext>
+            </a:extLst>
+          </p:cNvPr>
+          <p:cNvSpPr/>
+          <p:nvPr/>
+        </p:nvSpPr>
+        <p:spPr>
+          <a:xfrm>
+            <a:off x="674254" y="2309096"/>
+            <a:ext cx="1163781" cy="572654"/>
+          </a:xfrm>
+          <a:prstGeom prst="rect">
+            <a:avLst/>
+          </a:prstGeom>
+          <a:ln w="38100"/>
+        </p:spPr>
+        <p:style>
+          <a:lnRef idx="2">
+            <a:schemeClr val="dk1"/>
+          </a:lnRef>
+          <a:fillRef idx="1">
+            <a:schemeClr val="lt1"/>
+          </a:fillRef>
+          <a:effectRef idx="0">
+            <a:schemeClr val="dk1"/>
+          </a:effectRef>
+          <a:fontRef idx="minor">
+            <a:schemeClr val="dk1"/>
+          </a:fontRef>
+        </p:style>
+        <p:txBody>
+          <a:bodyPr rtlCol="0" anchor="ctr"/>
+          <a:lstStyle/>
+          <a:p>
+            <a:pPr algn="ctr"/>
+            <a:r>
+              <a:rPr lang="en-ZW" dirty="0"/>
+              <a:t>It was</a:t>
+            </a:r>
+          </a:p>
+        </p:txBody>
+      </p:sp>
+      <p:sp>
+        <p:nvSpPr>
+          <p:cNvPr id="45" name="Rectangle 44">
+            <a:extLst>
+              <a:ext uri="{FF2B5EF4-FFF2-40B4-BE49-F238E27FC236}">
+                <a16:creationId xmlns:a16="http://schemas.microsoft.com/office/drawing/2014/main" id="{38F8B427-6CE0-4232-8C5B-6AAFC50992AF}"/>
+              </a:ext>
+            </a:extLst>
+          </p:cNvPr>
+          <p:cNvSpPr/>
+          <p:nvPr/>
+        </p:nvSpPr>
+        <p:spPr>
+          <a:xfrm>
+            <a:off x="2249798" y="1990444"/>
+            <a:ext cx="1163781" cy="572654"/>
+          </a:xfrm>
+          <a:prstGeom prst="rect">
+            <a:avLst/>
+          </a:prstGeom>
+          <a:ln w="38100"/>
+        </p:spPr>
+        <p:style>
+          <a:lnRef idx="2">
+            <a:schemeClr val="dk1"/>
+          </a:lnRef>
+          <a:fillRef idx="1">
+            <a:schemeClr val="lt1"/>
+          </a:fillRef>
+          <a:effectRef idx="0">
+            <a:schemeClr val="dk1"/>
+          </a:effectRef>
+          <a:fontRef idx="minor">
+            <a:schemeClr val="dk1"/>
+          </a:fontRef>
+        </p:style>
+        <p:txBody>
+          <a:bodyPr rtlCol="0" anchor="ctr"/>
+          <a:lstStyle/>
+          <a:p>
+            <a:pPr algn="ctr"/>
+            <a:r>
+              <a:rPr lang="en-ZW" dirty="0"/>
+              <a:t>not.</a:t>
+            </a:r>
+          </a:p>
+        </p:txBody>
+      </p:sp>
+      <p:sp>
+        <p:nvSpPr>
+          <p:cNvPr id="46" name="Rectangle 45">
+            <a:extLst>
+              <a:ext uri="{FF2B5EF4-FFF2-40B4-BE49-F238E27FC236}">
+                <a16:creationId xmlns:a16="http://schemas.microsoft.com/office/drawing/2014/main" id="{A37CF4BF-AAD2-499B-BF34-337D29B5CB1E}"/>
+              </a:ext>
+            </a:extLst>
+          </p:cNvPr>
+          <p:cNvSpPr/>
+          <p:nvPr/>
+        </p:nvSpPr>
+        <p:spPr>
+          <a:xfrm>
+            <a:off x="2249797" y="2706263"/>
+            <a:ext cx="1163781" cy="572654"/>
+          </a:xfrm>
+          <a:prstGeom prst="rect">
+            <a:avLst/>
+          </a:prstGeom>
+          <a:ln w="38100"/>
+        </p:spPr>
+        <p:style>
+          <a:lnRef idx="2">
+            <a:schemeClr val="dk1"/>
+          </a:lnRef>
+          <a:fillRef idx="1">
+            <a:schemeClr val="lt1"/>
+          </a:fillRef>
+          <a:effectRef idx="0">
+            <a:schemeClr val="dk1"/>
+          </a:effectRef>
+          <a:fontRef idx="minor">
+            <a:schemeClr val="dk1"/>
+          </a:fontRef>
+        </p:style>
+        <p:txBody>
+          <a:bodyPr rtlCol="0" anchor="ctr"/>
+          <a:lstStyle/>
+          <a:p>
+            <a:pPr algn="ctr"/>
+            <a:r>
+              <a:rPr lang="en-ZW" dirty="0"/>
+              <a:t>on</a:t>
+            </a:r>
+          </a:p>
+        </p:txBody>
+      </p:sp>
+      <p:sp>
+        <p:nvSpPr>
+          <p:cNvPr id="47" name="Rectangle 46">
+            <a:extLst>
+              <a:ext uri="{FF2B5EF4-FFF2-40B4-BE49-F238E27FC236}">
+                <a16:creationId xmlns:a16="http://schemas.microsoft.com/office/drawing/2014/main" id="{94AF41BF-9432-497C-A0B0-090F8D1ED28C}"/>
+              </a:ext>
+            </a:extLst>
+          </p:cNvPr>
+          <p:cNvSpPr/>
+          <p:nvPr/>
+        </p:nvSpPr>
+        <p:spPr>
+          <a:xfrm>
+            <a:off x="3981615" y="2706263"/>
+            <a:ext cx="1163781" cy="572654"/>
+          </a:xfrm>
+          <a:prstGeom prst="rect">
+            <a:avLst/>
+          </a:prstGeom>
+          <a:ln w="38100"/>
+        </p:spPr>
+        <p:style>
+          <a:lnRef idx="2">
+            <a:schemeClr val="dk1"/>
+          </a:lnRef>
+          <a:fillRef idx="1">
+            <a:schemeClr val="lt1"/>
+          </a:fillRef>
+          <a:effectRef idx="0">
+            <a:schemeClr val="dk1"/>
+          </a:effectRef>
+          <a:fontRef idx="minor">
+            <a:schemeClr val="dk1"/>
+          </a:fontRef>
+        </p:style>
+        <p:txBody>
+          <a:bodyPr rtlCol="0" anchor="ctr"/>
+          <a:lstStyle/>
+          <a:p>
+            <a:pPr algn="ctr"/>
+            <a:r>
+              <a:rPr lang="en-ZW" dirty="0"/>
+              <a:t>the</a:t>
+            </a:r>
+          </a:p>
+        </p:txBody>
+      </p:sp>
+      <p:sp>
+        <p:nvSpPr>
+          <p:cNvPr id="49" name="Rectangle 48">
+            <a:extLst>
+              <a:ext uri="{FF2B5EF4-FFF2-40B4-BE49-F238E27FC236}">
+                <a16:creationId xmlns:a16="http://schemas.microsoft.com/office/drawing/2014/main" id="{B75FB73B-FA94-41AF-8F7C-7833AAD0A8A0}"/>
+              </a:ext>
+            </a:extLst>
+          </p:cNvPr>
+          <p:cNvSpPr/>
+          <p:nvPr/>
+        </p:nvSpPr>
+        <p:spPr>
+          <a:xfrm>
+            <a:off x="3981614" y="1976591"/>
+            <a:ext cx="1163781" cy="572654"/>
+          </a:xfrm>
+          <a:prstGeom prst="rect">
+            <a:avLst/>
+          </a:prstGeom>
+          <a:ln w="38100"/>
+        </p:spPr>
+        <p:style>
+          <a:lnRef idx="2">
+            <a:schemeClr val="dk1"/>
+          </a:lnRef>
+          <a:fillRef idx="1">
+            <a:schemeClr val="lt1"/>
+          </a:fillRef>
+          <a:effectRef idx="0">
+            <a:schemeClr val="dk1"/>
+          </a:effectRef>
+          <a:fontRef idx="minor">
+            <a:schemeClr val="dk1"/>
+          </a:fontRef>
+        </p:style>
+        <p:txBody>
+          <a:bodyPr rtlCol="0" anchor="ctr"/>
+          <a:lstStyle/>
+          <a:p>
+            <a:pPr algn="ctr"/>
+            <a:r>
+              <a:rPr lang="en-ZW" dirty="0"/>
+              <a:t>It</a:t>
+            </a:r>
+          </a:p>
+        </p:txBody>
+      </p:sp>
+      <p:sp>
+        <p:nvSpPr>
+          <p:cNvPr id="50" name="Rectangle 49">
+            <a:extLst>
+              <a:ext uri="{FF2B5EF4-FFF2-40B4-BE49-F238E27FC236}">
+                <a16:creationId xmlns:a16="http://schemas.microsoft.com/office/drawing/2014/main" id="{771FA593-2F57-4892-99B3-4000A935A8C5}"/>
+              </a:ext>
+            </a:extLst>
+          </p:cNvPr>
+          <p:cNvSpPr/>
+          <p:nvPr/>
+        </p:nvSpPr>
+        <p:spPr>
+          <a:xfrm>
+            <a:off x="5514109" y="2020457"/>
+            <a:ext cx="1163781" cy="572654"/>
+          </a:xfrm>
+          <a:prstGeom prst="rect">
+            <a:avLst/>
+          </a:prstGeom>
+          <a:ln w="38100"/>
+        </p:spPr>
+        <p:style>
+          <a:lnRef idx="2">
+            <a:schemeClr val="dk1"/>
+          </a:lnRef>
+          <a:fillRef idx="1">
+            <a:schemeClr val="lt1"/>
+          </a:fillRef>
+          <a:effectRef idx="0">
+            <a:schemeClr val="dk1"/>
+          </a:effectRef>
+          <a:fontRef idx="minor">
+            <a:schemeClr val="dk1"/>
+          </a:fontRef>
+        </p:style>
+        <p:txBody>
+          <a:bodyPr rtlCol="0" anchor="ctr"/>
+          <a:lstStyle/>
+          <a:p>
+            <a:pPr algn="ctr"/>
+            <a:r>
+              <a:rPr lang="en-ZW" dirty="0"/>
+              <a:t>was</a:t>
+            </a:r>
+          </a:p>
+        </p:txBody>
+      </p:sp>
+      <p:sp>
+        <p:nvSpPr>
+          <p:cNvPr id="51" name="Rectangle 50">
+            <a:extLst>
+              <a:ext uri="{FF2B5EF4-FFF2-40B4-BE49-F238E27FC236}">
+                <a16:creationId xmlns:a16="http://schemas.microsoft.com/office/drawing/2014/main" id="{533EFC6A-F5D8-4F04-9379-65DF10C310E6}"/>
+              </a:ext>
+            </a:extLst>
+          </p:cNvPr>
+          <p:cNvSpPr/>
+          <p:nvPr/>
+        </p:nvSpPr>
+        <p:spPr>
+          <a:xfrm>
+            <a:off x="5527962" y="2706263"/>
+            <a:ext cx="1163781" cy="572654"/>
+          </a:xfrm>
+          <a:prstGeom prst="rect">
+            <a:avLst/>
+          </a:prstGeom>
+          <a:solidFill>
+            <a:srgbClr val="00B050"/>
+          </a:solidFill>
+          <a:ln w="38100"/>
+        </p:spPr>
+        <p:style>
+          <a:lnRef idx="2">
+            <a:schemeClr val="dk1"/>
+          </a:lnRef>
+          <a:fillRef idx="1">
+            <a:schemeClr val="lt1"/>
+          </a:fillRef>
+          <a:effectRef idx="0">
+            <a:schemeClr val="dk1"/>
+          </a:effectRef>
+          <a:fontRef idx="minor">
+            <a:schemeClr val="dk1"/>
+          </a:fontRef>
+        </p:style>
+        <p:txBody>
+          <a:bodyPr rtlCol="0" anchor="ctr"/>
+          <a:lstStyle/>
+          <a:p>
+            <a:pPr algn="ctr"/>
+            <a:r>
+              <a:rPr lang="en-ZW" b="1" dirty="0">
+                <a:solidFill>
+                  <a:schemeClr val="bg1"/>
+                </a:solidFill>
+              </a:rPr>
+              <a:t>first</a:t>
+            </a:r>
+          </a:p>
+        </p:txBody>
+      </p:sp>
+      <p:sp>
+        <p:nvSpPr>
+          <p:cNvPr id="53" name="Rectangle 52">
+            <a:extLst>
+              <a:ext uri="{FF2B5EF4-FFF2-40B4-BE49-F238E27FC236}">
+                <a16:creationId xmlns:a16="http://schemas.microsoft.com/office/drawing/2014/main" id="{A2FB2E04-A2A8-49A6-8A6B-F6EE9038724F}"/>
+              </a:ext>
+            </a:extLst>
+          </p:cNvPr>
+          <p:cNvSpPr/>
+          <p:nvPr/>
+        </p:nvSpPr>
+        <p:spPr>
+          <a:xfrm>
+            <a:off x="2063583" y="5329403"/>
+            <a:ext cx="1163781" cy="572654"/>
+          </a:xfrm>
+          <a:prstGeom prst="rect">
+            <a:avLst/>
+          </a:prstGeom>
+          <a:ln w="38100"/>
+        </p:spPr>
+        <p:style>
+          <a:lnRef idx="2">
+            <a:schemeClr val="dk1"/>
+          </a:lnRef>
+          <a:fillRef idx="1">
+            <a:schemeClr val="lt1"/>
+          </a:fillRef>
+          <a:effectRef idx="0">
+            <a:schemeClr val="dk1"/>
+          </a:effectRef>
+          <a:fontRef idx="minor">
+            <a:schemeClr val="dk1"/>
+          </a:fontRef>
+        </p:style>
+        <p:txBody>
+          <a:bodyPr rtlCol="0" anchor="ctr"/>
+          <a:lstStyle/>
+          <a:p>
+            <a:pPr algn="ctr"/>
+            <a:r>
+              <a:rPr lang="en-ZW" dirty="0"/>
+              <a:t>not.</a:t>
+            </a:r>
+          </a:p>
+        </p:txBody>
+      </p:sp>
+      <p:sp>
+        <p:nvSpPr>
+          <p:cNvPr id="54" name="Rectangle 53">
+            <a:extLst>
+              <a:ext uri="{FF2B5EF4-FFF2-40B4-BE49-F238E27FC236}">
+                <a16:creationId xmlns:a16="http://schemas.microsoft.com/office/drawing/2014/main" id="{85AB1C17-F8D3-4872-95ED-E8C38BC55195}"/>
+              </a:ext>
+            </a:extLst>
+          </p:cNvPr>
+          <p:cNvSpPr/>
+          <p:nvPr/>
+        </p:nvSpPr>
+        <p:spPr>
+          <a:xfrm>
+            <a:off x="2039747" y="6157527"/>
+            <a:ext cx="1163781" cy="572654"/>
+          </a:xfrm>
+          <a:prstGeom prst="rect">
+            <a:avLst/>
+          </a:prstGeom>
+          <a:ln w="38100"/>
+        </p:spPr>
+        <p:style>
+          <a:lnRef idx="2">
+            <a:schemeClr val="dk1"/>
+          </a:lnRef>
+          <a:fillRef idx="1">
+            <a:schemeClr val="lt1"/>
+          </a:fillRef>
+          <a:effectRef idx="0">
+            <a:schemeClr val="dk1"/>
+          </a:effectRef>
+          <a:fontRef idx="minor">
+            <a:schemeClr val="dk1"/>
+          </a:fontRef>
+        </p:style>
+        <p:txBody>
+          <a:bodyPr rtlCol="0" anchor="ctr"/>
+          <a:lstStyle/>
+          <a:p>
+            <a:pPr algn="ctr"/>
+            <a:r>
+              <a:rPr lang="en-ZW" dirty="0"/>
+              <a:t>the</a:t>
+            </a:r>
+          </a:p>
+        </p:txBody>
+      </p:sp>
+      <p:sp>
+        <p:nvSpPr>
+          <p:cNvPr id="55" name="Rectangle 54">
+            <a:extLst>
+              <a:ext uri="{FF2B5EF4-FFF2-40B4-BE49-F238E27FC236}">
+                <a16:creationId xmlns:a16="http://schemas.microsoft.com/office/drawing/2014/main" id="{BE65AD2E-CB3E-4A86-BB59-A69E8A9A20B3}"/>
+              </a:ext>
+            </a:extLst>
+          </p:cNvPr>
+          <p:cNvSpPr/>
+          <p:nvPr/>
+        </p:nvSpPr>
+        <p:spPr>
+          <a:xfrm>
+            <a:off x="5376305" y="6154438"/>
+            <a:ext cx="1163781" cy="572654"/>
+          </a:xfrm>
+          <a:prstGeom prst="rect">
+            <a:avLst/>
+          </a:prstGeom>
+          <a:ln w="38100"/>
+        </p:spPr>
+        <p:style>
+          <a:lnRef idx="2">
+            <a:schemeClr val="dk1"/>
+          </a:lnRef>
+          <a:fillRef idx="1">
+            <a:schemeClr val="lt1"/>
+          </a:fillRef>
+          <a:effectRef idx="0">
+            <a:schemeClr val="dk1"/>
+          </a:effectRef>
+          <a:fontRef idx="minor">
+            <a:schemeClr val="dk1"/>
+          </a:fontRef>
+        </p:style>
+        <p:txBody>
+          <a:bodyPr rtlCol="0" anchor="ctr"/>
+          <a:lstStyle/>
+          <a:p>
+            <a:pPr algn="ctr"/>
+            <a:r>
+              <a:rPr lang="en-ZW" dirty="0"/>
+              <a:t>6</a:t>
+            </a:r>
+            <a:r>
+              <a:rPr lang="en-ZW" baseline="30000" dirty="0"/>
+              <a:t>th</a:t>
+            </a:r>
+            <a:r>
+              <a:rPr lang="en-ZW" dirty="0"/>
+              <a:t>.</a:t>
+            </a:r>
+          </a:p>
+        </p:txBody>
+      </p:sp>
+      <p:sp>
+        <p:nvSpPr>
+          <p:cNvPr id="56" name="Rectangle 55">
+            <a:extLst>
+              <a:ext uri="{FF2B5EF4-FFF2-40B4-BE49-F238E27FC236}">
+                <a16:creationId xmlns:a16="http://schemas.microsoft.com/office/drawing/2014/main" id="{DE419442-65F5-4109-BF4A-E2209BB65B6F}"/>
+              </a:ext>
+            </a:extLst>
+          </p:cNvPr>
+          <p:cNvSpPr/>
+          <p:nvPr/>
+        </p:nvSpPr>
+        <p:spPr>
+          <a:xfrm>
+            <a:off x="5376305" y="5594148"/>
+            <a:ext cx="1163781" cy="572654"/>
+          </a:xfrm>
+          <a:prstGeom prst="rect">
+            <a:avLst/>
+          </a:prstGeom>
+          <a:ln w="38100"/>
+        </p:spPr>
+        <p:style>
+          <a:lnRef idx="2">
+            <a:schemeClr val="dk1"/>
+          </a:lnRef>
+          <a:fillRef idx="1">
+            <a:schemeClr val="lt1"/>
+          </a:fillRef>
+          <a:effectRef idx="0">
+            <a:schemeClr val="dk1"/>
+          </a:effectRef>
+          <a:fontRef idx="minor">
+            <a:schemeClr val="dk1"/>
+          </a:fontRef>
+        </p:style>
+        <p:txBody>
+          <a:bodyPr rtlCol="0" anchor="ctr"/>
+          <a:lstStyle/>
+          <a:p>
+            <a:pPr algn="ctr"/>
+            <a:r>
+              <a:rPr lang="en-ZW" dirty="0"/>
+              <a:t>5</a:t>
+            </a:r>
+            <a:r>
+              <a:rPr lang="en-ZW" baseline="30000" dirty="0"/>
+              <a:t>th</a:t>
+            </a:r>
+            <a:r>
+              <a:rPr lang="en-ZW" dirty="0"/>
+              <a:t> </a:t>
+            </a:r>
+          </a:p>
+        </p:txBody>
+      </p:sp>
+      <p:sp>
+        <p:nvSpPr>
+          <p:cNvPr id="57" name="Rectangle 56">
+            <a:extLst>
+              <a:ext uri="{FF2B5EF4-FFF2-40B4-BE49-F238E27FC236}">
+                <a16:creationId xmlns:a16="http://schemas.microsoft.com/office/drawing/2014/main" id="{75D87652-3D7E-479C-AEA4-20602A033AC2}"/>
+              </a:ext>
+            </a:extLst>
+          </p:cNvPr>
+          <p:cNvSpPr/>
+          <p:nvPr/>
+        </p:nvSpPr>
+        <p:spPr>
+          <a:xfrm>
+            <a:off x="3628028" y="4741349"/>
+            <a:ext cx="1163781" cy="572654"/>
+          </a:xfrm>
+          <a:prstGeom prst="rect">
+            <a:avLst/>
+          </a:prstGeom>
+          <a:ln w="38100"/>
+        </p:spPr>
+        <p:style>
+          <a:lnRef idx="2">
+            <a:schemeClr val="dk1"/>
+          </a:lnRef>
+          <a:fillRef idx="1">
+            <a:schemeClr val="lt1"/>
+          </a:fillRef>
+          <a:effectRef idx="0">
+            <a:schemeClr val="dk1"/>
+          </a:effectRef>
+          <a:fontRef idx="minor">
+            <a:schemeClr val="dk1"/>
+          </a:fontRef>
+        </p:style>
+        <p:txBody>
+          <a:bodyPr rtlCol="0" anchor="ctr"/>
+          <a:lstStyle/>
+          <a:p>
+            <a:pPr algn="ctr"/>
+            <a:r>
+              <a:rPr lang="en-ZW" dirty="0"/>
+              <a:t>the</a:t>
+            </a:r>
+          </a:p>
+        </p:txBody>
+      </p:sp>
+      <p:sp>
+        <p:nvSpPr>
+          <p:cNvPr id="58" name="Rectangle 57">
+            <a:extLst>
+              <a:ext uri="{FF2B5EF4-FFF2-40B4-BE49-F238E27FC236}">
+                <a16:creationId xmlns:a16="http://schemas.microsoft.com/office/drawing/2014/main" id="{DD944DE7-5C92-433A-97AE-DFB9B102D46A}"/>
+              </a:ext>
+            </a:extLst>
+          </p:cNvPr>
+          <p:cNvSpPr/>
+          <p:nvPr/>
+        </p:nvSpPr>
+        <p:spPr>
+          <a:xfrm>
+            <a:off x="5145395" y="4487395"/>
+            <a:ext cx="1163781" cy="572654"/>
+          </a:xfrm>
+          <a:prstGeom prst="rect">
+            <a:avLst/>
+          </a:prstGeom>
+          <a:solidFill>
+            <a:srgbClr val="00B050"/>
+          </a:solidFill>
+          <a:ln w="38100"/>
+        </p:spPr>
+        <p:style>
+          <a:lnRef idx="2">
+            <a:schemeClr val="dk1"/>
+          </a:lnRef>
+          <a:fillRef idx="1">
+            <a:schemeClr val="lt1"/>
+          </a:fillRef>
+          <a:effectRef idx="0">
+            <a:schemeClr val="dk1"/>
+          </a:effectRef>
+          <a:fontRef idx="minor">
+            <a:schemeClr val="dk1"/>
+          </a:fontRef>
+        </p:style>
+        <p:txBody>
+          <a:bodyPr rtlCol="0" anchor="ctr"/>
+          <a:lstStyle/>
+          <a:p>
+            <a:pPr algn="ctr"/>
+            <a:r>
+              <a:rPr lang="en-ZW" b="1" dirty="0">
+                <a:solidFill>
+                  <a:schemeClr val="bg1"/>
+                </a:solidFill>
+              </a:rPr>
+              <a:t>first</a:t>
+            </a:r>
+          </a:p>
+        </p:txBody>
+      </p:sp>
+      <p:sp>
+        <p:nvSpPr>
+          <p:cNvPr id="59" name="Rectangle 58">
+            <a:extLst>
+              <a:ext uri="{FF2B5EF4-FFF2-40B4-BE49-F238E27FC236}">
+                <a16:creationId xmlns:a16="http://schemas.microsoft.com/office/drawing/2014/main" id="{4B70A5E0-D3B9-4BB2-9611-70E0CB51ED3E}"/>
+              </a:ext>
+            </a:extLst>
+          </p:cNvPr>
+          <p:cNvSpPr/>
+          <p:nvPr/>
+        </p:nvSpPr>
+        <p:spPr>
+          <a:xfrm>
+            <a:off x="6908800" y="5227793"/>
+            <a:ext cx="1163781" cy="572654"/>
+          </a:xfrm>
+          <a:prstGeom prst="rect">
+            <a:avLst/>
+          </a:prstGeom>
+          <a:ln w="38100"/>
+        </p:spPr>
+        <p:style>
+          <a:lnRef idx="2">
+            <a:schemeClr val="dk1"/>
+          </a:lnRef>
+          <a:fillRef idx="1">
+            <a:schemeClr val="lt1"/>
+          </a:fillRef>
+          <a:effectRef idx="0">
+            <a:schemeClr val="dk1"/>
+          </a:effectRef>
+          <a:fontRef idx="minor">
+            <a:schemeClr val="dk1"/>
+          </a:fontRef>
+        </p:style>
+        <p:txBody>
+          <a:bodyPr rtlCol="0" anchor="ctr"/>
+          <a:lstStyle/>
+          <a:p>
+            <a:pPr algn="ctr"/>
+            <a:r>
+              <a:rPr lang="en-ZW" dirty="0"/>
+              <a:t>of</a:t>
+            </a:r>
+          </a:p>
+        </p:txBody>
+      </p:sp>
+      <p:sp>
+        <p:nvSpPr>
+          <p:cNvPr id="60" name="Rectangle 59">
+            <a:extLst>
+              <a:ext uri="{FF2B5EF4-FFF2-40B4-BE49-F238E27FC236}">
+                <a16:creationId xmlns:a16="http://schemas.microsoft.com/office/drawing/2014/main" id="{50336696-926B-485A-8E72-CF6D77A930B0}"/>
+              </a:ext>
+            </a:extLst>
+          </p:cNvPr>
+          <p:cNvSpPr/>
+          <p:nvPr/>
+        </p:nvSpPr>
+        <p:spPr>
+          <a:xfrm>
+            <a:off x="6922653" y="5800447"/>
+            <a:ext cx="1163781" cy="572654"/>
+          </a:xfrm>
+          <a:prstGeom prst="rect">
+            <a:avLst/>
+          </a:prstGeom>
+          <a:ln w="38100"/>
+        </p:spPr>
+        <p:style>
+          <a:lnRef idx="2">
+            <a:schemeClr val="dk1"/>
+          </a:lnRef>
+          <a:fillRef idx="1">
+            <a:schemeClr val="lt1"/>
+          </a:fillRef>
+          <a:effectRef idx="0">
+            <a:schemeClr val="dk1"/>
+          </a:effectRef>
+          <a:fontRef idx="minor">
+            <a:schemeClr val="dk1"/>
+          </a:fontRef>
+        </p:style>
+        <p:txBody>
+          <a:bodyPr rtlCol="0" anchor="ctr"/>
+          <a:lstStyle/>
+          <a:p>
+            <a:pPr algn="ctr"/>
+            <a:r>
+              <a:rPr lang="en-ZW" dirty="0"/>
+              <a:t>We</a:t>
+            </a:r>
+          </a:p>
+        </p:txBody>
+      </p:sp>
+      <p:sp>
+        <p:nvSpPr>
+          <p:cNvPr id="61" name="Rectangle 60">
+            <a:extLst>
+              <a:ext uri="{FF2B5EF4-FFF2-40B4-BE49-F238E27FC236}">
+                <a16:creationId xmlns:a16="http://schemas.microsoft.com/office/drawing/2014/main" id="{CE9372AE-D3C3-43EC-A075-8DEC3D06AC8E}"/>
+              </a:ext>
+            </a:extLst>
+          </p:cNvPr>
+          <p:cNvSpPr/>
+          <p:nvPr/>
+        </p:nvSpPr>
+        <p:spPr>
+          <a:xfrm>
+            <a:off x="8469001" y="5403281"/>
+            <a:ext cx="1261137" cy="572654"/>
+          </a:xfrm>
+          <a:prstGeom prst="rect">
+            <a:avLst/>
+          </a:prstGeom>
+          <a:solidFill>
+            <a:srgbClr val="00B050"/>
+          </a:solidFill>
+          <a:ln w="38100"/>
+        </p:spPr>
+        <p:style>
+          <a:lnRef idx="2">
+            <a:schemeClr val="dk1"/>
+          </a:lnRef>
+          <a:fillRef idx="1">
+            <a:schemeClr val="lt1"/>
+          </a:fillRef>
+          <a:effectRef idx="0">
+            <a:schemeClr val="dk1"/>
+          </a:effectRef>
+          <a:fontRef idx="minor">
+            <a:schemeClr val="dk1"/>
+          </a:fontRef>
+        </p:style>
+        <p:txBody>
+          <a:bodyPr rtlCol="0" anchor="ctr"/>
+          <a:lstStyle/>
+          <a:p>
+            <a:pPr algn="ctr"/>
+            <a:r>
+              <a:rPr lang="en-ZW" b="1" dirty="0">
+                <a:solidFill>
+                  <a:schemeClr val="bg1"/>
+                </a:solidFill>
+              </a:rPr>
+              <a:t>July </a:t>
+            </a:r>
+          </a:p>
+        </p:txBody>
+      </p:sp>
+      <p:sp>
+        <p:nvSpPr>
+          <p:cNvPr id="62" name="Rectangle 61">
+            <a:extLst>
+              <a:ext uri="{FF2B5EF4-FFF2-40B4-BE49-F238E27FC236}">
+                <a16:creationId xmlns:a16="http://schemas.microsoft.com/office/drawing/2014/main" id="{B14DB6A6-E3A4-403B-A729-C994C0A01CA2}"/>
+              </a:ext>
+            </a:extLst>
+          </p:cNvPr>
+          <p:cNvSpPr/>
+          <p:nvPr/>
+        </p:nvSpPr>
+        <p:spPr>
+          <a:xfrm>
+            <a:off x="8668324" y="6138313"/>
+            <a:ext cx="1163781" cy="572654"/>
+          </a:xfrm>
+          <a:prstGeom prst="rect">
+            <a:avLst/>
+          </a:prstGeom>
+          <a:solidFill>
+            <a:srgbClr val="00B050"/>
+          </a:solidFill>
+          <a:ln w="38100"/>
+        </p:spPr>
+        <p:style>
+          <a:lnRef idx="2">
+            <a:schemeClr val="dk1"/>
+          </a:lnRef>
+          <a:fillRef idx="1">
+            <a:schemeClr val="lt1"/>
+          </a:fillRef>
+          <a:effectRef idx="0">
+            <a:schemeClr val="dk1"/>
+          </a:effectRef>
+          <a:fontRef idx="minor">
+            <a:schemeClr val="dk1"/>
+          </a:fontRef>
+        </p:style>
+        <p:txBody>
+          <a:bodyPr rtlCol="0" anchor="ctr"/>
+          <a:lstStyle/>
+          <a:p>
+            <a:pPr algn="ctr"/>
+            <a:r>
+              <a:rPr lang="en-ZW" b="1" dirty="0">
+                <a:solidFill>
+                  <a:schemeClr val="bg1"/>
+                </a:solidFill>
+              </a:rPr>
+              <a:t>were</a:t>
+            </a:r>
           </a:p>
         </p:txBody>
       </p:sp>
       <p:cxnSp>
         <p:nvCxnSpPr>
-          <p:cNvPr id="29" name="Straight Arrow Connector 28">
-            <a:extLst>
-              <a:ext uri="{FF2B5EF4-FFF2-40B4-BE49-F238E27FC236}">
-                <a16:creationId xmlns:a16="http://schemas.microsoft.com/office/drawing/2014/main" id="{E84B7B54-D388-4CCE-9A82-C3C57EB56E99}"/>
+          <p:cNvPr id="12" name="Straight Arrow Connector 11">
+            <a:extLst>
+              <a:ext uri="{FF2B5EF4-FFF2-40B4-BE49-F238E27FC236}">
+                <a16:creationId xmlns:a16="http://schemas.microsoft.com/office/drawing/2014/main" id="{08EAF2BC-1C34-4317-A5E8-1D6CF7372CB9}"/>
               </a:ext>
             </a:extLst>
           </p:cNvPr>
           <p:cNvCxnSpPr>
-            <a:endCxn id="27" idx="1"/>
+            <a:stCxn id="44" idx="3"/>
+            <a:endCxn id="45" idx="1"/>
           </p:cNvCxnSpPr>
           <p:nvPr/>
         </p:nvCxnSpPr>
         <p:spPr>
-          <a:xfrm>
-            <a:off x="1141236" y="1982442"/>
-            <a:ext cx="1061884" cy="0"/>
+          <a:xfrm flipV="1">
+            <a:off x="1838035" y="2276771"/>
+            <a:ext cx="411763" cy="318652"/>
           </a:xfrm>
           <a:prstGeom prst="straightConnector1">
             <a:avLst/>
@@ -10181,24 +11464,23 @@
       </p:cxnSp>
       <p:cxnSp>
         <p:nvCxnSpPr>
-          <p:cNvPr id="30" name="Straight Arrow Connector 29">
-            <a:extLst>
-              <a:ext uri="{FF2B5EF4-FFF2-40B4-BE49-F238E27FC236}">
-                <a16:creationId xmlns:a16="http://schemas.microsoft.com/office/drawing/2014/main" id="{0AF5C5BB-6009-4F91-8558-E17C3AFFCDF2}"/>
+          <p:cNvPr id="75" name="Straight Arrow Connector 74">
+            <a:extLst>
+              <a:ext uri="{FF2B5EF4-FFF2-40B4-BE49-F238E27FC236}">
+                <a16:creationId xmlns:a16="http://schemas.microsoft.com/office/drawing/2014/main" id="{9AECE767-B987-4C0C-9A45-04355AEAF92B}"/>
               </a:ext>
             </a:extLst>
           </p:cNvPr>
           <p:cNvCxnSpPr>
-            <a:cxnSpLocks/>
-            <a:stCxn id="27" idx="3"/>
-            <a:endCxn id="31" idx="1"/>
+            <a:stCxn id="45" idx="3"/>
+            <a:endCxn id="49" idx="1"/>
           </p:cNvCxnSpPr>
           <p:nvPr/>
         </p:nvCxnSpPr>
         <p:spPr>
-          <a:xfrm>
-            <a:off x="4336720" y="1982442"/>
-            <a:ext cx="1066799" cy="0"/>
+          <a:xfrm flipV="1">
+            <a:off x="3413579" y="2262918"/>
+            <a:ext cx="568035" cy="13853"/>
           </a:xfrm>
           <a:prstGeom prst="straightConnector1">
             <a:avLst/>
@@ -10225,156 +11507,25 @@
           </a:fontRef>
         </p:style>
       </p:cxnSp>
-      <p:sp>
-        <p:nvSpPr>
-          <p:cNvPr id="31" name="Diamond 30">
-            <a:extLst>
-              <a:ext uri="{FF2B5EF4-FFF2-40B4-BE49-F238E27FC236}">
-                <a16:creationId xmlns:a16="http://schemas.microsoft.com/office/drawing/2014/main" id="{2FAF4195-3CB9-4479-973A-34D154ABEC88}"/>
-              </a:ext>
-            </a:extLst>
-          </p:cNvPr>
-          <p:cNvSpPr/>
-          <p:nvPr/>
-        </p:nvSpPr>
-        <p:spPr>
-          <a:xfrm>
-            <a:off x="5403519" y="866483"/>
-            <a:ext cx="2725145" cy="2231917"/>
-          </a:xfrm>
-          <a:prstGeom prst="diamond">
-            <a:avLst/>
-          </a:prstGeom>
-        </p:spPr>
-        <p:style>
-          <a:lnRef idx="3">
-            <a:schemeClr val="lt1"/>
-          </a:lnRef>
-          <a:fillRef idx="1">
-            <a:schemeClr val="accent1"/>
-          </a:fillRef>
-          <a:effectRef idx="1">
-            <a:schemeClr val="accent1"/>
-          </a:effectRef>
-          <a:fontRef idx="minor">
-            <a:schemeClr val="lt1"/>
-          </a:fontRef>
-        </p:style>
-        <p:txBody>
-          <a:bodyPr rtlCol="0" anchor="ctr"/>
-          <a:lstStyle/>
-          <a:p>
-            <a:pPr algn="ctr"/>
-            <a:r>
-              <a:rPr lang="en-ZW" b="1" dirty="0"/>
-              <a:t>Does State T exist in Loaded Chain?</a:t>
-            </a:r>
-          </a:p>
-        </p:txBody>
-      </p:sp>
-      <p:sp>
-        <p:nvSpPr>
-          <p:cNvPr id="32" name="TextBox 31">
-            <a:extLst>
-              <a:ext uri="{FF2B5EF4-FFF2-40B4-BE49-F238E27FC236}">
-                <a16:creationId xmlns:a16="http://schemas.microsoft.com/office/drawing/2014/main" id="{B94D3F8E-B2C2-4E6E-BCC6-CBA21E1E6358}"/>
-              </a:ext>
-            </a:extLst>
-          </p:cNvPr>
-          <p:cNvSpPr txBox="1"/>
-          <p:nvPr/>
-        </p:nvSpPr>
-        <p:spPr>
-          <a:xfrm>
-            <a:off x="6950045" y="681817"/>
-            <a:ext cx="606724" cy="369332"/>
-          </a:xfrm>
-          <a:prstGeom prst="rect">
-            <a:avLst/>
-          </a:prstGeom>
-          <a:noFill/>
-        </p:spPr>
-        <p:txBody>
-          <a:bodyPr wrap="square" rtlCol="0">
-            <a:spAutoFit/>
-          </a:bodyPr>
-          <a:lstStyle/>
-          <a:p>
-            <a:r>
-              <a:rPr lang="en-ZW" b="1" dirty="0"/>
-              <a:t>no</a:t>
-            </a:r>
-          </a:p>
-        </p:txBody>
-      </p:sp>
-      <p:sp>
-        <p:nvSpPr>
-          <p:cNvPr id="33" name="Rectangle 32">
-            <a:extLst>
-              <a:ext uri="{FF2B5EF4-FFF2-40B4-BE49-F238E27FC236}">
-                <a16:creationId xmlns:a16="http://schemas.microsoft.com/office/drawing/2014/main" id="{6F642BE4-1094-45F2-AA0E-FEC4338EE9C9}"/>
-              </a:ext>
-            </a:extLst>
-          </p:cNvPr>
-          <p:cNvSpPr/>
-          <p:nvPr/>
-        </p:nvSpPr>
-        <p:spPr>
-          <a:xfrm>
-            <a:off x="9512831" y="1564570"/>
-            <a:ext cx="2133600" cy="835742"/>
-          </a:xfrm>
-          <a:prstGeom prst="rect">
-            <a:avLst/>
-          </a:prstGeom>
-          <a:ln w="38100"/>
-        </p:spPr>
-        <p:style>
-          <a:lnRef idx="2">
-            <a:schemeClr val="dk1"/>
-          </a:lnRef>
-          <a:fillRef idx="1">
-            <a:schemeClr val="lt1"/>
-          </a:fillRef>
-          <a:effectRef idx="0">
-            <a:schemeClr val="dk1"/>
-          </a:effectRef>
-          <a:fontRef idx="minor">
-            <a:schemeClr val="dk1"/>
-          </a:fontRef>
-        </p:style>
-        <p:txBody>
-          <a:bodyPr rtlCol="0" anchor="ctr"/>
-          <a:lstStyle/>
-          <a:p>
-            <a:pPr algn="ctr"/>
-            <a:r>
-              <a:rPr lang="en-ZW" b="1" i="1" dirty="0"/>
-              <a:t>pick a transition at random</a:t>
-            </a:r>
-          </a:p>
-        </p:txBody>
-      </p:sp>
       <p:cxnSp>
         <p:nvCxnSpPr>
-          <p:cNvPr id="34" name="Straight Arrow Connector 33">
-            <a:extLst>
-              <a:ext uri="{FF2B5EF4-FFF2-40B4-BE49-F238E27FC236}">
-                <a16:creationId xmlns:a16="http://schemas.microsoft.com/office/drawing/2014/main" id="{3D0845AC-D8E8-4C8E-82D6-618562608C57}"/>
+          <p:cNvPr id="77" name="Straight Arrow Connector 76">
+            <a:extLst>
+              <a:ext uri="{FF2B5EF4-FFF2-40B4-BE49-F238E27FC236}">
+                <a16:creationId xmlns:a16="http://schemas.microsoft.com/office/drawing/2014/main" id="{D16BE63D-30E4-4CD9-9A1F-0253F1C44EB1}"/>
               </a:ext>
             </a:extLst>
           </p:cNvPr>
           <p:cNvCxnSpPr>
-            <a:cxnSpLocks/>
-            <a:stCxn id="31" idx="3"/>
-            <a:endCxn id="33" idx="1"/>
+            <a:stCxn id="49" idx="3"/>
+            <a:endCxn id="50" idx="1"/>
           </p:cNvCxnSpPr>
           <p:nvPr/>
         </p:nvCxnSpPr>
         <p:spPr>
-          <a:xfrm flipV="1">
-            <a:off x="8128664" y="1982441"/>
-            <a:ext cx="1384167" cy="1"/>
+          <a:xfrm>
+            <a:off x="5145395" y="2262918"/>
+            <a:ext cx="368714" cy="43866"/>
           </a:xfrm>
           <a:prstGeom prst="straightConnector1">
             <a:avLst/>
@@ -10401,76 +11552,160 @@
           </a:fontRef>
         </p:style>
       </p:cxnSp>
-      <p:sp>
-        <p:nvSpPr>
-          <p:cNvPr id="35" name="Rectangle 34">
-            <a:extLst>
-              <a:ext uri="{FF2B5EF4-FFF2-40B4-BE49-F238E27FC236}">
-                <a16:creationId xmlns:a16="http://schemas.microsoft.com/office/drawing/2014/main" id="{B21F28A5-A16A-496F-BD97-AD6587198C2F}"/>
-              </a:ext>
-            </a:extLst>
-          </p:cNvPr>
-          <p:cNvSpPr/>
-          <p:nvPr/>
-        </p:nvSpPr>
-        <p:spPr>
-          <a:xfrm>
-            <a:off x="9512832" y="3086970"/>
-            <a:ext cx="2133600" cy="835742"/>
-          </a:xfrm>
-          <a:prstGeom prst="rect">
-            <a:avLst/>
-          </a:prstGeom>
-          <a:ln/>
-        </p:spPr>
-        <p:style>
-          <a:lnRef idx="2">
-            <a:schemeClr val="accent6">
-              <a:shade val="50000"/>
-            </a:schemeClr>
-          </a:lnRef>
-          <a:fillRef idx="1">
-            <a:schemeClr val="accent6"/>
-          </a:fillRef>
-          <a:effectRef idx="0">
-            <a:schemeClr val="accent6"/>
-          </a:effectRef>
-          <a:fontRef idx="minor">
-            <a:schemeClr val="lt1"/>
-          </a:fontRef>
-        </p:style>
-        <p:txBody>
-          <a:bodyPr rtlCol="0" anchor="ctr"/>
-          <a:lstStyle/>
-          <a:p>
-            <a:pPr algn="ctr"/>
-            <a:r>
-              <a:rPr lang="en-ZW" b="1" i="1" dirty="0"/>
-              <a:t>Append to sequence</a:t>
-            </a:r>
-          </a:p>
-        </p:txBody>
-      </p:sp>
       <p:cxnSp>
         <p:nvCxnSpPr>
-          <p:cNvPr id="37" name="Straight Arrow Connector 36">
-            <a:extLst>
-              <a:ext uri="{FF2B5EF4-FFF2-40B4-BE49-F238E27FC236}">
-                <a16:creationId xmlns:a16="http://schemas.microsoft.com/office/drawing/2014/main" id="{46575285-FDDC-4175-958A-5575FD456DE5}"/>
+          <p:cNvPr id="82" name="Straight Arrow Connector 81">
+            <a:extLst>
+              <a:ext uri="{FF2B5EF4-FFF2-40B4-BE49-F238E27FC236}">
+                <a16:creationId xmlns:a16="http://schemas.microsoft.com/office/drawing/2014/main" id="{336B6CFC-6E36-4CB1-96F5-AE2B97DCEEE0}"/>
               </a:ext>
             </a:extLst>
           </p:cNvPr>
           <p:cNvCxnSpPr>
-            <a:cxnSpLocks/>
-            <a:stCxn id="33" idx="2"/>
-            <a:endCxn id="35" idx="0"/>
+            <a:stCxn id="44" idx="3"/>
+            <a:endCxn id="46" idx="1"/>
           </p:cNvCxnSpPr>
           <p:nvPr/>
         </p:nvCxnSpPr>
         <p:spPr>
           <a:xfrm>
-            <a:off x="10579631" y="2400312"/>
-            <a:ext cx="1" cy="686658"/>
+            <a:off x="1838035" y="2595423"/>
+            <a:ext cx="411762" cy="397167"/>
+          </a:xfrm>
+          <a:prstGeom prst="straightConnector1">
+            <a:avLst/>
+          </a:prstGeom>
+          <a:ln w="38100">
+            <a:solidFill>
+              <a:srgbClr val="00B0F0"/>
+            </a:solidFill>
+            <a:tailEnd type="triangle"/>
+          </a:ln>
+        </p:spPr>
+        <p:style>
+          <a:lnRef idx="1">
+            <a:schemeClr val="accent1"/>
+          </a:lnRef>
+          <a:fillRef idx="0">
+            <a:schemeClr val="accent1"/>
+          </a:fillRef>
+          <a:effectRef idx="0">
+            <a:schemeClr val="accent1"/>
+          </a:effectRef>
+          <a:fontRef idx="minor">
+            <a:schemeClr val="tx1"/>
+          </a:fontRef>
+        </p:style>
+      </p:cxnSp>
+      <p:cxnSp>
+        <p:nvCxnSpPr>
+          <p:cNvPr id="84" name="Straight Arrow Connector 83">
+            <a:extLst>
+              <a:ext uri="{FF2B5EF4-FFF2-40B4-BE49-F238E27FC236}">
+                <a16:creationId xmlns:a16="http://schemas.microsoft.com/office/drawing/2014/main" id="{2A75F522-2E62-4658-BC93-589A2EABB915}"/>
+              </a:ext>
+            </a:extLst>
+          </p:cNvPr>
+          <p:cNvCxnSpPr>
+            <a:stCxn id="46" idx="3"/>
+            <a:endCxn id="47" idx="1"/>
+          </p:cNvCxnSpPr>
+          <p:nvPr/>
+        </p:nvCxnSpPr>
+        <p:spPr>
+          <a:xfrm>
+            <a:off x="3413578" y="2992590"/>
+            <a:ext cx="568037" cy="0"/>
+          </a:xfrm>
+          <a:prstGeom prst="straightConnector1">
+            <a:avLst/>
+          </a:prstGeom>
+          <a:ln w="38100">
+            <a:solidFill>
+              <a:srgbClr val="00B0F0"/>
+            </a:solidFill>
+            <a:tailEnd type="triangle"/>
+          </a:ln>
+        </p:spPr>
+        <p:style>
+          <a:lnRef idx="1">
+            <a:schemeClr val="accent1"/>
+          </a:lnRef>
+          <a:fillRef idx="0">
+            <a:schemeClr val="accent1"/>
+          </a:fillRef>
+          <a:effectRef idx="0">
+            <a:schemeClr val="accent1"/>
+          </a:effectRef>
+          <a:fontRef idx="minor">
+            <a:schemeClr val="tx1"/>
+          </a:fontRef>
+        </p:style>
+      </p:cxnSp>
+      <p:cxnSp>
+        <p:nvCxnSpPr>
+          <p:cNvPr id="86" name="Straight Arrow Connector 85">
+            <a:extLst>
+              <a:ext uri="{FF2B5EF4-FFF2-40B4-BE49-F238E27FC236}">
+                <a16:creationId xmlns:a16="http://schemas.microsoft.com/office/drawing/2014/main" id="{3E13252E-DA21-4086-A3EA-B759D96FF532}"/>
+              </a:ext>
+            </a:extLst>
+          </p:cNvPr>
+          <p:cNvCxnSpPr>
+            <a:stCxn id="47" idx="3"/>
+            <a:endCxn id="51" idx="1"/>
+          </p:cNvCxnSpPr>
+          <p:nvPr/>
+        </p:nvCxnSpPr>
+        <p:spPr>
+          <a:xfrm>
+            <a:off x="5145396" y="2992590"/>
+            <a:ext cx="382566" cy="0"/>
+          </a:xfrm>
+          <a:prstGeom prst="straightConnector1">
+            <a:avLst/>
+          </a:prstGeom>
+          <a:ln w="38100">
+            <a:solidFill>
+              <a:srgbClr val="00B0F0"/>
+            </a:solidFill>
+            <a:tailEnd type="triangle"/>
+          </a:ln>
+        </p:spPr>
+        <p:style>
+          <a:lnRef idx="1">
+            <a:schemeClr val="accent1"/>
+          </a:lnRef>
+          <a:fillRef idx="0">
+            <a:schemeClr val="accent1"/>
+          </a:fillRef>
+          <a:effectRef idx="0">
+            <a:schemeClr val="accent1"/>
+          </a:effectRef>
+          <a:fontRef idx="minor">
+            <a:schemeClr val="tx1"/>
+          </a:fontRef>
+        </p:style>
+      </p:cxnSp>
+      <p:cxnSp>
+        <p:nvCxnSpPr>
+          <p:cNvPr id="90" name="Straight Arrow Connector 89">
+            <a:extLst>
+              <a:ext uri="{FF2B5EF4-FFF2-40B4-BE49-F238E27FC236}">
+                <a16:creationId xmlns:a16="http://schemas.microsoft.com/office/drawing/2014/main" id="{65AA2A2A-91C4-4A87-8154-82E85E89E051}"/>
+              </a:ext>
+            </a:extLst>
+          </p:cNvPr>
+          <p:cNvCxnSpPr>
+            <a:stCxn id="10" idx="3"/>
+            <a:endCxn id="26" idx="1"/>
+          </p:cNvCxnSpPr>
+          <p:nvPr/>
+        </p:nvCxnSpPr>
+        <p:spPr>
+          <a:xfrm flipV="1">
+            <a:off x="1764145" y="4862955"/>
+            <a:ext cx="299439" cy="969817"/>
           </a:xfrm>
           <a:prstGeom prst="straightConnector1">
             <a:avLst/>
@@ -10497,81 +11732,28 @@
           </a:fontRef>
         </p:style>
       </p:cxnSp>
-      <p:sp>
-        <p:nvSpPr>
-          <p:cNvPr id="38" name="Diamond 37">
-            <a:extLst>
-              <a:ext uri="{FF2B5EF4-FFF2-40B4-BE49-F238E27FC236}">
-                <a16:creationId xmlns:a16="http://schemas.microsoft.com/office/drawing/2014/main" id="{67577685-A206-479E-9613-88EB0CA2F8C1}"/>
-              </a:ext>
-            </a:extLst>
-          </p:cNvPr>
-          <p:cNvSpPr/>
-          <p:nvPr/>
-        </p:nvSpPr>
-        <p:spPr>
-          <a:xfrm>
-            <a:off x="8538210" y="4177473"/>
-            <a:ext cx="2912095" cy="2231913"/>
-          </a:xfrm>
-          <a:prstGeom prst="diamond">
-            <a:avLst/>
-          </a:prstGeom>
-        </p:spPr>
-        <p:style>
-          <a:lnRef idx="2">
-            <a:schemeClr val="accent1">
-              <a:shade val="50000"/>
-            </a:schemeClr>
-          </a:lnRef>
-          <a:fillRef idx="1">
-            <a:schemeClr val="accent1"/>
-          </a:fillRef>
-          <a:effectRef idx="0">
-            <a:schemeClr val="accent1"/>
-          </a:effectRef>
-          <a:fontRef idx="minor">
-            <a:schemeClr val="lt1"/>
-          </a:fontRef>
-        </p:style>
-        <p:txBody>
-          <a:bodyPr rtlCol="0" anchor="ctr"/>
-          <a:lstStyle/>
-          <a:p>
-            <a:pPr algn="ctr"/>
-            <a:r>
-              <a:rPr lang="en-ZW" b="1" dirty="0"/>
-              <a:t>Is sequence length below max-length?</a:t>
-            </a:r>
-          </a:p>
-        </p:txBody>
-      </p:sp>
       <p:cxnSp>
         <p:nvCxnSpPr>
-          <p:cNvPr id="39" name="Connector: Elbow 38">
-            <a:extLst>
-              <a:ext uri="{FF2B5EF4-FFF2-40B4-BE49-F238E27FC236}">
-                <a16:creationId xmlns:a16="http://schemas.microsoft.com/office/drawing/2014/main" id="{51272E54-3820-481F-BDA1-5DEA7BDBED1E}"/>
+          <p:cNvPr id="92" name="Straight Arrow Connector 91">
+            <a:extLst>
+              <a:ext uri="{FF2B5EF4-FFF2-40B4-BE49-F238E27FC236}">
+                <a16:creationId xmlns:a16="http://schemas.microsoft.com/office/drawing/2014/main" id="{1C0E2419-F62D-498B-8320-3B4F3357757C}"/>
               </a:ext>
             </a:extLst>
           </p:cNvPr>
           <p:cNvCxnSpPr>
-            <a:cxnSpLocks/>
-            <a:stCxn id="35" idx="2"/>
-            <a:endCxn id="38" idx="3"/>
+            <a:stCxn id="26" idx="3"/>
+            <a:endCxn id="57" idx="1"/>
           </p:cNvCxnSpPr>
           <p:nvPr/>
         </p:nvCxnSpPr>
         <p:spPr>
-          <a:xfrm rot="16200000" flipH="1">
-            <a:off x="10329609" y="4172734"/>
-            <a:ext cx="1370718" cy="870673"/>
-          </a:xfrm>
-          <a:prstGeom prst="bentConnector4">
-            <a:avLst>
-              <a:gd name="adj1" fmla="val 9293"/>
-              <a:gd name="adj2" fmla="val 148781"/>
-            </a:avLst>
+          <a:xfrm>
+            <a:off x="3227365" y="4862955"/>
+            <a:ext cx="400663" cy="164721"/>
+          </a:xfrm>
+          <a:prstGeom prst="straightConnector1">
+            <a:avLst/>
           </a:prstGeom>
           <a:ln w="38100">
             <a:solidFill>
@@ -10595,110 +11777,27 @@
           </a:fontRef>
         </p:style>
       </p:cxnSp>
-      <p:sp>
-        <p:nvSpPr>
-          <p:cNvPr id="40" name="Rectangle 39">
-            <a:extLst>
-              <a:ext uri="{FF2B5EF4-FFF2-40B4-BE49-F238E27FC236}">
-                <a16:creationId xmlns:a16="http://schemas.microsoft.com/office/drawing/2014/main" id="{E65E13A3-A3A1-45A3-92EA-A42967F74EF3}"/>
-              </a:ext>
-            </a:extLst>
-          </p:cNvPr>
-          <p:cNvSpPr/>
-          <p:nvPr/>
-        </p:nvSpPr>
-        <p:spPr>
-          <a:xfrm>
-            <a:off x="5699291" y="3741993"/>
-            <a:ext cx="2133600" cy="1127612"/>
-          </a:xfrm>
-          <a:prstGeom prst="rect">
-            <a:avLst/>
-          </a:prstGeom>
-          <a:ln w="38100"/>
-        </p:spPr>
-        <p:style>
-          <a:lnRef idx="2">
-            <a:schemeClr val="dk1"/>
-          </a:lnRef>
-          <a:fillRef idx="1">
-            <a:schemeClr val="lt1"/>
-          </a:fillRef>
-          <a:effectRef idx="0">
-            <a:schemeClr val="dk1"/>
-          </a:effectRef>
-          <a:fontRef idx="minor">
-            <a:schemeClr val="dk1"/>
-          </a:fontRef>
-        </p:style>
-        <p:txBody>
-          <a:bodyPr rtlCol="0" anchor="ctr"/>
-          <a:lstStyle/>
-          <a:p>
-            <a:pPr algn="ctr"/>
-            <a:r>
-              <a:rPr lang="en-ZW" b="1" i="1" dirty="0"/>
-              <a:t>Set State T to sequence[-1]</a:t>
-            </a:r>
-          </a:p>
-        </p:txBody>
-      </p:sp>
-      <p:sp>
-        <p:nvSpPr>
-          <p:cNvPr id="41" name="TextBox 40">
-            <a:extLst>
-              <a:ext uri="{FF2B5EF4-FFF2-40B4-BE49-F238E27FC236}">
-                <a16:creationId xmlns:a16="http://schemas.microsoft.com/office/drawing/2014/main" id="{36478C3C-55D5-489D-8BE2-76FCD87C2FAA}"/>
-              </a:ext>
-            </a:extLst>
-          </p:cNvPr>
-          <p:cNvSpPr txBox="1"/>
-          <p:nvPr/>
-        </p:nvSpPr>
-        <p:spPr>
-          <a:xfrm>
-            <a:off x="8073391" y="5293429"/>
-            <a:ext cx="606724" cy="369332"/>
-          </a:xfrm>
-          <a:prstGeom prst="rect">
-            <a:avLst/>
-          </a:prstGeom>
-          <a:noFill/>
-        </p:spPr>
-        <p:txBody>
-          <a:bodyPr wrap="square" rtlCol="0">
-            <a:spAutoFit/>
-          </a:bodyPr>
-          <a:lstStyle/>
-          <a:p>
-            <a:r>
-              <a:rPr lang="en-ZW" b="1" dirty="0"/>
-              <a:t>yes</a:t>
-            </a:r>
-          </a:p>
-        </p:txBody>
-      </p:sp>
       <p:cxnSp>
         <p:nvCxnSpPr>
-          <p:cNvPr id="42" name="Connector: Elbow 41">
-            <a:extLst>
-              <a:ext uri="{FF2B5EF4-FFF2-40B4-BE49-F238E27FC236}">
-                <a16:creationId xmlns:a16="http://schemas.microsoft.com/office/drawing/2014/main" id="{66D53482-4EF4-4D62-9E14-27F3D172524A}"/>
+          <p:cNvPr id="94" name="Straight Arrow Connector 93">
+            <a:extLst>
+              <a:ext uri="{FF2B5EF4-FFF2-40B4-BE49-F238E27FC236}">
+                <a16:creationId xmlns:a16="http://schemas.microsoft.com/office/drawing/2014/main" id="{55259360-F8C5-445D-B66A-CE85223AEB90}"/>
               </a:ext>
             </a:extLst>
           </p:cNvPr>
           <p:cNvCxnSpPr>
-            <a:stCxn id="38" idx="1"/>
-            <a:endCxn id="40" idx="2"/>
+            <a:stCxn id="57" idx="3"/>
+            <a:endCxn id="58" idx="1"/>
           </p:cNvCxnSpPr>
           <p:nvPr/>
         </p:nvCxnSpPr>
         <p:spPr>
-          <a:xfrm rot="10800000">
-            <a:off x="6766092" y="4869606"/>
-            <a:ext cx="1772119" cy="423825"/>
-          </a:xfrm>
-          <a:prstGeom prst="bentConnector2">
+          <a:xfrm flipV="1">
+            <a:off x="4791809" y="4773722"/>
+            <a:ext cx="353586" cy="253954"/>
+          </a:xfrm>
+          <a:prstGeom prst="straightConnector1">
             <a:avLst/>
           </a:prstGeom>
           <a:ln w="38100">
@@ -10725,24 +11824,1044 @@
       </p:cxnSp>
       <p:cxnSp>
         <p:nvCxnSpPr>
-          <p:cNvPr id="44" name="Straight Arrow Connector 43">
-            <a:extLst>
-              <a:ext uri="{FF2B5EF4-FFF2-40B4-BE49-F238E27FC236}">
-                <a16:creationId xmlns:a16="http://schemas.microsoft.com/office/drawing/2014/main" id="{10CDCB7A-7DB9-48DF-80C5-C4B29BFD250C}"/>
+          <p:cNvPr id="96" name="Straight Arrow Connector 95">
+            <a:extLst>
+              <a:ext uri="{FF2B5EF4-FFF2-40B4-BE49-F238E27FC236}">
+                <a16:creationId xmlns:a16="http://schemas.microsoft.com/office/drawing/2014/main" id="{23FBA222-08C9-4805-ACD9-326658055284}"/>
+              </a:ext>
+            </a:extLst>
+          </p:cNvPr>
+          <p:cNvCxnSpPr>
+            <a:stCxn id="10" idx="3"/>
+            <a:endCxn id="53" idx="1"/>
+          </p:cNvCxnSpPr>
+          <p:nvPr/>
+        </p:nvCxnSpPr>
+        <p:spPr>
+          <a:xfrm flipV="1">
+            <a:off x="1764145" y="5615730"/>
+            <a:ext cx="299438" cy="217042"/>
+          </a:xfrm>
+          <a:prstGeom prst="straightConnector1">
+            <a:avLst/>
+          </a:prstGeom>
+          <a:ln w="38100">
+            <a:solidFill>
+              <a:srgbClr val="00B0F0"/>
+            </a:solidFill>
+            <a:tailEnd type="triangle"/>
+          </a:ln>
+        </p:spPr>
+        <p:style>
+          <a:lnRef idx="1">
+            <a:schemeClr val="accent1"/>
+          </a:lnRef>
+          <a:fillRef idx="0">
+            <a:schemeClr val="accent1"/>
+          </a:fillRef>
+          <a:effectRef idx="0">
+            <a:schemeClr val="accent1"/>
+          </a:effectRef>
+          <a:fontRef idx="minor">
+            <a:schemeClr val="tx1"/>
+          </a:fontRef>
+        </p:style>
+      </p:cxnSp>
+      <p:cxnSp>
+        <p:nvCxnSpPr>
+          <p:cNvPr id="104" name="Straight Arrow Connector 103">
+            <a:extLst>
+              <a:ext uri="{FF2B5EF4-FFF2-40B4-BE49-F238E27FC236}">
+                <a16:creationId xmlns:a16="http://schemas.microsoft.com/office/drawing/2014/main" id="{C368FD30-99AB-448C-A98B-304D156DDF67}"/>
+              </a:ext>
+            </a:extLst>
+          </p:cNvPr>
+          <p:cNvCxnSpPr>
+            <a:stCxn id="53" idx="3"/>
+            <a:endCxn id="57" idx="1"/>
+          </p:cNvCxnSpPr>
+          <p:nvPr/>
+        </p:nvCxnSpPr>
+        <p:spPr>
+          <a:xfrm flipV="1">
+            <a:off x="3227364" y="5027676"/>
+            <a:ext cx="400664" cy="588054"/>
+          </a:xfrm>
+          <a:prstGeom prst="straightConnector1">
+            <a:avLst/>
+          </a:prstGeom>
+          <a:ln w="38100">
+            <a:solidFill>
+              <a:srgbClr val="00B0F0"/>
+            </a:solidFill>
+            <a:tailEnd type="triangle"/>
+          </a:ln>
+        </p:spPr>
+        <p:style>
+          <a:lnRef idx="1">
+            <a:schemeClr val="accent1"/>
+          </a:lnRef>
+          <a:fillRef idx="0">
+            <a:schemeClr val="accent1"/>
+          </a:fillRef>
+          <a:effectRef idx="0">
+            <a:schemeClr val="accent1"/>
+          </a:effectRef>
+          <a:fontRef idx="minor">
+            <a:schemeClr val="tx1"/>
+          </a:fontRef>
+        </p:style>
+      </p:cxnSp>
+      <p:cxnSp>
+        <p:nvCxnSpPr>
+          <p:cNvPr id="106" name="Straight Arrow Connector 105">
+            <a:extLst>
+              <a:ext uri="{FF2B5EF4-FFF2-40B4-BE49-F238E27FC236}">
+                <a16:creationId xmlns:a16="http://schemas.microsoft.com/office/drawing/2014/main" id="{1B29AA53-1C31-422B-8D4F-92DF4834FA3F}"/>
+              </a:ext>
+            </a:extLst>
+          </p:cNvPr>
+          <p:cNvCxnSpPr>
+            <a:stCxn id="57" idx="3"/>
+            <a:endCxn id="56" idx="1"/>
+          </p:cNvCxnSpPr>
+          <p:nvPr/>
+        </p:nvCxnSpPr>
+        <p:spPr>
+          <a:xfrm>
+            <a:off x="4791809" y="5027676"/>
+            <a:ext cx="584496" cy="852799"/>
+          </a:xfrm>
+          <a:prstGeom prst="straightConnector1">
+            <a:avLst/>
+          </a:prstGeom>
+          <a:ln w="38100">
+            <a:solidFill>
+              <a:srgbClr val="00B0F0"/>
+            </a:solidFill>
+            <a:tailEnd type="triangle"/>
+          </a:ln>
+        </p:spPr>
+        <p:style>
+          <a:lnRef idx="1">
+            <a:schemeClr val="accent1"/>
+          </a:lnRef>
+          <a:fillRef idx="0">
+            <a:schemeClr val="accent1"/>
+          </a:fillRef>
+          <a:effectRef idx="0">
+            <a:schemeClr val="accent1"/>
+          </a:effectRef>
+          <a:fontRef idx="minor">
+            <a:schemeClr val="tx1"/>
+          </a:fontRef>
+        </p:style>
+      </p:cxnSp>
+      <p:cxnSp>
+        <p:nvCxnSpPr>
+          <p:cNvPr id="108" name="Straight Arrow Connector 107">
+            <a:extLst>
+              <a:ext uri="{FF2B5EF4-FFF2-40B4-BE49-F238E27FC236}">
+                <a16:creationId xmlns:a16="http://schemas.microsoft.com/office/drawing/2014/main" id="{A6DE5AA6-0BC6-4966-9727-32F8E0B44A15}"/>
+              </a:ext>
+            </a:extLst>
+          </p:cNvPr>
+          <p:cNvCxnSpPr>
+            <a:stCxn id="57" idx="3"/>
+            <a:endCxn id="55" idx="1"/>
+          </p:cNvCxnSpPr>
+          <p:nvPr/>
+        </p:nvCxnSpPr>
+        <p:spPr>
+          <a:xfrm>
+            <a:off x="4791809" y="5027676"/>
+            <a:ext cx="584496" cy="1413089"/>
+          </a:xfrm>
+          <a:prstGeom prst="straightConnector1">
+            <a:avLst/>
+          </a:prstGeom>
+          <a:ln w="38100">
+            <a:solidFill>
+              <a:srgbClr val="00B0F0"/>
+            </a:solidFill>
+            <a:tailEnd type="triangle"/>
+          </a:ln>
+        </p:spPr>
+        <p:style>
+          <a:lnRef idx="1">
+            <a:schemeClr val="accent1"/>
+          </a:lnRef>
+          <a:fillRef idx="0">
+            <a:schemeClr val="accent1"/>
+          </a:fillRef>
+          <a:effectRef idx="0">
+            <a:schemeClr val="accent1"/>
+          </a:effectRef>
+          <a:fontRef idx="minor">
+            <a:schemeClr val="tx1"/>
+          </a:fontRef>
+        </p:style>
+      </p:cxnSp>
+      <p:cxnSp>
+        <p:nvCxnSpPr>
+          <p:cNvPr id="110" name="Straight Arrow Connector 109">
+            <a:extLst>
+              <a:ext uri="{FF2B5EF4-FFF2-40B4-BE49-F238E27FC236}">
+                <a16:creationId xmlns:a16="http://schemas.microsoft.com/office/drawing/2014/main" id="{E823BE1A-0E92-47BD-86F7-8DB5FF3CCC7E}"/>
               </a:ext>
             </a:extLst>
           </p:cNvPr>
           <p:cNvCxnSpPr>
             <a:cxnSpLocks/>
-            <a:stCxn id="40" idx="0"/>
-            <a:endCxn id="31" idx="2"/>
+            <a:stCxn id="56" idx="3"/>
+            <a:endCxn id="59" idx="1"/>
           </p:cNvCxnSpPr>
           <p:nvPr/>
         </p:nvCxnSpPr>
         <p:spPr>
           <a:xfrm flipV="1">
-            <a:off x="6766091" y="3098400"/>
-            <a:ext cx="1" cy="643593"/>
+            <a:off x="6540086" y="5514120"/>
+            <a:ext cx="368714" cy="366355"/>
+          </a:xfrm>
+          <a:prstGeom prst="straightConnector1">
+            <a:avLst/>
+          </a:prstGeom>
+          <a:ln w="38100">
+            <a:solidFill>
+              <a:srgbClr val="00B0F0"/>
+            </a:solidFill>
+            <a:tailEnd type="triangle"/>
+          </a:ln>
+        </p:spPr>
+        <p:style>
+          <a:lnRef idx="1">
+            <a:schemeClr val="accent1"/>
+          </a:lnRef>
+          <a:fillRef idx="0">
+            <a:schemeClr val="accent1"/>
+          </a:fillRef>
+          <a:effectRef idx="0">
+            <a:schemeClr val="accent1"/>
+          </a:effectRef>
+          <a:fontRef idx="minor">
+            <a:schemeClr val="tx1"/>
+          </a:fontRef>
+        </p:style>
+      </p:cxnSp>
+      <p:cxnSp>
+        <p:nvCxnSpPr>
+          <p:cNvPr id="112" name="Straight Arrow Connector 111">
+            <a:extLst>
+              <a:ext uri="{FF2B5EF4-FFF2-40B4-BE49-F238E27FC236}">
+                <a16:creationId xmlns:a16="http://schemas.microsoft.com/office/drawing/2014/main" id="{01C0CECC-0C2D-433F-8B74-A0F55E54597B}"/>
+              </a:ext>
+            </a:extLst>
+          </p:cNvPr>
+          <p:cNvCxnSpPr>
+            <a:cxnSpLocks/>
+            <a:stCxn id="59" idx="3"/>
+            <a:endCxn id="61" idx="1"/>
+          </p:cNvCxnSpPr>
+          <p:nvPr/>
+        </p:nvCxnSpPr>
+        <p:spPr>
+          <a:xfrm>
+            <a:off x="8072581" y="5514120"/>
+            <a:ext cx="396420" cy="175488"/>
+          </a:xfrm>
+          <a:prstGeom prst="straightConnector1">
+            <a:avLst/>
+          </a:prstGeom>
+          <a:ln w="38100">
+            <a:solidFill>
+              <a:srgbClr val="00B0F0"/>
+            </a:solidFill>
+            <a:tailEnd type="triangle"/>
+          </a:ln>
+        </p:spPr>
+        <p:style>
+          <a:lnRef idx="1">
+            <a:schemeClr val="accent1"/>
+          </a:lnRef>
+          <a:fillRef idx="0">
+            <a:schemeClr val="accent1"/>
+          </a:fillRef>
+          <a:effectRef idx="0">
+            <a:schemeClr val="accent1"/>
+          </a:effectRef>
+          <a:fontRef idx="minor">
+            <a:schemeClr val="tx1"/>
+          </a:fontRef>
+        </p:style>
+      </p:cxnSp>
+      <p:cxnSp>
+        <p:nvCxnSpPr>
+          <p:cNvPr id="114" name="Straight Arrow Connector 113">
+            <a:extLst>
+              <a:ext uri="{FF2B5EF4-FFF2-40B4-BE49-F238E27FC236}">
+                <a16:creationId xmlns:a16="http://schemas.microsoft.com/office/drawing/2014/main" id="{5D768867-E9F1-42CF-BA13-E30E7ECE921D}"/>
+              </a:ext>
+            </a:extLst>
+          </p:cNvPr>
+          <p:cNvCxnSpPr>
+            <a:cxnSpLocks/>
+            <a:stCxn id="55" idx="3"/>
+          </p:cNvCxnSpPr>
+          <p:nvPr/>
+        </p:nvCxnSpPr>
+        <p:spPr>
+          <a:xfrm flipV="1">
+            <a:off x="6540086" y="6373101"/>
+            <a:ext cx="368714" cy="67664"/>
+          </a:xfrm>
+          <a:prstGeom prst="straightConnector1">
+            <a:avLst/>
+          </a:prstGeom>
+          <a:ln w="38100">
+            <a:solidFill>
+              <a:srgbClr val="00B0F0"/>
+            </a:solidFill>
+            <a:tailEnd type="triangle"/>
+          </a:ln>
+        </p:spPr>
+        <p:style>
+          <a:lnRef idx="1">
+            <a:schemeClr val="accent1"/>
+          </a:lnRef>
+          <a:fillRef idx="0">
+            <a:schemeClr val="accent1"/>
+          </a:fillRef>
+          <a:effectRef idx="0">
+            <a:schemeClr val="accent1"/>
+          </a:effectRef>
+          <a:fontRef idx="minor">
+            <a:schemeClr val="tx1"/>
+          </a:fontRef>
+        </p:style>
+      </p:cxnSp>
+      <p:cxnSp>
+        <p:nvCxnSpPr>
+          <p:cNvPr id="116" name="Straight Arrow Connector 115">
+            <a:extLst>
+              <a:ext uri="{FF2B5EF4-FFF2-40B4-BE49-F238E27FC236}">
+                <a16:creationId xmlns:a16="http://schemas.microsoft.com/office/drawing/2014/main" id="{0411AD3B-BEB5-4E94-A87A-FE9DE2F948CC}"/>
+              </a:ext>
+            </a:extLst>
+          </p:cNvPr>
+          <p:cNvCxnSpPr>
+            <a:stCxn id="60" idx="3"/>
+            <a:endCxn id="62" idx="1"/>
+          </p:cNvCxnSpPr>
+          <p:nvPr/>
+        </p:nvCxnSpPr>
+        <p:spPr>
+          <a:xfrm>
+            <a:off x="8086434" y="6086774"/>
+            <a:ext cx="581890" cy="337866"/>
+          </a:xfrm>
+          <a:prstGeom prst="straightConnector1">
+            <a:avLst/>
+          </a:prstGeom>
+          <a:ln w="38100">
+            <a:solidFill>
+              <a:srgbClr val="00B0F0"/>
+            </a:solidFill>
+            <a:tailEnd type="triangle"/>
+          </a:ln>
+        </p:spPr>
+        <p:style>
+          <a:lnRef idx="1">
+            <a:schemeClr val="accent1"/>
+          </a:lnRef>
+          <a:fillRef idx="0">
+            <a:schemeClr val="accent1"/>
+          </a:fillRef>
+          <a:effectRef idx="0">
+            <a:schemeClr val="accent1"/>
+          </a:effectRef>
+          <a:fontRef idx="minor">
+            <a:schemeClr val="tx1"/>
+          </a:fontRef>
+        </p:style>
+      </p:cxnSp>
+      <p:cxnSp>
+        <p:nvCxnSpPr>
+          <p:cNvPr id="118" name="Straight Arrow Connector 117">
+            <a:extLst>
+              <a:ext uri="{FF2B5EF4-FFF2-40B4-BE49-F238E27FC236}">
+                <a16:creationId xmlns:a16="http://schemas.microsoft.com/office/drawing/2014/main" id="{71E19E5B-F284-4802-8B93-935434E2FD47}"/>
+              </a:ext>
+            </a:extLst>
+          </p:cNvPr>
+          <p:cNvCxnSpPr>
+            <a:stCxn id="10" idx="3"/>
+            <a:endCxn id="54" idx="1"/>
+          </p:cNvCxnSpPr>
+          <p:nvPr/>
+        </p:nvCxnSpPr>
+        <p:spPr>
+          <a:xfrm>
+            <a:off x="1764145" y="5832772"/>
+            <a:ext cx="275602" cy="611082"/>
+          </a:xfrm>
+          <a:prstGeom prst="straightConnector1">
+            <a:avLst/>
+          </a:prstGeom>
+          <a:ln w="38100">
+            <a:solidFill>
+              <a:srgbClr val="00B050"/>
+            </a:solidFill>
+            <a:tailEnd type="triangle"/>
+          </a:ln>
+        </p:spPr>
+        <p:style>
+          <a:lnRef idx="1">
+            <a:schemeClr val="accent1"/>
+          </a:lnRef>
+          <a:fillRef idx="0">
+            <a:schemeClr val="accent1"/>
+          </a:fillRef>
+          <a:effectRef idx="0">
+            <a:schemeClr val="accent1"/>
+          </a:effectRef>
+          <a:fontRef idx="minor">
+            <a:schemeClr val="tx1"/>
+          </a:fontRef>
+        </p:style>
+      </p:cxnSp>
+      <p:cxnSp>
+        <p:nvCxnSpPr>
+          <p:cNvPr id="120" name="Straight Arrow Connector 119">
+            <a:extLst>
+              <a:ext uri="{FF2B5EF4-FFF2-40B4-BE49-F238E27FC236}">
+                <a16:creationId xmlns:a16="http://schemas.microsoft.com/office/drawing/2014/main" id="{875ABFA4-8D77-433B-82DB-D6FDFAF3DA6B}"/>
+              </a:ext>
+            </a:extLst>
+          </p:cNvPr>
+          <p:cNvCxnSpPr>
+            <a:stCxn id="54" idx="3"/>
+            <a:endCxn id="56" idx="1"/>
+          </p:cNvCxnSpPr>
+          <p:nvPr/>
+        </p:nvCxnSpPr>
+        <p:spPr>
+          <a:xfrm flipV="1">
+            <a:off x="3203528" y="5880475"/>
+            <a:ext cx="2172777" cy="563379"/>
+          </a:xfrm>
+          <a:prstGeom prst="straightConnector1">
+            <a:avLst/>
+          </a:prstGeom>
+          <a:ln w="38100">
+            <a:solidFill>
+              <a:srgbClr val="00B050"/>
+            </a:solidFill>
+            <a:tailEnd type="triangle"/>
+          </a:ln>
+        </p:spPr>
+        <p:style>
+          <a:lnRef idx="1">
+            <a:schemeClr val="accent1"/>
+          </a:lnRef>
+          <a:fillRef idx="0">
+            <a:schemeClr val="accent1"/>
+          </a:fillRef>
+          <a:effectRef idx="0">
+            <a:schemeClr val="accent1"/>
+          </a:effectRef>
+          <a:fontRef idx="minor">
+            <a:schemeClr val="tx1"/>
+          </a:fontRef>
+        </p:style>
+      </p:cxnSp>
+      <p:cxnSp>
+        <p:nvCxnSpPr>
+          <p:cNvPr id="122" name="Straight Arrow Connector 121">
+            <a:extLst>
+              <a:ext uri="{FF2B5EF4-FFF2-40B4-BE49-F238E27FC236}">
+                <a16:creationId xmlns:a16="http://schemas.microsoft.com/office/drawing/2014/main" id="{69DC398E-2BFF-4DF9-9F5C-7397827897E8}"/>
+              </a:ext>
+            </a:extLst>
+          </p:cNvPr>
+          <p:cNvCxnSpPr>
+            <a:cxnSpLocks/>
+            <a:stCxn id="56" idx="3"/>
+          </p:cNvCxnSpPr>
+          <p:nvPr/>
+        </p:nvCxnSpPr>
+        <p:spPr>
+          <a:xfrm flipV="1">
+            <a:off x="6540086" y="5227793"/>
+            <a:ext cx="368714" cy="652682"/>
+          </a:xfrm>
+          <a:prstGeom prst="straightConnector1">
+            <a:avLst/>
+          </a:prstGeom>
+          <a:ln w="38100">
+            <a:solidFill>
+              <a:srgbClr val="00B050"/>
+            </a:solidFill>
+            <a:tailEnd type="triangle"/>
+          </a:ln>
+        </p:spPr>
+        <p:style>
+          <a:lnRef idx="1">
+            <a:schemeClr val="accent1"/>
+          </a:lnRef>
+          <a:fillRef idx="0">
+            <a:schemeClr val="accent1"/>
+          </a:fillRef>
+          <a:effectRef idx="0">
+            <a:schemeClr val="accent1"/>
+          </a:effectRef>
+          <a:fontRef idx="minor">
+            <a:schemeClr val="tx1"/>
+          </a:fontRef>
+        </p:style>
+      </p:cxnSp>
+      <p:cxnSp>
+        <p:nvCxnSpPr>
+          <p:cNvPr id="126" name="Straight Arrow Connector 125">
+            <a:extLst>
+              <a:ext uri="{FF2B5EF4-FFF2-40B4-BE49-F238E27FC236}">
+                <a16:creationId xmlns:a16="http://schemas.microsoft.com/office/drawing/2014/main" id="{B17A048B-E387-4965-AA8B-9884C9B9A0B3}"/>
+              </a:ext>
+            </a:extLst>
+          </p:cNvPr>
+          <p:cNvCxnSpPr>
+            <a:cxnSpLocks/>
+          </p:cNvCxnSpPr>
+          <p:nvPr/>
+        </p:nvCxnSpPr>
+        <p:spPr>
+          <a:xfrm>
+            <a:off x="8086434" y="5596798"/>
+            <a:ext cx="428376" cy="379137"/>
+          </a:xfrm>
+          <a:prstGeom prst="straightConnector1">
+            <a:avLst/>
+          </a:prstGeom>
+          <a:ln w="38100">
+            <a:solidFill>
+              <a:srgbClr val="00B050"/>
+            </a:solidFill>
+            <a:tailEnd type="triangle"/>
+          </a:ln>
+        </p:spPr>
+        <p:style>
+          <a:lnRef idx="1">
+            <a:schemeClr val="accent1"/>
+          </a:lnRef>
+          <a:fillRef idx="0">
+            <a:schemeClr val="accent1"/>
+          </a:fillRef>
+          <a:effectRef idx="0">
+            <a:schemeClr val="accent1"/>
+          </a:effectRef>
+          <a:fontRef idx="minor">
+            <a:schemeClr val="tx1"/>
+          </a:fontRef>
+        </p:style>
+      </p:cxnSp>
+      <p:cxnSp>
+        <p:nvCxnSpPr>
+          <p:cNvPr id="128" name="Straight Arrow Connector 127">
+            <a:extLst>
+              <a:ext uri="{FF2B5EF4-FFF2-40B4-BE49-F238E27FC236}">
+                <a16:creationId xmlns:a16="http://schemas.microsoft.com/office/drawing/2014/main" id="{067F4E36-AC04-4583-B103-A510F3B0A44B}"/>
+              </a:ext>
+            </a:extLst>
+          </p:cNvPr>
+          <p:cNvCxnSpPr>
+            <a:stCxn id="54" idx="3"/>
+            <a:endCxn id="55" idx="1"/>
+          </p:cNvCxnSpPr>
+          <p:nvPr/>
+        </p:nvCxnSpPr>
+        <p:spPr>
+          <a:xfrm flipV="1">
+            <a:off x="3203528" y="6440765"/>
+            <a:ext cx="2172777" cy="3089"/>
+          </a:xfrm>
+          <a:prstGeom prst="straightConnector1">
+            <a:avLst/>
+          </a:prstGeom>
+          <a:ln w="38100">
+            <a:solidFill>
+              <a:srgbClr val="00B050"/>
+            </a:solidFill>
+            <a:tailEnd type="triangle"/>
+          </a:ln>
+        </p:spPr>
+        <p:style>
+          <a:lnRef idx="1">
+            <a:schemeClr val="accent1"/>
+          </a:lnRef>
+          <a:fillRef idx="0">
+            <a:schemeClr val="accent1"/>
+          </a:fillRef>
+          <a:effectRef idx="0">
+            <a:schemeClr val="accent1"/>
+          </a:effectRef>
+          <a:fontRef idx="minor">
+            <a:schemeClr val="tx1"/>
+          </a:fontRef>
+        </p:style>
+      </p:cxnSp>
+      <p:cxnSp>
+        <p:nvCxnSpPr>
+          <p:cNvPr id="130" name="Straight Arrow Connector 129">
+            <a:extLst>
+              <a:ext uri="{FF2B5EF4-FFF2-40B4-BE49-F238E27FC236}">
+                <a16:creationId xmlns:a16="http://schemas.microsoft.com/office/drawing/2014/main" id="{6887563F-2F9F-437B-B814-849E37218DE5}"/>
+              </a:ext>
+            </a:extLst>
+          </p:cNvPr>
+          <p:cNvCxnSpPr>
+            <a:cxnSpLocks/>
+            <a:stCxn id="55" idx="3"/>
+            <a:endCxn id="60" idx="1"/>
+          </p:cNvCxnSpPr>
+          <p:nvPr/>
+        </p:nvCxnSpPr>
+        <p:spPr>
+          <a:xfrm flipV="1">
+            <a:off x="6540086" y="6086774"/>
+            <a:ext cx="382567" cy="353991"/>
+          </a:xfrm>
+          <a:prstGeom prst="straightConnector1">
+            <a:avLst/>
+          </a:prstGeom>
+          <a:ln w="38100">
+            <a:solidFill>
+              <a:srgbClr val="00B050"/>
+            </a:solidFill>
+            <a:tailEnd type="triangle"/>
+          </a:ln>
+        </p:spPr>
+        <p:style>
+          <a:lnRef idx="1">
+            <a:schemeClr val="accent1"/>
+          </a:lnRef>
+          <a:fillRef idx="0">
+            <a:schemeClr val="accent1"/>
+          </a:fillRef>
+          <a:effectRef idx="0">
+            <a:schemeClr val="accent1"/>
+          </a:effectRef>
+          <a:fontRef idx="minor">
+            <a:schemeClr val="tx1"/>
+          </a:fontRef>
+        </p:style>
+      </p:cxnSp>
+      <p:cxnSp>
+        <p:nvCxnSpPr>
+          <p:cNvPr id="132" name="Straight Arrow Connector 131">
+            <a:extLst>
+              <a:ext uri="{FF2B5EF4-FFF2-40B4-BE49-F238E27FC236}">
+                <a16:creationId xmlns:a16="http://schemas.microsoft.com/office/drawing/2014/main" id="{91BD765B-C982-4510-A9C6-16731889C86C}"/>
+              </a:ext>
+            </a:extLst>
+          </p:cNvPr>
+          <p:cNvCxnSpPr>
+            <a:cxnSpLocks/>
+            <a:stCxn id="60" idx="3"/>
+          </p:cNvCxnSpPr>
+          <p:nvPr/>
+        </p:nvCxnSpPr>
+        <p:spPr>
+          <a:xfrm>
+            <a:off x="8086434" y="6086774"/>
+            <a:ext cx="568037" cy="624193"/>
+          </a:xfrm>
+          <a:prstGeom prst="straightConnector1">
+            <a:avLst/>
+          </a:prstGeom>
+          <a:ln w="38100">
+            <a:solidFill>
+              <a:srgbClr val="00B050"/>
+            </a:solidFill>
+            <a:tailEnd type="triangle"/>
+          </a:ln>
+        </p:spPr>
+        <p:style>
+          <a:lnRef idx="1">
+            <a:schemeClr val="accent1"/>
+          </a:lnRef>
+          <a:fillRef idx="0">
+            <a:schemeClr val="accent1"/>
+          </a:fillRef>
+          <a:effectRef idx="0">
+            <a:schemeClr val="accent1"/>
+          </a:effectRef>
+          <a:fontRef idx="minor">
+            <a:schemeClr val="tx1"/>
+          </a:fontRef>
+        </p:style>
+      </p:cxnSp>
+      <p:sp>
+        <p:nvSpPr>
+          <p:cNvPr id="149" name="Rectangle 148">
+            <a:extLst>
+              <a:ext uri="{FF2B5EF4-FFF2-40B4-BE49-F238E27FC236}">
+                <a16:creationId xmlns:a16="http://schemas.microsoft.com/office/drawing/2014/main" id="{F78C20E1-8AA3-41A9-9392-F027DD2B56FE}"/>
+              </a:ext>
+            </a:extLst>
+          </p:cNvPr>
+          <p:cNvSpPr/>
+          <p:nvPr/>
+        </p:nvSpPr>
+        <p:spPr>
+          <a:xfrm>
+            <a:off x="3641881" y="5407888"/>
+            <a:ext cx="1163781" cy="572654"/>
+          </a:xfrm>
+          <a:prstGeom prst="rect">
+            <a:avLst/>
+          </a:prstGeom>
+          <a:ln w="38100"/>
+        </p:spPr>
+        <p:style>
+          <a:lnRef idx="2">
+            <a:schemeClr val="dk1"/>
+          </a:lnRef>
+          <a:fillRef idx="1">
+            <a:schemeClr val="lt1"/>
+          </a:fillRef>
+          <a:effectRef idx="0">
+            <a:schemeClr val="dk1"/>
+          </a:effectRef>
+          <a:fontRef idx="minor">
+            <a:schemeClr val="dk1"/>
+          </a:fontRef>
+        </p:style>
+        <p:txBody>
+          <a:bodyPr rtlCol="0" anchor="ctr"/>
+          <a:lstStyle/>
+          <a:p>
+            <a:pPr algn="ctr"/>
+            <a:r>
+              <a:rPr lang="en-ZW" dirty="0"/>
+              <a:t>It</a:t>
+            </a:r>
+          </a:p>
+        </p:txBody>
+      </p:sp>
+      <p:cxnSp>
+        <p:nvCxnSpPr>
+          <p:cNvPr id="151" name="Straight Arrow Connector 150">
+            <a:extLst>
+              <a:ext uri="{FF2B5EF4-FFF2-40B4-BE49-F238E27FC236}">
+                <a16:creationId xmlns:a16="http://schemas.microsoft.com/office/drawing/2014/main" id="{D7DC9106-6029-40F3-A2F6-B4F622452319}"/>
+              </a:ext>
+            </a:extLst>
+          </p:cNvPr>
+          <p:cNvCxnSpPr>
+            <a:stCxn id="53" idx="3"/>
+            <a:endCxn id="149" idx="1"/>
+          </p:cNvCxnSpPr>
+          <p:nvPr/>
+        </p:nvCxnSpPr>
+        <p:spPr>
+          <a:xfrm>
+            <a:off x="3227364" y="5615730"/>
+            <a:ext cx="414517" cy="78485"/>
+          </a:xfrm>
+          <a:prstGeom prst="straightConnector1">
+            <a:avLst/>
+          </a:prstGeom>
+          <a:ln w="38100">
+            <a:solidFill>
+              <a:srgbClr val="7030A0"/>
+            </a:solidFill>
+            <a:tailEnd type="triangle"/>
+          </a:ln>
+        </p:spPr>
+        <p:style>
+          <a:lnRef idx="1">
+            <a:schemeClr val="accent1"/>
+          </a:lnRef>
+          <a:fillRef idx="0">
+            <a:schemeClr val="accent1"/>
+          </a:fillRef>
+          <a:effectRef idx="0">
+            <a:schemeClr val="accent1"/>
+          </a:effectRef>
+          <a:fontRef idx="minor">
+            <a:schemeClr val="tx1"/>
+          </a:fontRef>
+        </p:style>
+      </p:cxnSp>
+      <p:sp>
+        <p:nvSpPr>
+          <p:cNvPr id="153" name="Rectangle 152">
+            <a:extLst>
+              <a:ext uri="{FF2B5EF4-FFF2-40B4-BE49-F238E27FC236}">
+                <a16:creationId xmlns:a16="http://schemas.microsoft.com/office/drawing/2014/main" id="{0160740E-343B-41C1-89A1-841A8E76222D}"/>
+              </a:ext>
+            </a:extLst>
+          </p:cNvPr>
+          <p:cNvSpPr/>
+          <p:nvPr/>
+        </p:nvSpPr>
+        <p:spPr>
+          <a:xfrm>
+            <a:off x="6968462" y="4587475"/>
+            <a:ext cx="1163781" cy="572654"/>
+          </a:xfrm>
+          <a:prstGeom prst="rect">
+            <a:avLst/>
+          </a:prstGeom>
+          <a:ln w="38100"/>
+        </p:spPr>
+        <p:style>
+          <a:lnRef idx="2">
+            <a:schemeClr val="dk1"/>
+          </a:lnRef>
+          <a:fillRef idx="1">
+            <a:schemeClr val="lt1"/>
+          </a:fillRef>
+          <a:effectRef idx="0">
+            <a:schemeClr val="dk1"/>
+          </a:effectRef>
+          <a:fontRef idx="minor">
+            <a:schemeClr val="dk1"/>
+          </a:fontRef>
+        </p:style>
+        <p:txBody>
+          <a:bodyPr rtlCol="0" anchor="ctr"/>
+          <a:lstStyle/>
+          <a:p>
+            <a:pPr algn="ctr"/>
+            <a:r>
+              <a:rPr lang="en-ZW" dirty="0"/>
+              <a:t>was</a:t>
+            </a:r>
+          </a:p>
+        </p:txBody>
+      </p:sp>
+      <p:cxnSp>
+        <p:nvCxnSpPr>
+          <p:cNvPr id="155" name="Straight Arrow Connector 154">
+            <a:extLst>
+              <a:ext uri="{FF2B5EF4-FFF2-40B4-BE49-F238E27FC236}">
+                <a16:creationId xmlns:a16="http://schemas.microsoft.com/office/drawing/2014/main" id="{4BD178FA-9622-436E-AE76-4A6FDC956068}"/>
+              </a:ext>
+            </a:extLst>
+          </p:cNvPr>
+          <p:cNvCxnSpPr>
+            <a:stCxn id="149" idx="3"/>
+            <a:endCxn id="153" idx="1"/>
+          </p:cNvCxnSpPr>
+          <p:nvPr/>
+        </p:nvCxnSpPr>
+        <p:spPr>
+          <a:xfrm flipV="1">
+            <a:off x="4805662" y="4873802"/>
+            <a:ext cx="2162800" cy="820413"/>
+          </a:xfrm>
+          <a:prstGeom prst="straightConnector1">
+            <a:avLst/>
+          </a:prstGeom>
+          <a:ln w="38100">
+            <a:solidFill>
+              <a:srgbClr val="7030A0"/>
+            </a:solidFill>
+            <a:tailEnd type="triangle"/>
+          </a:ln>
+        </p:spPr>
+        <p:style>
+          <a:lnRef idx="1">
+            <a:schemeClr val="accent1"/>
+          </a:lnRef>
+          <a:fillRef idx="0">
+            <a:schemeClr val="accent1"/>
+          </a:fillRef>
+          <a:effectRef idx="0">
+            <a:schemeClr val="accent1"/>
+          </a:effectRef>
+          <a:fontRef idx="minor">
+            <a:schemeClr val="tx1"/>
+          </a:fontRef>
+        </p:style>
+      </p:cxnSp>
+      <p:sp>
+        <p:nvSpPr>
+          <p:cNvPr id="157" name="Rectangle 156">
+            <a:extLst>
+              <a:ext uri="{FF2B5EF4-FFF2-40B4-BE49-F238E27FC236}">
+                <a16:creationId xmlns:a16="http://schemas.microsoft.com/office/drawing/2014/main" id="{51B8FF58-BF74-4B60-B06A-689A876E1CE9}"/>
+              </a:ext>
+            </a:extLst>
+          </p:cNvPr>
+          <p:cNvSpPr/>
+          <p:nvPr/>
+        </p:nvSpPr>
+        <p:spPr>
+          <a:xfrm>
+            <a:off x="7245925" y="1828020"/>
+            <a:ext cx="1163781" cy="572654"/>
+          </a:xfrm>
+          <a:prstGeom prst="rect">
+            <a:avLst/>
+          </a:prstGeom>
+          <a:solidFill>
+            <a:srgbClr val="C00000"/>
+          </a:solidFill>
+          <a:ln w="38100"/>
+        </p:spPr>
+        <p:style>
+          <a:lnRef idx="2">
+            <a:schemeClr val="dk1"/>
+          </a:lnRef>
+          <a:fillRef idx="1">
+            <a:schemeClr val="lt1"/>
+          </a:fillRef>
+          <a:effectRef idx="0">
+            <a:schemeClr val="dk1"/>
+          </a:effectRef>
+          <a:fontRef idx="minor">
+            <a:schemeClr val="dk1"/>
+          </a:fontRef>
+        </p:style>
+        <p:txBody>
+          <a:bodyPr rtlCol="0" anchor="ctr"/>
+          <a:lstStyle/>
+          <a:p>
+            <a:pPr algn="ctr"/>
+            <a:r>
+              <a:rPr lang="en-ZW" b="1" dirty="0">
+                <a:solidFill>
+                  <a:schemeClr val="bg1"/>
+                </a:solidFill>
+              </a:rPr>
+              <a:t>not</a:t>
+            </a:r>
+          </a:p>
+        </p:txBody>
+      </p:sp>
+      <p:sp>
+        <p:nvSpPr>
+          <p:cNvPr id="158" name="Rectangle 157">
+            <a:extLst>
+              <a:ext uri="{FF2B5EF4-FFF2-40B4-BE49-F238E27FC236}">
+                <a16:creationId xmlns:a16="http://schemas.microsoft.com/office/drawing/2014/main" id="{4F86C4EF-50DF-4B0F-90D9-57C6AA3AA6C4}"/>
+              </a:ext>
+            </a:extLst>
+          </p:cNvPr>
+          <p:cNvSpPr/>
+          <p:nvPr/>
+        </p:nvSpPr>
+        <p:spPr>
+          <a:xfrm>
+            <a:off x="8409707" y="2480702"/>
+            <a:ext cx="1163781" cy="572654"/>
+          </a:xfrm>
+          <a:prstGeom prst="rect">
+            <a:avLst/>
+          </a:prstGeom>
+          <a:ln w="38100"/>
+        </p:spPr>
+        <p:style>
+          <a:lnRef idx="2">
+            <a:schemeClr val="dk1"/>
+          </a:lnRef>
+          <a:fillRef idx="1">
+            <a:schemeClr val="lt1"/>
+          </a:fillRef>
+          <a:effectRef idx="0">
+            <a:schemeClr val="dk1"/>
+          </a:effectRef>
+          <a:fontRef idx="minor">
+            <a:schemeClr val="dk1"/>
+          </a:fontRef>
+        </p:style>
+        <p:txBody>
+          <a:bodyPr rtlCol="0" anchor="ctr"/>
+          <a:lstStyle/>
+          <a:p>
+            <a:pPr algn="ctr"/>
+            <a:r>
+              <a:rPr lang="en-ZW" dirty="0"/>
+              <a:t>the</a:t>
+            </a:r>
+          </a:p>
+        </p:txBody>
+      </p:sp>
+      <p:sp>
+        <p:nvSpPr>
+          <p:cNvPr id="159" name="Rectangle 158">
+            <a:extLst>
+              <a:ext uri="{FF2B5EF4-FFF2-40B4-BE49-F238E27FC236}">
+                <a16:creationId xmlns:a16="http://schemas.microsoft.com/office/drawing/2014/main" id="{0FD58FAA-836D-4A99-87F3-1C1591F0F1CC}"/>
+              </a:ext>
+            </a:extLst>
+          </p:cNvPr>
+          <p:cNvSpPr/>
+          <p:nvPr/>
+        </p:nvSpPr>
+        <p:spPr>
+          <a:xfrm>
+            <a:off x="7118554" y="2870213"/>
+            <a:ext cx="1163781" cy="572654"/>
+          </a:xfrm>
+          <a:prstGeom prst="rect">
+            <a:avLst/>
+          </a:prstGeom>
+          <a:solidFill>
+            <a:srgbClr val="00B050"/>
+          </a:solidFill>
+          <a:ln w="38100"/>
+        </p:spPr>
+        <p:style>
+          <a:lnRef idx="2">
+            <a:schemeClr val="dk1"/>
+          </a:lnRef>
+          <a:fillRef idx="1">
+            <a:schemeClr val="lt1"/>
+          </a:fillRef>
+          <a:effectRef idx="0">
+            <a:schemeClr val="dk1"/>
+          </a:effectRef>
+          <a:fontRef idx="minor">
+            <a:schemeClr val="dk1"/>
+          </a:fontRef>
+        </p:style>
+        <p:txBody>
+          <a:bodyPr rtlCol="0" anchor="ctr"/>
+          <a:lstStyle/>
+          <a:p>
+            <a:pPr algn="ctr"/>
+            <a:r>
+              <a:rPr lang="en-ZW" b="1" dirty="0">
+                <a:solidFill>
+                  <a:schemeClr val="bg1"/>
+                </a:solidFill>
+              </a:rPr>
+              <a:t>on</a:t>
+            </a:r>
+          </a:p>
+        </p:txBody>
+      </p:sp>
+      <p:cxnSp>
+        <p:nvCxnSpPr>
+          <p:cNvPr id="161" name="Straight Arrow Connector 160">
+            <a:extLst>
+              <a:ext uri="{FF2B5EF4-FFF2-40B4-BE49-F238E27FC236}">
+                <a16:creationId xmlns:a16="http://schemas.microsoft.com/office/drawing/2014/main" id="{BA7BF41A-2DCB-4771-B978-F061ACFDB3BA}"/>
+              </a:ext>
+            </a:extLst>
+          </p:cNvPr>
+          <p:cNvCxnSpPr>
+            <a:stCxn id="50" idx="3"/>
+            <a:endCxn id="157" idx="1"/>
+          </p:cNvCxnSpPr>
+          <p:nvPr/>
+        </p:nvCxnSpPr>
+        <p:spPr>
+          <a:xfrm flipV="1">
+            <a:off x="6677890" y="2114347"/>
+            <a:ext cx="568035" cy="192437"/>
           </a:xfrm>
           <a:prstGeom prst="straightConnector1">
             <a:avLst/>
@@ -10769,12 +12888,495 @@
           </a:fontRef>
         </p:style>
       </p:cxnSp>
-      <p:sp>
-        <p:nvSpPr>
-          <p:cNvPr id="45" name="TextBox 44">
-            <a:extLst>
-              <a:ext uri="{FF2B5EF4-FFF2-40B4-BE49-F238E27FC236}">
-                <a16:creationId xmlns:a16="http://schemas.microsoft.com/office/drawing/2014/main" id="{D98F5AC0-A0BE-4D18-B2C4-E6A02E4E78B6}"/>
+      <p:cxnSp>
+        <p:nvCxnSpPr>
+          <p:cNvPr id="163" name="Straight Arrow Connector 162">
+            <a:extLst>
+              <a:ext uri="{FF2B5EF4-FFF2-40B4-BE49-F238E27FC236}">
+                <a16:creationId xmlns:a16="http://schemas.microsoft.com/office/drawing/2014/main" id="{3DBC1774-894E-41B5-BD50-88678A59DED8}"/>
+              </a:ext>
+            </a:extLst>
+          </p:cNvPr>
+          <p:cNvCxnSpPr>
+            <a:stCxn id="50" idx="3"/>
+            <a:endCxn id="159" idx="1"/>
+          </p:cNvCxnSpPr>
+          <p:nvPr/>
+        </p:nvCxnSpPr>
+        <p:spPr>
+          <a:xfrm>
+            <a:off x="6677890" y="2306784"/>
+            <a:ext cx="440664" cy="849756"/>
+          </a:xfrm>
+          <a:prstGeom prst="straightConnector1">
+            <a:avLst/>
+          </a:prstGeom>
+          <a:ln w="38100">
+            <a:solidFill>
+              <a:srgbClr val="C00000"/>
+            </a:solidFill>
+            <a:tailEnd type="triangle"/>
+          </a:ln>
+        </p:spPr>
+        <p:style>
+          <a:lnRef idx="1">
+            <a:schemeClr val="accent1"/>
+          </a:lnRef>
+          <a:fillRef idx="0">
+            <a:schemeClr val="accent1"/>
+          </a:fillRef>
+          <a:effectRef idx="0">
+            <a:schemeClr val="accent1"/>
+          </a:effectRef>
+          <a:fontRef idx="minor">
+            <a:schemeClr val="tx1"/>
+          </a:fontRef>
+        </p:style>
+      </p:cxnSp>
+      <p:cxnSp>
+        <p:nvCxnSpPr>
+          <p:cNvPr id="167" name="Straight Arrow Connector 166">
+            <a:extLst>
+              <a:ext uri="{FF2B5EF4-FFF2-40B4-BE49-F238E27FC236}">
+                <a16:creationId xmlns:a16="http://schemas.microsoft.com/office/drawing/2014/main" id="{F8010FEB-4775-4CE2-9A54-66F5025CBB64}"/>
+              </a:ext>
+            </a:extLst>
+          </p:cNvPr>
+          <p:cNvCxnSpPr>
+            <a:stCxn id="50" idx="3"/>
+            <a:endCxn id="158" idx="1"/>
+          </p:cNvCxnSpPr>
+          <p:nvPr/>
+        </p:nvCxnSpPr>
+        <p:spPr>
+          <a:xfrm>
+            <a:off x="6677890" y="2306784"/>
+            <a:ext cx="1731817" cy="460245"/>
+          </a:xfrm>
+          <a:prstGeom prst="straightConnector1">
+            <a:avLst/>
+          </a:prstGeom>
+          <a:ln w="38100">
+            <a:solidFill>
+              <a:srgbClr val="C00000"/>
+            </a:solidFill>
+            <a:tailEnd type="triangle"/>
+          </a:ln>
+        </p:spPr>
+        <p:style>
+          <a:lnRef idx="1">
+            <a:schemeClr val="accent1"/>
+          </a:lnRef>
+          <a:fillRef idx="0">
+            <a:schemeClr val="accent1"/>
+          </a:fillRef>
+          <a:effectRef idx="0">
+            <a:schemeClr val="accent1"/>
+          </a:effectRef>
+          <a:fontRef idx="minor">
+            <a:schemeClr val="tx1"/>
+          </a:fontRef>
+        </p:style>
+      </p:cxnSp>
+      <p:sp>
+        <p:nvSpPr>
+          <p:cNvPr id="170" name="Rectangle 169">
+            <a:extLst>
+              <a:ext uri="{FF2B5EF4-FFF2-40B4-BE49-F238E27FC236}">
+                <a16:creationId xmlns:a16="http://schemas.microsoft.com/office/drawing/2014/main" id="{66193222-3690-4601-8496-DCEB07EDF090}"/>
+              </a:ext>
+            </a:extLst>
+          </p:cNvPr>
+          <p:cNvSpPr/>
+          <p:nvPr/>
+        </p:nvSpPr>
+        <p:spPr>
+          <a:xfrm>
+            <a:off x="9573488" y="3964571"/>
+            <a:ext cx="1163781" cy="572654"/>
+          </a:xfrm>
+          <a:prstGeom prst="rect">
+            <a:avLst/>
+          </a:prstGeom>
+          <a:solidFill>
+            <a:srgbClr val="00B050"/>
+          </a:solidFill>
+          <a:ln w="38100"/>
+        </p:spPr>
+        <p:style>
+          <a:lnRef idx="2">
+            <a:schemeClr val="dk1"/>
+          </a:lnRef>
+          <a:fillRef idx="1">
+            <a:schemeClr val="lt1"/>
+          </a:fillRef>
+          <a:effectRef idx="0">
+            <a:schemeClr val="dk1"/>
+          </a:effectRef>
+          <a:fontRef idx="minor">
+            <a:schemeClr val="dk1"/>
+          </a:fontRef>
+        </p:style>
+        <p:txBody>
+          <a:bodyPr rtlCol="0" anchor="ctr"/>
+          <a:lstStyle/>
+          <a:p>
+            <a:pPr algn="ctr"/>
+            <a:r>
+              <a:rPr lang="en-ZW" b="1" dirty="0">
+                <a:solidFill>
+                  <a:schemeClr val="bg1"/>
+                </a:solidFill>
+              </a:rPr>
+              <a:t>on</a:t>
+            </a:r>
+          </a:p>
+        </p:txBody>
+      </p:sp>
+      <p:sp>
+        <p:nvSpPr>
+          <p:cNvPr id="171" name="Rectangle 170">
+            <a:extLst>
+              <a:ext uri="{FF2B5EF4-FFF2-40B4-BE49-F238E27FC236}">
+                <a16:creationId xmlns:a16="http://schemas.microsoft.com/office/drawing/2014/main" id="{F3FCB135-47AE-4D00-B9F7-38DFF1A00FCF}"/>
+              </a:ext>
+            </a:extLst>
+          </p:cNvPr>
+          <p:cNvSpPr/>
+          <p:nvPr/>
+        </p:nvSpPr>
+        <p:spPr>
+          <a:xfrm>
+            <a:off x="10119804" y="4391670"/>
+            <a:ext cx="1163781" cy="572654"/>
+          </a:xfrm>
+          <a:prstGeom prst="rect">
+            <a:avLst/>
+          </a:prstGeom>
+          <a:solidFill>
+            <a:srgbClr val="00B050"/>
+          </a:solidFill>
+          <a:ln w="38100"/>
+        </p:spPr>
+        <p:style>
+          <a:lnRef idx="2">
+            <a:schemeClr val="dk1"/>
+          </a:lnRef>
+          <a:fillRef idx="1">
+            <a:schemeClr val="lt1"/>
+          </a:fillRef>
+          <a:effectRef idx="0">
+            <a:schemeClr val="dk1"/>
+          </a:effectRef>
+          <a:fontRef idx="minor">
+            <a:schemeClr val="dk1"/>
+          </a:fontRef>
+        </p:style>
+        <p:txBody>
+          <a:bodyPr rtlCol="0" anchor="ctr"/>
+          <a:lstStyle/>
+          <a:p>
+            <a:pPr algn="ctr"/>
+            <a:r>
+              <a:rPr lang="en-ZW" b="1" dirty="0">
+                <a:solidFill>
+                  <a:schemeClr val="bg1"/>
+                </a:solidFill>
+              </a:rPr>
+              <a:t>on</a:t>
+            </a:r>
+          </a:p>
+        </p:txBody>
+      </p:sp>
+      <p:sp>
+        <p:nvSpPr>
+          <p:cNvPr id="172" name="Rectangle 171">
+            <a:extLst>
+              <a:ext uri="{FF2B5EF4-FFF2-40B4-BE49-F238E27FC236}">
+                <a16:creationId xmlns:a16="http://schemas.microsoft.com/office/drawing/2014/main" id="{93013923-ED6B-4270-9170-9463C676FBF8}"/>
+              </a:ext>
+            </a:extLst>
+          </p:cNvPr>
+          <p:cNvSpPr/>
+          <p:nvPr/>
+        </p:nvSpPr>
+        <p:spPr>
+          <a:xfrm>
+            <a:off x="10353958" y="4849321"/>
+            <a:ext cx="1163781" cy="572654"/>
+          </a:xfrm>
+          <a:prstGeom prst="rect">
+            <a:avLst/>
+          </a:prstGeom>
+          <a:solidFill>
+            <a:srgbClr val="C00000"/>
+          </a:solidFill>
+          <a:ln w="38100"/>
+        </p:spPr>
+        <p:style>
+          <a:lnRef idx="2">
+            <a:schemeClr val="dk1"/>
+          </a:lnRef>
+          <a:fillRef idx="1">
+            <a:schemeClr val="lt1"/>
+          </a:fillRef>
+          <a:effectRef idx="0">
+            <a:schemeClr val="dk1"/>
+          </a:effectRef>
+          <a:fontRef idx="minor">
+            <a:schemeClr val="dk1"/>
+          </a:fontRef>
+        </p:style>
+        <p:txBody>
+          <a:bodyPr rtlCol="0" anchor="ctr"/>
+          <a:lstStyle/>
+          <a:p>
+            <a:pPr algn="ctr"/>
+            <a:r>
+              <a:rPr lang="en-ZW" b="1" dirty="0">
+                <a:solidFill>
+                  <a:schemeClr val="bg1"/>
+                </a:solidFill>
+              </a:rPr>
+              <a:t>not</a:t>
+            </a:r>
+          </a:p>
+        </p:txBody>
+      </p:sp>
+      <p:cxnSp>
+        <p:nvCxnSpPr>
+          <p:cNvPr id="174" name="Straight Arrow Connector 173">
+            <a:extLst>
+              <a:ext uri="{FF2B5EF4-FFF2-40B4-BE49-F238E27FC236}">
+                <a16:creationId xmlns:a16="http://schemas.microsoft.com/office/drawing/2014/main" id="{472A9E05-1D45-4789-9F66-13616E8BA14C}"/>
+              </a:ext>
+            </a:extLst>
+          </p:cNvPr>
+          <p:cNvCxnSpPr>
+            <a:stCxn id="153" idx="3"/>
+            <a:endCxn id="170" idx="1"/>
+          </p:cNvCxnSpPr>
+          <p:nvPr/>
+        </p:nvCxnSpPr>
+        <p:spPr>
+          <a:xfrm flipV="1">
+            <a:off x="8132243" y="4250898"/>
+            <a:ext cx="1441245" cy="622904"/>
+          </a:xfrm>
+          <a:prstGeom prst="straightConnector1">
+            <a:avLst/>
+          </a:prstGeom>
+          <a:ln w="38100">
+            <a:solidFill>
+              <a:srgbClr val="7030A0"/>
+            </a:solidFill>
+            <a:tailEnd type="triangle"/>
+          </a:ln>
+        </p:spPr>
+        <p:style>
+          <a:lnRef idx="1">
+            <a:schemeClr val="accent1"/>
+          </a:lnRef>
+          <a:fillRef idx="0">
+            <a:schemeClr val="accent1"/>
+          </a:fillRef>
+          <a:effectRef idx="0">
+            <a:schemeClr val="accent1"/>
+          </a:effectRef>
+          <a:fontRef idx="minor">
+            <a:schemeClr val="tx1"/>
+          </a:fontRef>
+        </p:style>
+      </p:cxnSp>
+      <p:cxnSp>
+        <p:nvCxnSpPr>
+          <p:cNvPr id="176" name="Straight Arrow Connector 175">
+            <a:extLst>
+              <a:ext uri="{FF2B5EF4-FFF2-40B4-BE49-F238E27FC236}">
+                <a16:creationId xmlns:a16="http://schemas.microsoft.com/office/drawing/2014/main" id="{09F3F8CF-F034-496F-BA80-86B2FE93D36D}"/>
+              </a:ext>
+            </a:extLst>
+          </p:cNvPr>
+          <p:cNvCxnSpPr>
+            <a:stCxn id="153" idx="3"/>
+            <a:endCxn id="171" idx="1"/>
+          </p:cNvCxnSpPr>
+          <p:nvPr/>
+        </p:nvCxnSpPr>
+        <p:spPr>
+          <a:xfrm flipV="1">
+            <a:off x="8132243" y="4677997"/>
+            <a:ext cx="1987561" cy="195805"/>
+          </a:xfrm>
+          <a:prstGeom prst="straightConnector1">
+            <a:avLst/>
+          </a:prstGeom>
+          <a:ln w="38100">
+            <a:solidFill>
+              <a:srgbClr val="7030A0"/>
+            </a:solidFill>
+            <a:tailEnd type="triangle"/>
+          </a:ln>
+        </p:spPr>
+        <p:style>
+          <a:lnRef idx="1">
+            <a:schemeClr val="accent1"/>
+          </a:lnRef>
+          <a:fillRef idx="0">
+            <a:schemeClr val="accent1"/>
+          </a:fillRef>
+          <a:effectRef idx="0">
+            <a:schemeClr val="accent1"/>
+          </a:effectRef>
+          <a:fontRef idx="minor">
+            <a:schemeClr val="tx1"/>
+          </a:fontRef>
+        </p:style>
+      </p:cxnSp>
+      <p:cxnSp>
+        <p:nvCxnSpPr>
+          <p:cNvPr id="178" name="Straight Arrow Connector 177">
+            <a:extLst>
+              <a:ext uri="{FF2B5EF4-FFF2-40B4-BE49-F238E27FC236}">
+                <a16:creationId xmlns:a16="http://schemas.microsoft.com/office/drawing/2014/main" id="{AE1F1FF8-606E-4099-B26C-E72B07AF4CA1}"/>
+              </a:ext>
+            </a:extLst>
+          </p:cNvPr>
+          <p:cNvCxnSpPr>
+            <a:stCxn id="153" idx="3"/>
+            <a:endCxn id="172" idx="1"/>
+          </p:cNvCxnSpPr>
+          <p:nvPr/>
+        </p:nvCxnSpPr>
+        <p:spPr>
+          <a:xfrm>
+            <a:off x="8132243" y="4873802"/>
+            <a:ext cx="2221715" cy="261846"/>
+          </a:xfrm>
+          <a:prstGeom prst="straightConnector1">
+            <a:avLst/>
+          </a:prstGeom>
+          <a:ln w="38100">
+            <a:solidFill>
+              <a:srgbClr val="7030A0"/>
+            </a:solidFill>
+            <a:tailEnd type="triangle"/>
+          </a:ln>
+        </p:spPr>
+        <p:style>
+          <a:lnRef idx="1">
+            <a:schemeClr val="accent1"/>
+          </a:lnRef>
+          <a:fillRef idx="0">
+            <a:schemeClr val="accent1"/>
+          </a:fillRef>
+          <a:effectRef idx="0">
+            <a:schemeClr val="accent1"/>
+          </a:effectRef>
+          <a:fontRef idx="minor">
+            <a:schemeClr val="tx1"/>
+          </a:fontRef>
+        </p:style>
+      </p:cxnSp>
+      <p:sp>
+        <p:nvSpPr>
+          <p:cNvPr id="193" name="Rectangle 192">
+            <a:extLst>
+              <a:ext uri="{FF2B5EF4-FFF2-40B4-BE49-F238E27FC236}">
+                <a16:creationId xmlns:a16="http://schemas.microsoft.com/office/drawing/2014/main" id="{90387694-D1A1-45FA-B356-C9FEFF496FFC}"/>
+              </a:ext>
+            </a:extLst>
+          </p:cNvPr>
+          <p:cNvSpPr/>
+          <p:nvPr/>
+        </p:nvSpPr>
+        <p:spPr>
+          <a:xfrm>
+            <a:off x="10995511" y="5292102"/>
+            <a:ext cx="1163781" cy="572654"/>
+          </a:xfrm>
+          <a:prstGeom prst="rect">
+            <a:avLst/>
+          </a:prstGeom>
+          <a:ln w="38100"/>
+        </p:spPr>
+        <p:style>
+          <a:lnRef idx="2">
+            <a:schemeClr val="dk1"/>
+          </a:lnRef>
+          <a:fillRef idx="1">
+            <a:schemeClr val="lt1"/>
+          </a:fillRef>
+          <a:effectRef idx="0">
+            <a:schemeClr val="dk1"/>
+          </a:effectRef>
+          <a:fontRef idx="minor">
+            <a:schemeClr val="dk1"/>
+          </a:fontRef>
+        </p:style>
+        <p:txBody>
+          <a:bodyPr rtlCol="0" anchor="ctr"/>
+          <a:lstStyle/>
+          <a:p>
+            <a:pPr algn="ctr"/>
+            <a:r>
+              <a:rPr lang="en-ZW" dirty="0"/>
+              <a:t>the</a:t>
+            </a:r>
+          </a:p>
+        </p:txBody>
+      </p:sp>
+      <p:cxnSp>
+        <p:nvCxnSpPr>
+          <p:cNvPr id="195" name="Straight Arrow Connector 194">
+            <a:extLst>
+              <a:ext uri="{FF2B5EF4-FFF2-40B4-BE49-F238E27FC236}">
+                <a16:creationId xmlns:a16="http://schemas.microsoft.com/office/drawing/2014/main" id="{99C16292-5ADB-48AD-9B60-54057CC2F629}"/>
+              </a:ext>
+            </a:extLst>
+          </p:cNvPr>
+          <p:cNvCxnSpPr>
+            <a:stCxn id="153" idx="3"/>
+            <a:endCxn id="193" idx="1"/>
+          </p:cNvCxnSpPr>
+          <p:nvPr/>
+        </p:nvCxnSpPr>
+        <p:spPr>
+          <a:xfrm>
+            <a:off x="8132243" y="4873802"/>
+            <a:ext cx="2863268" cy="704627"/>
+          </a:xfrm>
+          <a:prstGeom prst="straightConnector1">
+            <a:avLst/>
+          </a:prstGeom>
+          <a:ln w="38100">
+            <a:solidFill>
+              <a:srgbClr val="7030A0"/>
+            </a:solidFill>
+            <a:tailEnd type="triangle"/>
+          </a:ln>
+        </p:spPr>
+        <p:style>
+          <a:lnRef idx="1">
+            <a:schemeClr val="accent1"/>
+          </a:lnRef>
+          <a:fillRef idx="0">
+            <a:schemeClr val="accent1"/>
+          </a:fillRef>
+          <a:effectRef idx="0">
+            <a:schemeClr val="accent1"/>
+          </a:effectRef>
+          <a:fontRef idx="minor">
+            <a:schemeClr val="tx1"/>
+          </a:fontRef>
+        </p:style>
+      </p:cxnSp>
+      <p:sp>
+        <p:nvSpPr>
+          <p:cNvPr id="207" name="TextBox 206">
+            <a:extLst>
+              <a:ext uri="{FF2B5EF4-FFF2-40B4-BE49-F238E27FC236}">
+                <a16:creationId xmlns:a16="http://schemas.microsoft.com/office/drawing/2014/main" id="{2485DCFC-F21C-415F-958A-4D167F38916A}"/>
               </a:ext>
             </a:extLst>
           </p:cNvPr>
@@ -10783,8 +13385,8 @@
         </p:nvSpPr>
         <p:spPr>
           <a:xfrm>
-            <a:off x="10212766" y="6224720"/>
-            <a:ext cx="491613" cy="369332"/>
+            <a:off x="554924" y="1587792"/>
+            <a:ext cx="2566219" cy="338554"/>
           </a:xfrm>
           <a:prstGeom prst="rect">
             <a:avLst/>
@@ -10798,246 +13400,22 @@
           <a:lstStyle/>
           <a:p>
             <a:r>
-              <a:rPr lang="en-ZW" b="1" dirty="0"/>
-              <a:t>no</a:t>
-            </a:r>
-          </a:p>
-        </p:txBody>
-      </p:sp>
-      <p:sp>
-        <p:nvSpPr>
-          <p:cNvPr id="46" name="Rectangle 45">
-            <a:extLst>
-              <a:ext uri="{FF2B5EF4-FFF2-40B4-BE49-F238E27FC236}">
-                <a16:creationId xmlns:a16="http://schemas.microsoft.com/office/drawing/2014/main" id="{99D2CFA4-F400-4050-BC45-F111FFD9852C}"/>
-              </a:ext>
-            </a:extLst>
-          </p:cNvPr>
-          <p:cNvSpPr/>
-          <p:nvPr/>
-        </p:nvSpPr>
-        <p:spPr>
-          <a:xfrm>
-            <a:off x="2203120" y="5538591"/>
-            <a:ext cx="2133600" cy="835742"/>
-          </a:xfrm>
-          <a:prstGeom prst="rect">
-            <a:avLst/>
-          </a:prstGeom>
-          <a:ln/>
-        </p:spPr>
-        <p:style>
-          <a:lnRef idx="2">
-            <a:schemeClr val="accent6">
-              <a:shade val="50000"/>
-            </a:schemeClr>
-          </a:lnRef>
-          <a:fillRef idx="1">
-            <a:schemeClr val="accent6"/>
-          </a:fillRef>
-          <a:effectRef idx="0">
-            <a:schemeClr val="accent6"/>
-          </a:effectRef>
-          <a:fontRef idx="minor">
-            <a:schemeClr val="lt1"/>
-          </a:fontRef>
-        </p:style>
-        <p:txBody>
-          <a:bodyPr rtlCol="0" anchor="ctr"/>
-          <a:lstStyle/>
-          <a:p>
-            <a:pPr algn="ctr"/>
-            <a:r>
-              <a:rPr lang="en-ZW" b="1" i="1" dirty="0"/>
-              <a:t>Return Sequence</a:t>
-            </a:r>
-          </a:p>
-        </p:txBody>
-      </p:sp>
-      <p:sp>
-        <p:nvSpPr>
-          <p:cNvPr id="47" name="TextBox 46">
-            <a:extLst>
-              <a:ext uri="{FF2B5EF4-FFF2-40B4-BE49-F238E27FC236}">
-                <a16:creationId xmlns:a16="http://schemas.microsoft.com/office/drawing/2014/main" id="{8CF59B95-FCCF-4363-9C52-5350E2768E0E}"/>
-              </a:ext>
-            </a:extLst>
-          </p:cNvPr>
-          <p:cNvSpPr txBox="1"/>
-          <p:nvPr/>
-        </p:nvSpPr>
-        <p:spPr>
-          <a:xfrm>
-            <a:off x="8073391" y="1613109"/>
-            <a:ext cx="606724" cy="369332"/>
-          </a:xfrm>
-          <a:prstGeom prst="rect">
-            <a:avLst/>
-          </a:prstGeom>
-          <a:noFill/>
-        </p:spPr>
-        <p:txBody>
-          <a:bodyPr wrap="square" rtlCol="0">
-            <a:spAutoFit/>
-          </a:bodyPr>
-          <a:lstStyle/>
-          <a:p>
-            <a:r>
-              <a:rPr lang="en-ZW" b="1" dirty="0"/>
-              <a:t>yes</a:t>
-            </a:r>
-          </a:p>
-        </p:txBody>
-      </p:sp>
-      <p:sp>
-        <p:nvSpPr>
-          <p:cNvPr id="49" name="TextBox 48">
-            <a:extLst>
-              <a:ext uri="{FF2B5EF4-FFF2-40B4-BE49-F238E27FC236}">
-                <a16:creationId xmlns:a16="http://schemas.microsoft.com/office/drawing/2014/main" id="{C37BADB8-C63E-4A81-B2EA-40771089D5E6}"/>
-              </a:ext>
-            </a:extLst>
-          </p:cNvPr>
-          <p:cNvSpPr txBox="1"/>
-          <p:nvPr/>
-        </p:nvSpPr>
-        <p:spPr>
-          <a:xfrm>
-            <a:off x="320007" y="1782386"/>
-            <a:ext cx="1061881" cy="400110"/>
-          </a:xfrm>
-          <a:prstGeom prst="rect">
-            <a:avLst/>
-          </a:prstGeom>
-          <a:noFill/>
-          <a:ln>
-            <a:solidFill>
-              <a:srgbClr val="C00000"/>
-            </a:solidFill>
-          </a:ln>
-        </p:spPr>
-        <p:txBody>
-          <a:bodyPr wrap="square" rtlCol="0">
-            <a:spAutoFit/>
-          </a:bodyPr>
-          <a:lstStyle/>
-          <a:p>
-            <a:r>
-              <a:rPr lang="en-ZW" sz="2000" b="1" i="1" dirty="0">
+              <a:rPr lang="en-ZW" sz="1600" b="1" dirty="0">
                 <a:solidFill>
                   <a:srgbClr val="C00000"/>
                 </a:solidFill>
               </a:rPr>
-              <a:t>Start</a:t>
-            </a:r>
-          </a:p>
-        </p:txBody>
-      </p:sp>
-      <p:cxnSp>
-        <p:nvCxnSpPr>
-          <p:cNvPr id="50" name="Connector: Elbow 49">
-            <a:extLst>
-              <a:ext uri="{FF2B5EF4-FFF2-40B4-BE49-F238E27FC236}">
-                <a16:creationId xmlns:a16="http://schemas.microsoft.com/office/drawing/2014/main" id="{8D96982A-7883-4F26-8809-E2B45A93C94B}"/>
-              </a:ext>
-            </a:extLst>
-          </p:cNvPr>
-          <p:cNvCxnSpPr>
-            <a:cxnSpLocks/>
-            <a:stCxn id="31" idx="0"/>
-            <a:endCxn id="49" idx="0"/>
-          </p:cNvCxnSpPr>
-          <p:nvPr/>
-        </p:nvCxnSpPr>
-        <p:spPr>
-          <a:xfrm rot="16200000" flipH="1" flipV="1">
-            <a:off x="3350568" y="-1633138"/>
-            <a:ext cx="915903" cy="5915144"/>
-          </a:xfrm>
-          <a:prstGeom prst="bentConnector3">
-            <a:avLst>
-              <a:gd name="adj1" fmla="val -24959"/>
-            </a:avLst>
-          </a:prstGeom>
-          <a:ln w="38100">
-            <a:solidFill>
-              <a:schemeClr val="bg1">
-                <a:lumMod val="65000"/>
-              </a:schemeClr>
-            </a:solidFill>
-            <a:tailEnd type="triangle"/>
-          </a:ln>
-        </p:spPr>
-        <p:style>
-          <a:lnRef idx="1">
-            <a:schemeClr val="dk1"/>
-          </a:lnRef>
-          <a:fillRef idx="0">
-            <a:schemeClr val="dk1"/>
-          </a:fillRef>
-          <a:effectRef idx="0">
-            <a:schemeClr val="dk1"/>
-          </a:effectRef>
-          <a:fontRef idx="minor">
-            <a:schemeClr val="tx1"/>
-          </a:fontRef>
-        </p:style>
-      </p:cxnSp>
-      <p:cxnSp>
-        <p:nvCxnSpPr>
-          <p:cNvPr id="51" name="Connector: Elbow 50">
-            <a:extLst>
-              <a:ext uri="{FF2B5EF4-FFF2-40B4-BE49-F238E27FC236}">
-                <a16:creationId xmlns:a16="http://schemas.microsoft.com/office/drawing/2014/main" id="{859FB0D4-A2F8-4A7B-A61E-1118DA85C254}"/>
-              </a:ext>
-            </a:extLst>
-          </p:cNvPr>
-          <p:cNvCxnSpPr>
-            <a:stCxn id="38" idx="2"/>
-            <a:endCxn id="46" idx="2"/>
-          </p:cNvCxnSpPr>
-          <p:nvPr/>
-        </p:nvCxnSpPr>
-        <p:spPr>
-          <a:xfrm rot="5400000" flipH="1">
-            <a:off x="6614562" y="3029691"/>
-            <a:ext cx="35053" cy="6724338"/>
-          </a:xfrm>
-          <a:prstGeom prst="bentConnector3">
-            <a:avLst>
-              <a:gd name="adj1" fmla="val -652155"/>
-            </a:avLst>
-          </a:prstGeom>
-          <a:ln w="38100">
-            <a:solidFill>
-              <a:schemeClr val="bg1">
-                <a:lumMod val="50000"/>
-              </a:schemeClr>
-            </a:solidFill>
-            <a:tailEnd type="triangle"/>
-          </a:ln>
-        </p:spPr>
-        <p:style>
-          <a:lnRef idx="1">
-            <a:schemeClr val="accent1"/>
-          </a:lnRef>
-          <a:fillRef idx="0">
-            <a:schemeClr val="accent1"/>
-          </a:fillRef>
-          <a:effectRef idx="0">
-            <a:schemeClr val="accent1"/>
-          </a:effectRef>
-          <a:fontRef idx="minor">
-            <a:schemeClr val="tx1"/>
-          </a:fontRef>
-        </p:style>
-      </p:cxnSp>
-      <p:sp>
-        <p:nvSpPr>
-          <p:cNvPr id="53" name="TextBox 52">
-            <a:extLst>
-              <a:ext uri="{FF2B5EF4-FFF2-40B4-BE49-F238E27FC236}">
-                <a16:creationId xmlns:a16="http://schemas.microsoft.com/office/drawing/2014/main" id="{0D42A7EE-518C-495B-BA85-F350D93629F0}"/>
+              <a:t>Chain (no mutation)</a:t>
+            </a:r>
+          </a:p>
+        </p:txBody>
+      </p:sp>
+      <p:sp>
+        <p:nvSpPr>
+          <p:cNvPr id="208" name="TextBox 207">
+            <a:extLst>
+              <a:ext uri="{FF2B5EF4-FFF2-40B4-BE49-F238E27FC236}">
+                <a16:creationId xmlns:a16="http://schemas.microsoft.com/office/drawing/2014/main" id="{A4A9D662-B243-4DC7-9480-5C13A67234B3}"/>
               </a:ext>
             </a:extLst>
           </p:cNvPr>
@@ -11046,8 +13424,8 @@
         </p:nvSpPr>
         <p:spPr>
           <a:xfrm>
-            <a:off x="3779102" y="5212161"/>
-            <a:ext cx="628570" cy="400110"/>
+            <a:off x="554924" y="4031994"/>
+            <a:ext cx="2858654" cy="338554"/>
           </a:xfrm>
           <a:prstGeom prst="rect">
             <a:avLst/>
@@ -11061,12 +13439,12 @@
           <a:lstStyle/>
           <a:p>
             <a:r>
-              <a:rPr lang="en-ZW" sz="2000" b="1" i="1" dirty="0">
+              <a:rPr lang="en-ZW" sz="1600" b="1" dirty="0">
                 <a:solidFill>
                   <a:srgbClr val="C00000"/>
                 </a:solidFill>
               </a:rPr>
-              <a:t>End</a:t>
+              <a:t>Chain (Constructive Mutation)</a:t>
             </a:r>
           </a:p>
         </p:txBody>
@@ -11074,7 +13452,7 @@
     </p:spTree>
     <p:extLst>
       <p:ext uri="{BB962C8B-B14F-4D97-AF65-F5344CB8AC3E}">
-        <p14:creationId xmlns:p14="http://schemas.microsoft.com/office/powerpoint/2010/main" val="4270472152"/>
+        <p14:creationId xmlns:p14="http://schemas.microsoft.com/office/powerpoint/2010/main" val="1057707339"/>
       </p:ext>
     </p:extLst>
   </p:cSld>
@@ -11103,10 +13481,10 @@
       </p:grpSpPr>
       <p:sp>
         <p:nvSpPr>
-          <p:cNvPr id="2" name="TextBox 1">
-            <a:extLst>
-              <a:ext uri="{FF2B5EF4-FFF2-40B4-BE49-F238E27FC236}">
-                <a16:creationId xmlns:a16="http://schemas.microsoft.com/office/drawing/2014/main" id="{889EA465-1CD8-485D-87D8-347EBAD14E3E}"/>
+          <p:cNvPr id="25" name="TextBox 24">
+            <a:extLst>
+              <a:ext uri="{FF2B5EF4-FFF2-40B4-BE49-F238E27FC236}">
+                <a16:creationId xmlns:a16="http://schemas.microsoft.com/office/drawing/2014/main" id="{2221A84E-49F3-435E-B739-9B08ADF2141F}"/>
               </a:ext>
             </a:extLst>
           </p:cNvPr>
@@ -11142,10 +13520,10 @@
       </p:sp>
       <p:sp>
         <p:nvSpPr>
-          <p:cNvPr id="4" name="Rectangle 3">
-            <a:extLst>
-              <a:ext uri="{FF2B5EF4-FFF2-40B4-BE49-F238E27FC236}">
-                <a16:creationId xmlns:a16="http://schemas.microsoft.com/office/drawing/2014/main" id="{19792496-43D4-40B9-B1FD-F09DBC18CF5B}"/>
+          <p:cNvPr id="27" name="Rectangle 26">
+            <a:extLst>
+              <a:ext uri="{FF2B5EF4-FFF2-40B4-BE49-F238E27FC236}">
+                <a16:creationId xmlns:a16="http://schemas.microsoft.com/office/drawing/2014/main" id="{371D3DEE-AE2B-4FD7-9FF1-F618E37AA3A7}"/>
               </a:ext>
             </a:extLst>
           </p:cNvPr>
@@ -11154,32 +13532,184 @@
         </p:nvSpPr>
         <p:spPr>
           <a:xfrm>
-            <a:off x="1274260" y="1634962"/>
-            <a:ext cx="9889285" cy="4154984"/>
+            <a:off x="2203120" y="1564571"/>
+            <a:ext cx="2133600" cy="835742"/>
           </a:xfrm>
           <a:prstGeom prst="rect">
             <a:avLst/>
           </a:prstGeom>
-        </p:spPr>
-        <p:txBody>
-          <a:bodyPr wrap="square">
-            <a:spAutoFit/>
-          </a:bodyPr>
-          <a:lstStyle/>
-          <a:p>
-            <a:r>
-              <a:rPr lang="en-ZW" sz="2400" dirty="0"/>
-              <a:t>As they reached the final obstacle, a massive, electrified door, Ravi sacrificed himself to give Elara a chance to complete their mission. He engaged the guards in a final, desperate firefight, allowing Elara to disable the door's security system and gain entry. With the door disabled, Elara entered the room housing the mind-control device. As she approached the device, she discovered that the government had sent a team of elite soldiers to eliminate them and secure the project for themselves. The two teams engaged in a fierce battle, with Thomas using his wit and the magical amulet to defeat the sorcerer. As the villain lay defeated, the maze began to crumble, returning the forest to its natural state. The town of Willowbrook was once again safe, and Thomas, a hero, returned to his family.</a:t>
-            </a:r>
-          </a:p>
-        </p:txBody>
-      </p:sp>
-      <p:sp>
-        <p:nvSpPr>
-          <p:cNvPr id="6" name="TextBox 5">
-            <a:extLst>
-              <a:ext uri="{FF2B5EF4-FFF2-40B4-BE49-F238E27FC236}">
-                <a16:creationId xmlns:a16="http://schemas.microsoft.com/office/drawing/2014/main" id="{40A52FF1-D98B-4893-B74C-B391482EFC34}"/>
+          <a:ln w="38100"/>
+        </p:spPr>
+        <p:style>
+          <a:lnRef idx="2">
+            <a:schemeClr val="dk1"/>
+          </a:lnRef>
+          <a:fillRef idx="1">
+            <a:schemeClr val="lt1"/>
+          </a:fillRef>
+          <a:effectRef idx="0">
+            <a:schemeClr val="dk1"/>
+          </a:effectRef>
+          <a:fontRef idx="minor">
+            <a:schemeClr val="dk1"/>
+          </a:fontRef>
+        </p:style>
+        <p:txBody>
+          <a:bodyPr rtlCol="0" anchor="ctr"/>
+          <a:lstStyle/>
+          <a:p>
+            <a:pPr algn="ctr"/>
+            <a:r>
+              <a:rPr lang="en-ZW" b="1" dirty="0"/>
+              <a:t>Set State T</a:t>
+            </a:r>
+            <a:endParaRPr lang="en-ZW" b="1" i="1" dirty="0"/>
+          </a:p>
+        </p:txBody>
+      </p:sp>
+      <p:cxnSp>
+        <p:nvCxnSpPr>
+          <p:cNvPr id="29" name="Straight Arrow Connector 28">
+            <a:extLst>
+              <a:ext uri="{FF2B5EF4-FFF2-40B4-BE49-F238E27FC236}">
+                <a16:creationId xmlns:a16="http://schemas.microsoft.com/office/drawing/2014/main" id="{E84B7B54-D388-4CCE-9A82-C3C57EB56E99}"/>
+              </a:ext>
+            </a:extLst>
+          </p:cNvPr>
+          <p:cNvCxnSpPr>
+            <a:endCxn id="27" idx="1"/>
+          </p:cNvCxnSpPr>
+          <p:nvPr/>
+        </p:nvCxnSpPr>
+        <p:spPr>
+          <a:xfrm>
+            <a:off x="1141236" y="1982442"/>
+            <a:ext cx="1061884" cy="0"/>
+          </a:xfrm>
+          <a:prstGeom prst="straightConnector1">
+            <a:avLst/>
+          </a:prstGeom>
+          <a:ln w="38100">
+            <a:solidFill>
+              <a:srgbClr val="C00000"/>
+            </a:solidFill>
+            <a:tailEnd type="triangle"/>
+          </a:ln>
+        </p:spPr>
+        <p:style>
+          <a:lnRef idx="1">
+            <a:schemeClr val="accent1"/>
+          </a:lnRef>
+          <a:fillRef idx="0">
+            <a:schemeClr val="accent1"/>
+          </a:fillRef>
+          <a:effectRef idx="0">
+            <a:schemeClr val="accent1"/>
+          </a:effectRef>
+          <a:fontRef idx="minor">
+            <a:schemeClr val="tx1"/>
+          </a:fontRef>
+        </p:style>
+      </p:cxnSp>
+      <p:cxnSp>
+        <p:nvCxnSpPr>
+          <p:cNvPr id="30" name="Straight Arrow Connector 29">
+            <a:extLst>
+              <a:ext uri="{FF2B5EF4-FFF2-40B4-BE49-F238E27FC236}">
+                <a16:creationId xmlns:a16="http://schemas.microsoft.com/office/drawing/2014/main" id="{0AF5C5BB-6009-4F91-8558-E17C3AFFCDF2}"/>
+              </a:ext>
+            </a:extLst>
+          </p:cNvPr>
+          <p:cNvCxnSpPr>
+            <a:cxnSpLocks/>
+            <a:stCxn id="27" idx="3"/>
+            <a:endCxn id="31" idx="1"/>
+          </p:cNvCxnSpPr>
+          <p:nvPr/>
+        </p:nvCxnSpPr>
+        <p:spPr>
+          <a:xfrm>
+            <a:off x="4336720" y="1982442"/>
+            <a:ext cx="1066799" cy="0"/>
+          </a:xfrm>
+          <a:prstGeom prst="straightConnector1">
+            <a:avLst/>
+          </a:prstGeom>
+          <a:ln w="38100">
+            <a:solidFill>
+              <a:srgbClr val="C00000"/>
+            </a:solidFill>
+            <a:tailEnd type="triangle"/>
+          </a:ln>
+        </p:spPr>
+        <p:style>
+          <a:lnRef idx="1">
+            <a:schemeClr val="accent1"/>
+          </a:lnRef>
+          <a:fillRef idx="0">
+            <a:schemeClr val="accent1"/>
+          </a:fillRef>
+          <a:effectRef idx="0">
+            <a:schemeClr val="accent1"/>
+          </a:effectRef>
+          <a:fontRef idx="minor">
+            <a:schemeClr val="tx1"/>
+          </a:fontRef>
+        </p:style>
+      </p:cxnSp>
+      <p:sp>
+        <p:nvSpPr>
+          <p:cNvPr id="31" name="Diamond 30">
+            <a:extLst>
+              <a:ext uri="{FF2B5EF4-FFF2-40B4-BE49-F238E27FC236}">
+                <a16:creationId xmlns:a16="http://schemas.microsoft.com/office/drawing/2014/main" id="{2FAF4195-3CB9-4479-973A-34D154ABEC88}"/>
+              </a:ext>
+            </a:extLst>
+          </p:cNvPr>
+          <p:cNvSpPr/>
+          <p:nvPr/>
+        </p:nvSpPr>
+        <p:spPr>
+          <a:xfrm>
+            <a:off x="5403519" y="866483"/>
+            <a:ext cx="2725145" cy="2231917"/>
+          </a:xfrm>
+          <a:prstGeom prst="diamond">
+            <a:avLst/>
+          </a:prstGeom>
+        </p:spPr>
+        <p:style>
+          <a:lnRef idx="3">
+            <a:schemeClr val="lt1"/>
+          </a:lnRef>
+          <a:fillRef idx="1">
+            <a:schemeClr val="accent1"/>
+          </a:fillRef>
+          <a:effectRef idx="1">
+            <a:schemeClr val="accent1"/>
+          </a:effectRef>
+          <a:fontRef idx="minor">
+            <a:schemeClr val="lt1"/>
+          </a:fontRef>
+        </p:style>
+        <p:txBody>
+          <a:bodyPr rtlCol="0" anchor="ctr"/>
+          <a:lstStyle/>
+          <a:p>
+            <a:pPr algn="ctr"/>
+            <a:r>
+              <a:rPr lang="en-ZW" b="1" dirty="0"/>
+              <a:t>Does State T exist in Loaded Chain?</a:t>
+            </a:r>
+          </a:p>
+        </p:txBody>
+      </p:sp>
+      <p:sp>
+        <p:nvSpPr>
+          <p:cNvPr id="32" name="TextBox 31">
+            <a:extLst>
+              <a:ext uri="{FF2B5EF4-FFF2-40B4-BE49-F238E27FC236}">
+                <a16:creationId xmlns:a16="http://schemas.microsoft.com/office/drawing/2014/main" id="{B94D3F8E-B2C2-4E6E-BCC6-CBA21E1E6358}"/>
               </a:ext>
             </a:extLst>
           </p:cNvPr>
@@ -11188,8 +13718,8 @@
         </p:nvSpPr>
         <p:spPr>
           <a:xfrm>
-            <a:off x="1274260" y="1234852"/>
-            <a:ext cx="2860450" cy="400110"/>
+            <a:off x="6950045" y="681817"/>
+            <a:ext cx="606724" cy="369332"/>
           </a:xfrm>
           <a:prstGeom prst="rect">
             <a:avLst/>
@@ -11203,22 +13733,743 @@
           <a:lstStyle/>
           <a:p>
             <a:r>
-              <a:rPr lang="en-ZW" sz="2000" b="1" dirty="0">
+              <a:rPr lang="en-ZW" b="1" dirty="0"/>
+              <a:t>no</a:t>
+            </a:r>
+          </a:p>
+        </p:txBody>
+      </p:sp>
+      <p:sp>
+        <p:nvSpPr>
+          <p:cNvPr id="33" name="Rectangle 32">
+            <a:extLst>
+              <a:ext uri="{FF2B5EF4-FFF2-40B4-BE49-F238E27FC236}">
+                <a16:creationId xmlns:a16="http://schemas.microsoft.com/office/drawing/2014/main" id="{6F642BE4-1094-45F2-AA0E-FEC4338EE9C9}"/>
+              </a:ext>
+            </a:extLst>
+          </p:cNvPr>
+          <p:cNvSpPr/>
+          <p:nvPr/>
+        </p:nvSpPr>
+        <p:spPr>
+          <a:xfrm>
+            <a:off x="9512831" y="1564570"/>
+            <a:ext cx="2133600" cy="835742"/>
+          </a:xfrm>
+          <a:prstGeom prst="rect">
+            <a:avLst/>
+          </a:prstGeom>
+          <a:ln w="38100"/>
+        </p:spPr>
+        <p:style>
+          <a:lnRef idx="2">
+            <a:schemeClr val="dk1"/>
+          </a:lnRef>
+          <a:fillRef idx="1">
+            <a:schemeClr val="lt1"/>
+          </a:fillRef>
+          <a:effectRef idx="0">
+            <a:schemeClr val="dk1"/>
+          </a:effectRef>
+          <a:fontRef idx="minor">
+            <a:schemeClr val="dk1"/>
+          </a:fontRef>
+        </p:style>
+        <p:txBody>
+          <a:bodyPr rtlCol="0" anchor="ctr"/>
+          <a:lstStyle/>
+          <a:p>
+            <a:pPr algn="ctr"/>
+            <a:r>
+              <a:rPr lang="en-ZW" b="1" i="1" dirty="0"/>
+              <a:t>pick a transition at random</a:t>
+            </a:r>
+          </a:p>
+        </p:txBody>
+      </p:sp>
+      <p:cxnSp>
+        <p:nvCxnSpPr>
+          <p:cNvPr id="34" name="Straight Arrow Connector 33">
+            <a:extLst>
+              <a:ext uri="{FF2B5EF4-FFF2-40B4-BE49-F238E27FC236}">
+                <a16:creationId xmlns:a16="http://schemas.microsoft.com/office/drawing/2014/main" id="{3D0845AC-D8E8-4C8E-82D6-618562608C57}"/>
+              </a:ext>
+            </a:extLst>
+          </p:cNvPr>
+          <p:cNvCxnSpPr>
+            <a:cxnSpLocks/>
+            <a:stCxn id="31" idx="3"/>
+            <a:endCxn id="33" idx="1"/>
+          </p:cNvCxnSpPr>
+          <p:nvPr/>
+        </p:nvCxnSpPr>
+        <p:spPr>
+          <a:xfrm flipV="1">
+            <a:off x="8128664" y="1982441"/>
+            <a:ext cx="1384167" cy="1"/>
+          </a:xfrm>
+          <a:prstGeom prst="straightConnector1">
+            <a:avLst/>
+          </a:prstGeom>
+          <a:ln w="38100">
+            <a:solidFill>
+              <a:srgbClr val="C00000"/>
+            </a:solidFill>
+            <a:tailEnd type="triangle"/>
+          </a:ln>
+        </p:spPr>
+        <p:style>
+          <a:lnRef idx="1">
+            <a:schemeClr val="accent1"/>
+          </a:lnRef>
+          <a:fillRef idx="0">
+            <a:schemeClr val="accent1"/>
+          </a:fillRef>
+          <a:effectRef idx="0">
+            <a:schemeClr val="accent1"/>
+          </a:effectRef>
+          <a:fontRef idx="minor">
+            <a:schemeClr val="tx1"/>
+          </a:fontRef>
+        </p:style>
+      </p:cxnSp>
+      <p:sp>
+        <p:nvSpPr>
+          <p:cNvPr id="35" name="Rectangle 34">
+            <a:extLst>
+              <a:ext uri="{FF2B5EF4-FFF2-40B4-BE49-F238E27FC236}">
+                <a16:creationId xmlns:a16="http://schemas.microsoft.com/office/drawing/2014/main" id="{B21F28A5-A16A-496F-BD97-AD6587198C2F}"/>
+              </a:ext>
+            </a:extLst>
+          </p:cNvPr>
+          <p:cNvSpPr/>
+          <p:nvPr/>
+        </p:nvSpPr>
+        <p:spPr>
+          <a:xfrm>
+            <a:off x="9512832" y="3086970"/>
+            <a:ext cx="2133600" cy="835742"/>
+          </a:xfrm>
+          <a:prstGeom prst="rect">
+            <a:avLst/>
+          </a:prstGeom>
+          <a:ln/>
+        </p:spPr>
+        <p:style>
+          <a:lnRef idx="2">
+            <a:schemeClr val="accent6">
+              <a:shade val="50000"/>
+            </a:schemeClr>
+          </a:lnRef>
+          <a:fillRef idx="1">
+            <a:schemeClr val="accent6"/>
+          </a:fillRef>
+          <a:effectRef idx="0">
+            <a:schemeClr val="accent6"/>
+          </a:effectRef>
+          <a:fontRef idx="minor">
+            <a:schemeClr val="lt1"/>
+          </a:fontRef>
+        </p:style>
+        <p:txBody>
+          <a:bodyPr rtlCol="0" anchor="ctr"/>
+          <a:lstStyle/>
+          <a:p>
+            <a:pPr algn="ctr"/>
+            <a:r>
+              <a:rPr lang="en-ZW" b="1" i="1" dirty="0"/>
+              <a:t>Append to sequence</a:t>
+            </a:r>
+          </a:p>
+        </p:txBody>
+      </p:sp>
+      <p:cxnSp>
+        <p:nvCxnSpPr>
+          <p:cNvPr id="37" name="Straight Arrow Connector 36">
+            <a:extLst>
+              <a:ext uri="{FF2B5EF4-FFF2-40B4-BE49-F238E27FC236}">
+                <a16:creationId xmlns:a16="http://schemas.microsoft.com/office/drawing/2014/main" id="{46575285-FDDC-4175-958A-5575FD456DE5}"/>
+              </a:ext>
+            </a:extLst>
+          </p:cNvPr>
+          <p:cNvCxnSpPr>
+            <a:cxnSpLocks/>
+            <a:stCxn id="33" idx="2"/>
+            <a:endCxn id="35" idx="0"/>
+          </p:cNvCxnSpPr>
+          <p:nvPr/>
+        </p:nvCxnSpPr>
+        <p:spPr>
+          <a:xfrm>
+            <a:off x="10579631" y="2400312"/>
+            <a:ext cx="1" cy="686658"/>
+          </a:xfrm>
+          <a:prstGeom prst="straightConnector1">
+            <a:avLst/>
+          </a:prstGeom>
+          <a:ln w="38100">
+            <a:solidFill>
+              <a:srgbClr val="C00000"/>
+            </a:solidFill>
+            <a:tailEnd type="triangle"/>
+          </a:ln>
+        </p:spPr>
+        <p:style>
+          <a:lnRef idx="1">
+            <a:schemeClr val="accent1"/>
+          </a:lnRef>
+          <a:fillRef idx="0">
+            <a:schemeClr val="accent1"/>
+          </a:fillRef>
+          <a:effectRef idx="0">
+            <a:schemeClr val="accent1"/>
+          </a:effectRef>
+          <a:fontRef idx="minor">
+            <a:schemeClr val="tx1"/>
+          </a:fontRef>
+        </p:style>
+      </p:cxnSp>
+      <p:sp>
+        <p:nvSpPr>
+          <p:cNvPr id="38" name="Diamond 37">
+            <a:extLst>
+              <a:ext uri="{FF2B5EF4-FFF2-40B4-BE49-F238E27FC236}">
+                <a16:creationId xmlns:a16="http://schemas.microsoft.com/office/drawing/2014/main" id="{67577685-A206-479E-9613-88EB0CA2F8C1}"/>
+              </a:ext>
+            </a:extLst>
+          </p:cNvPr>
+          <p:cNvSpPr/>
+          <p:nvPr/>
+        </p:nvSpPr>
+        <p:spPr>
+          <a:xfrm>
+            <a:off x="8538210" y="4177473"/>
+            <a:ext cx="2912095" cy="2231913"/>
+          </a:xfrm>
+          <a:prstGeom prst="diamond">
+            <a:avLst/>
+          </a:prstGeom>
+        </p:spPr>
+        <p:style>
+          <a:lnRef idx="2">
+            <a:schemeClr val="accent1">
+              <a:shade val="50000"/>
+            </a:schemeClr>
+          </a:lnRef>
+          <a:fillRef idx="1">
+            <a:schemeClr val="accent1"/>
+          </a:fillRef>
+          <a:effectRef idx="0">
+            <a:schemeClr val="accent1"/>
+          </a:effectRef>
+          <a:fontRef idx="minor">
+            <a:schemeClr val="lt1"/>
+          </a:fontRef>
+        </p:style>
+        <p:txBody>
+          <a:bodyPr rtlCol="0" anchor="ctr"/>
+          <a:lstStyle/>
+          <a:p>
+            <a:pPr algn="ctr"/>
+            <a:r>
+              <a:rPr lang="en-ZW" b="1" dirty="0"/>
+              <a:t>Is sequence length below max-length?</a:t>
+            </a:r>
+          </a:p>
+        </p:txBody>
+      </p:sp>
+      <p:cxnSp>
+        <p:nvCxnSpPr>
+          <p:cNvPr id="39" name="Connector: Elbow 38">
+            <a:extLst>
+              <a:ext uri="{FF2B5EF4-FFF2-40B4-BE49-F238E27FC236}">
+                <a16:creationId xmlns:a16="http://schemas.microsoft.com/office/drawing/2014/main" id="{51272E54-3820-481F-BDA1-5DEA7BDBED1E}"/>
+              </a:ext>
+            </a:extLst>
+          </p:cNvPr>
+          <p:cNvCxnSpPr>
+            <a:cxnSpLocks/>
+            <a:stCxn id="35" idx="2"/>
+            <a:endCxn id="38" idx="3"/>
+          </p:cNvCxnSpPr>
+          <p:nvPr/>
+        </p:nvCxnSpPr>
+        <p:spPr>
+          <a:xfrm rot="16200000" flipH="1">
+            <a:off x="10329609" y="4172734"/>
+            <a:ext cx="1370718" cy="870673"/>
+          </a:xfrm>
+          <a:prstGeom prst="bentConnector4">
+            <a:avLst>
+              <a:gd name="adj1" fmla="val 9293"/>
+              <a:gd name="adj2" fmla="val 148781"/>
+            </a:avLst>
+          </a:prstGeom>
+          <a:ln w="38100">
+            <a:solidFill>
+              <a:srgbClr val="C00000"/>
+            </a:solidFill>
+            <a:tailEnd type="triangle"/>
+          </a:ln>
+        </p:spPr>
+        <p:style>
+          <a:lnRef idx="1">
+            <a:schemeClr val="accent1"/>
+          </a:lnRef>
+          <a:fillRef idx="0">
+            <a:schemeClr val="accent1"/>
+          </a:fillRef>
+          <a:effectRef idx="0">
+            <a:schemeClr val="accent1"/>
+          </a:effectRef>
+          <a:fontRef idx="minor">
+            <a:schemeClr val="tx1"/>
+          </a:fontRef>
+        </p:style>
+      </p:cxnSp>
+      <p:sp>
+        <p:nvSpPr>
+          <p:cNvPr id="40" name="Rectangle 39">
+            <a:extLst>
+              <a:ext uri="{FF2B5EF4-FFF2-40B4-BE49-F238E27FC236}">
+                <a16:creationId xmlns:a16="http://schemas.microsoft.com/office/drawing/2014/main" id="{E65E13A3-A3A1-45A3-92EA-A42967F74EF3}"/>
+              </a:ext>
+            </a:extLst>
+          </p:cNvPr>
+          <p:cNvSpPr/>
+          <p:nvPr/>
+        </p:nvSpPr>
+        <p:spPr>
+          <a:xfrm>
+            <a:off x="5699291" y="3741993"/>
+            <a:ext cx="2133600" cy="1127612"/>
+          </a:xfrm>
+          <a:prstGeom prst="rect">
+            <a:avLst/>
+          </a:prstGeom>
+          <a:ln w="38100"/>
+        </p:spPr>
+        <p:style>
+          <a:lnRef idx="2">
+            <a:schemeClr val="dk1"/>
+          </a:lnRef>
+          <a:fillRef idx="1">
+            <a:schemeClr val="lt1"/>
+          </a:fillRef>
+          <a:effectRef idx="0">
+            <a:schemeClr val="dk1"/>
+          </a:effectRef>
+          <a:fontRef idx="minor">
+            <a:schemeClr val="dk1"/>
+          </a:fontRef>
+        </p:style>
+        <p:txBody>
+          <a:bodyPr rtlCol="0" anchor="ctr"/>
+          <a:lstStyle/>
+          <a:p>
+            <a:pPr algn="ctr"/>
+            <a:r>
+              <a:rPr lang="en-ZW" b="1" i="1" dirty="0"/>
+              <a:t>Set State T to sequence[-1]</a:t>
+            </a:r>
+          </a:p>
+        </p:txBody>
+      </p:sp>
+      <p:sp>
+        <p:nvSpPr>
+          <p:cNvPr id="41" name="TextBox 40">
+            <a:extLst>
+              <a:ext uri="{FF2B5EF4-FFF2-40B4-BE49-F238E27FC236}">
+                <a16:creationId xmlns:a16="http://schemas.microsoft.com/office/drawing/2014/main" id="{36478C3C-55D5-489D-8BE2-76FCD87C2FAA}"/>
+              </a:ext>
+            </a:extLst>
+          </p:cNvPr>
+          <p:cNvSpPr txBox="1"/>
+          <p:nvPr/>
+        </p:nvSpPr>
+        <p:spPr>
+          <a:xfrm>
+            <a:off x="8073391" y="5293429"/>
+            <a:ext cx="606724" cy="369332"/>
+          </a:xfrm>
+          <a:prstGeom prst="rect">
+            <a:avLst/>
+          </a:prstGeom>
+          <a:noFill/>
+        </p:spPr>
+        <p:txBody>
+          <a:bodyPr wrap="square" rtlCol="0">
+            <a:spAutoFit/>
+          </a:bodyPr>
+          <a:lstStyle/>
+          <a:p>
+            <a:r>
+              <a:rPr lang="en-ZW" b="1" dirty="0"/>
+              <a:t>yes</a:t>
+            </a:r>
+          </a:p>
+        </p:txBody>
+      </p:sp>
+      <p:cxnSp>
+        <p:nvCxnSpPr>
+          <p:cNvPr id="42" name="Connector: Elbow 41">
+            <a:extLst>
+              <a:ext uri="{FF2B5EF4-FFF2-40B4-BE49-F238E27FC236}">
+                <a16:creationId xmlns:a16="http://schemas.microsoft.com/office/drawing/2014/main" id="{66D53482-4EF4-4D62-9E14-27F3D172524A}"/>
+              </a:ext>
+            </a:extLst>
+          </p:cNvPr>
+          <p:cNvCxnSpPr>
+            <a:stCxn id="38" idx="1"/>
+            <a:endCxn id="40" idx="2"/>
+          </p:cNvCxnSpPr>
+          <p:nvPr/>
+        </p:nvCxnSpPr>
+        <p:spPr>
+          <a:xfrm rot="10800000">
+            <a:off x="6766092" y="4869606"/>
+            <a:ext cx="1772119" cy="423825"/>
+          </a:xfrm>
+          <a:prstGeom prst="bentConnector2">
+            <a:avLst/>
+          </a:prstGeom>
+          <a:ln w="38100">
+            <a:solidFill>
+              <a:srgbClr val="C00000"/>
+            </a:solidFill>
+            <a:tailEnd type="triangle"/>
+          </a:ln>
+        </p:spPr>
+        <p:style>
+          <a:lnRef idx="1">
+            <a:schemeClr val="accent1"/>
+          </a:lnRef>
+          <a:fillRef idx="0">
+            <a:schemeClr val="accent1"/>
+          </a:fillRef>
+          <a:effectRef idx="0">
+            <a:schemeClr val="accent1"/>
+          </a:effectRef>
+          <a:fontRef idx="minor">
+            <a:schemeClr val="tx1"/>
+          </a:fontRef>
+        </p:style>
+      </p:cxnSp>
+      <p:cxnSp>
+        <p:nvCxnSpPr>
+          <p:cNvPr id="44" name="Straight Arrow Connector 43">
+            <a:extLst>
+              <a:ext uri="{FF2B5EF4-FFF2-40B4-BE49-F238E27FC236}">
+                <a16:creationId xmlns:a16="http://schemas.microsoft.com/office/drawing/2014/main" id="{10CDCB7A-7DB9-48DF-80C5-C4B29BFD250C}"/>
+              </a:ext>
+            </a:extLst>
+          </p:cNvPr>
+          <p:cNvCxnSpPr>
+            <a:cxnSpLocks/>
+            <a:stCxn id="40" idx="0"/>
+            <a:endCxn id="31" idx="2"/>
+          </p:cNvCxnSpPr>
+          <p:nvPr/>
+        </p:nvCxnSpPr>
+        <p:spPr>
+          <a:xfrm flipV="1">
+            <a:off x="6766091" y="3098400"/>
+            <a:ext cx="1" cy="643593"/>
+          </a:xfrm>
+          <a:prstGeom prst="straightConnector1">
+            <a:avLst/>
+          </a:prstGeom>
+          <a:ln w="38100">
+            <a:solidFill>
+              <a:srgbClr val="C00000"/>
+            </a:solidFill>
+            <a:tailEnd type="triangle"/>
+          </a:ln>
+        </p:spPr>
+        <p:style>
+          <a:lnRef idx="1">
+            <a:schemeClr val="accent1"/>
+          </a:lnRef>
+          <a:fillRef idx="0">
+            <a:schemeClr val="accent1"/>
+          </a:fillRef>
+          <a:effectRef idx="0">
+            <a:schemeClr val="accent1"/>
+          </a:effectRef>
+          <a:fontRef idx="minor">
+            <a:schemeClr val="tx1"/>
+          </a:fontRef>
+        </p:style>
+      </p:cxnSp>
+      <p:sp>
+        <p:nvSpPr>
+          <p:cNvPr id="45" name="TextBox 44">
+            <a:extLst>
+              <a:ext uri="{FF2B5EF4-FFF2-40B4-BE49-F238E27FC236}">
+                <a16:creationId xmlns:a16="http://schemas.microsoft.com/office/drawing/2014/main" id="{D98F5AC0-A0BE-4D18-B2C4-E6A02E4E78B6}"/>
+              </a:ext>
+            </a:extLst>
+          </p:cNvPr>
+          <p:cNvSpPr txBox="1"/>
+          <p:nvPr/>
+        </p:nvSpPr>
+        <p:spPr>
+          <a:xfrm>
+            <a:off x="10212766" y="6224720"/>
+            <a:ext cx="491613" cy="369332"/>
+          </a:xfrm>
+          <a:prstGeom prst="rect">
+            <a:avLst/>
+          </a:prstGeom>
+          <a:noFill/>
+        </p:spPr>
+        <p:txBody>
+          <a:bodyPr wrap="square" rtlCol="0">
+            <a:spAutoFit/>
+          </a:bodyPr>
+          <a:lstStyle/>
+          <a:p>
+            <a:r>
+              <a:rPr lang="en-ZW" b="1" dirty="0"/>
+              <a:t>no</a:t>
+            </a:r>
+          </a:p>
+        </p:txBody>
+      </p:sp>
+      <p:sp>
+        <p:nvSpPr>
+          <p:cNvPr id="46" name="Rectangle 45">
+            <a:extLst>
+              <a:ext uri="{FF2B5EF4-FFF2-40B4-BE49-F238E27FC236}">
+                <a16:creationId xmlns:a16="http://schemas.microsoft.com/office/drawing/2014/main" id="{99D2CFA4-F400-4050-BC45-F111FFD9852C}"/>
+              </a:ext>
+            </a:extLst>
+          </p:cNvPr>
+          <p:cNvSpPr/>
+          <p:nvPr/>
+        </p:nvSpPr>
+        <p:spPr>
+          <a:xfrm>
+            <a:off x="2203120" y="5538591"/>
+            <a:ext cx="2133600" cy="835742"/>
+          </a:xfrm>
+          <a:prstGeom prst="rect">
+            <a:avLst/>
+          </a:prstGeom>
+          <a:ln/>
+        </p:spPr>
+        <p:style>
+          <a:lnRef idx="2">
+            <a:schemeClr val="accent6">
+              <a:shade val="50000"/>
+            </a:schemeClr>
+          </a:lnRef>
+          <a:fillRef idx="1">
+            <a:schemeClr val="accent6"/>
+          </a:fillRef>
+          <a:effectRef idx="0">
+            <a:schemeClr val="accent6"/>
+          </a:effectRef>
+          <a:fontRef idx="minor">
+            <a:schemeClr val="lt1"/>
+          </a:fontRef>
+        </p:style>
+        <p:txBody>
+          <a:bodyPr rtlCol="0" anchor="ctr"/>
+          <a:lstStyle/>
+          <a:p>
+            <a:pPr algn="ctr"/>
+            <a:r>
+              <a:rPr lang="en-ZW" b="1" i="1" dirty="0"/>
+              <a:t>Return Sequence</a:t>
+            </a:r>
+          </a:p>
+        </p:txBody>
+      </p:sp>
+      <p:sp>
+        <p:nvSpPr>
+          <p:cNvPr id="47" name="TextBox 46">
+            <a:extLst>
+              <a:ext uri="{FF2B5EF4-FFF2-40B4-BE49-F238E27FC236}">
+                <a16:creationId xmlns:a16="http://schemas.microsoft.com/office/drawing/2014/main" id="{8CF59B95-FCCF-4363-9C52-5350E2768E0E}"/>
+              </a:ext>
+            </a:extLst>
+          </p:cNvPr>
+          <p:cNvSpPr txBox="1"/>
+          <p:nvPr/>
+        </p:nvSpPr>
+        <p:spPr>
+          <a:xfrm>
+            <a:off x="8073391" y="1613109"/>
+            <a:ext cx="606724" cy="369332"/>
+          </a:xfrm>
+          <a:prstGeom prst="rect">
+            <a:avLst/>
+          </a:prstGeom>
+          <a:noFill/>
+        </p:spPr>
+        <p:txBody>
+          <a:bodyPr wrap="square" rtlCol="0">
+            <a:spAutoFit/>
+          </a:bodyPr>
+          <a:lstStyle/>
+          <a:p>
+            <a:r>
+              <a:rPr lang="en-ZW" b="1" dirty="0"/>
+              <a:t>yes</a:t>
+            </a:r>
+          </a:p>
+        </p:txBody>
+      </p:sp>
+      <p:sp>
+        <p:nvSpPr>
+          <p:cNvPr id="49" name="TextBox 48">
+            <a:extLst>
+              <a:ext uri="{FF2B5EF4-FFF2-40B4-BE49-F238E27FC236}">
+                <a16:creationId xmlns:a16="http://schemas.microsoft.com/office/drawing/2014/main" id="{C37BADB8-C63E-4A81-B2EA-40771089D5E6}"/>
+              </a:ext>
+            </a:extLst>
+          </p:cNvPr>
+          <p:cNvSpPr txBox="1"/>
+          <p:nvPr/>
+        </p:nvSpPr>
+        <p:spPr>
+          <a:xfrm>
+            <a:off x="320007" y="1782386"/>
+            <a:ext cx="1061881" cy="400110"/>
+          </a:xfrm>
+          <a:prstGeom prst="rect">
+            <a:avLst/>
+          </a:prstGeom>
+          <a:noFill/>
+          <a:ln>
+            <a:solidFill>
+              <a:srgbClr val="C00000"/>
+            </a:solidFill>
+          </a:ln>
+        </p:spPr>
+        <p:txBody>
+          <a:bodyPr wrap="square" rtlCol="0">
+            <a:spAutoFit/>
+          </a:bodyPr>
+          <a:lstStyle/>
+          <a:p>
+            <a:r>
+              <a:rPr lang="en-ZW" sz="2000" b="1" i="1" dirty="0">
                 <a:solidFill>
                   <a:srgbClr val="C00000"/>
                 </a:solidFill>
               </a:rPr>
-              <a:t>Sample generated text</a:t>
-            </a:r>
-          </a:p>
-        </p:txBody>
-      </p:sp>
-      <p:sp>
-        <p:nvSpPr>
-          <p:cNvPr id="8" name="TextBox 7">
-            <a:extLst>
-              <a:ext uri="{FF2B5EF4-FFF2-40B4-BE49-F238E27FC236}">
-                <a16:creationId xmlns:a16="http://schemas.microsoft.com/office/drawing/2014/main" id="{F017215F-D0D0-4B7B-A4FA-4E5323A6D4AD}"/>
+              <a:t>Start</a:t>
+            </a:r>
+          </a:p>
+        </p:txBody>
+      </p:sp>
+      <p:cxnSp>
+        <p:nvCxnSpPr>
+          <p:cNvPr id="50" name="Connector: Elbow 49">
+            <a:extLst>
+              <a:ext uri="{FF2B5EF4-FFF2-40B4-BE49-F238E27FC236}">
+                <a16:creationId xmlns:a16="http://schemas.microsoft.com/office/drawing/2014/main" id="{8D96982A-7883-4F26-8809-E2B45A93C94B}"/>
+              </a:ext>
+            </a:extLst>
+          </p:cNvPr>
+          <p:cNvCxnSpPr>
+            <a:cxnSpLocks/>
+            <a:stCxn id="31" idx="0"/>
+            <a:endCxn id="49" idx="0"/>
+          </p:cNvCxnSpPr>
+          <p:nvPr/>
+        </p:nvCxnSpPr>
+        <p:spPr>
+          <a:xfrm rot="16200000" flipH="1" flipV="1">
+            <a:off x="3350568" y="-1633138"/>
+            <a:ext cx="915903" cy="5915144"/>
+          </a:xfrm>
+          <a:prstGeom prst="bentConnector3">
+            <a:avLst>
+              <a:gd name="adj1" fmla="val -24959"/>
+            </a:avLst>
+          </a:prstGeom>
+          <a:ln w="38100">
+            <a:solidFill>
+              <a:schemeClr val="bg1">
+                <a:lumMod val="65000"/>
+              </a:schemeClr>
+            </a:solidFill>
+            <a:tailEnd type="triangle"/>
+          </a:ln>
+        </p:spPr>
+        <p:style>
+          <a:lnRef idx="1">
+            <a:schemeClr val="dk1"/>
+          </a:lnRef>
+          <a:fillRef idx="0">
+            <a:schemeClr val="dk1"/>
+          </a:fillRef>
+          <a:effectRef idx="0">
+            <a:schemeClr val="dk1"/>
+          </a:effectRef>
+          <a:fontRef idx="minor">
+            <a:schemeClr val="tx1"/>
+          </a:fontRef>
+        </p:style>
+      </p:cxnSp>
+      <p:cxnSp>
+        <p:nvCxnSpPr>
+          <p:cNvPr id="51" name="Connector: Elbow 50">
+            <a:extLst>
+              <a:ext uri="{FF2B5EF4-FFF2-40B4-BE49-F238E27FC236}">
+                <a16:creationId xmlns:a16="http://schemas.microsoft.com/office/drawing/2014/main" id="{859FB0D4-A2F8-4A7B-A61E-1118DA85C254}"/>
+              </a:ext>
+            </a:extLst>
+          </p:cNvPr>
+          <p:cNvCxnSpPr>
+            <a:stCxn id="38" idx="2"/>
+            <a:endCxn id="46" idx="2"/>
+          </p:cNvCxnSpPr>
+          <p:nvPr/>
+        </p:nvCxnSpPr>
+        <p:spPr>
+          <a:xfrm rot="5400000" flipH="1">
+            <a:off x="6614562" y="3029691"/>
+            <a:ext cx="35053" cy="6724338"/>
+          </a:xfrm>
+          <a:prstGeom prst="bentConnector3">
+            <a:avLst>
+              <a:gd name="adj1" fmla="val -652155"/>
+            </a:avLst>
+          </a:prstGeom>
+          <a:ln w="38100">
+            <a:solidFill>
+              <a:schemeClr val="bg1">
+                <a:lumMod val="50000"/>
+              </a:schemeClr>
+            </a:solidFill>
+            <a:tailEnd type="triangle"/>
+          </a:ln>
+        </p:spPr>
+        <p:style>
+          <a:lnRef idx="1">
+            <a:schemeClr val="accent1"/>
+          </a:lnRef>
+          <a:fillRef idx="0">
+            <a:schemeClr val="accent1"/>
+          </a:fillRef>
+          <a:effectRef idx="0">
+            <a:schemeClr val="accent1"/>
+          </a:effectRef>
+          <a:fontRef idx="minor">
+            <a:schemeClr val="tx1"/>
+          </a:fontRef>
+        </p:style>
+      </p:cxnSp>
+      <p:sp>
+        <p:nvSpPr>
+          <p:cNvPr id="53" name="TextBox 52">
+            <a:extLst>
+              <a:ext uri="{FF2B5EF4-FFF2-40B4-BE49-F238E27FC236}">
+                <a16:creationId xmlns:a16="http://schemas.microsoft.com/office/drawing/2014/main" id="{0D42A7EE-518C-495B-BA85-F350D93629F0}"/>
               </a:ext>
             </a:extLst>
           </p:cNvPr>
@@ -11227,18 +14478,13 @@
         </p:nvSpPr>
         <p:spPr>
           <a:xfrm>
-            <a:off x="3145585" y="414168"/>
-            <a:ext cx="5900830" cy="646331"/>
+            <a:off x="3779102" y="5212161"/>
+            <a:ext cx="628570" cy="400110"/>
           </a:xfrm>
           <a:prstGeom prst="rect">
             <a:avLst/>
           </a:prstGeom>
           <a:noFill/>
-          <a:ln w="12700">
-            <a:solidFill>
-              <a:schemeClr val="tx1"/>
-            </a:solidFill>
-          </a:ln>
         </p:spPr>
         <p:txBody>
           <a:bodyPr wrap="square" rtlCol="0">
@@ -11247,66 +14493,12 @@
           <a:lstStyle/>
           <a:p>
             <a:r>
-              <a:rPr lang="en-ZW" b="1" dirty="0">
-                <a:solidFill>
-                  <a:schemeClr val="bg1">
-                    <a:lumMod val="50000"/>
-                  </a:schemeClr>
-                </a:solidFill>
-              </a:rPr>
-              <a:t>The following text was generated by GTM, using the</a:t>
-            </a:r>
-          </a:p>
-          <a:p>
-            <a:r>
-              <a:rPr lang="en-ZW" b="1" dirty="0">
-                <a:solidFill>
-                  <a:schemeClr val="bg1">
-                    <a:lumMod val="50000"/>
-                  </a:schemeClr>
-                </a:solidFill>
-              </a:rPr>
-              <a:t>fiction-stories_3.6M_order-5 model</a:t>
-            </a:r>
-          </a:p>
-        </p:txBody>
-      </p:sp>
-      <p:sp>
-        <p:nvSpPr>
-          <p:cNvPr id="10" name="TextBox 9">
-            <a:extLst>
-              <a:ext uri="{FF2B5EF4-FFF2-40B4-BE49-F238E27FC236}">
-                <a16:creationId xmlns:a16="http://schemas.microsoft.com/office/drawing/2014/main" id="{8D6C76DA-EF0E-4DA9-A92C-B54B256114EF}"/>
-              </a:ext>
-            </a:extLst>
-          </p:cNvPr>
-          <p:cNvSpPr txBox="1"/>
-          <p:nvPr/>
-        </p:nvSpPr>
-        <p:spPr>
-          <a:xfrm>
-            <a:off x="1313835" y="6005390"/>
-            <a:ext cx="9849710" cy="646331"/>
-          </a:xfrm>
-          <a:prstGeom prst="rect">
-            <a:avLst/>
-          </a:prstGeom>
-          <a:noFill/>
-        </p:spPr>
-        <p:txBody>
-          <a:bodyPr wrap="square" rtlCol="0">
-            <a:spAutoFit/>
-          </a:bodyPr>
-          <a:lstStyle/>
-          <a:p>
-            <a:pPr algn="ctr"/>
-            <a:r>
-              <a:rPr lang="en-ZW" dirty="0">
+              <a:rPr lang="en-ZW" sz="2000" b="1" i="1" dirty="0">
                 <a:solidFill>
                   <a:srgbClr val="C00000"/>
                 </a:solidFill>
               </a:rPr>
-              <a:t>This model was trained in less than a minute on a 3.8GHz intel core i5 CPU and only used an average 2.8GB of RAM and with a 6GB peak RAM usage.</a:t>
+              <a:t>End</a:t>
             </a:r>
           </a:p>
         </p:txBody>
@@ -11314,7 +14506,7 @@
     </p:spTree>
     <p:extLst>
       <p:ext uri="{BB962C8B-B14F-4D97-AF65-F5344CB8AC3E}">
-        <p14:creationId xmlns:p14="http://schemas.microsoft.com/office/powerpoint/2010/main" val="1681530487"/>
+        <p14:creationId xmlns:p14="http://schemas.microsoft.com/office/powerpoint/2010/main" val="4270472152"/>
       </p:ext>
     </p:extLst>
   </p:cSld>
@@ -11395,7 +14587,7 @@
         <p:spPr>
           <a:xfrm>
             <a:off x="1274260" y="1634962"/>
-            <a:ext cx="9889285" cy="3785652"/>
+            <a:ext cx="9889285" cy="4154984"/>
           </a:xfrm>
           <a:prstGeom prst="rect">
             <a:avLst/>
@@ -11409,7 +14601,7 @@
           <a:p>
             <a:r>
               <a:rPr lang="en-ZW" sz="2400" dirty="0"/>
-              <a:t>In a desperate battle, Jack and his team fought valiantly, using their combined skills and knowledge to navigate the treacherous hills that surrounded Middleton. Along the way, they encountered a diverse cast of characters, each with their own story to tell. Some spoke of the terrible power that the weapon represented and the devastating consequences that it could bring to the world. As he spoke, Victoria watched from the shadows, her heart pounding in her chest as she saw the first glimmers of doubt and disbelief begin to creep into the faces of the reporters. She knew that they were up against powerful forces that were determined to keep their secrets buried. Despite the danger, Alex and Lila pressed on.</a:t>
+              <a:t>As they reached the final obstacle, a massive, electrified door, Ravi sacrificed himself to give Elara a chance to complete their mission. He engaged the guards in a final, desperate firefight, allowing Elara to disable the door's security system and gain entry. With the door disabled, Elara entered the room housing the mind-control device. As she approached the device, she discovered that the government had sent a team of elite soldiers to eliminate them and secure the project for themselves. The two teams engaged in a fierce battle, with Thomas using his wit and the magical amulet to defeat the sorcerer. As the villain lay defeated, the maze began to crumble, returning the forest to its natural state. The town of Willowbrook was once again safe, and Thomas, a hero, returned to his family.</a:t>
             </a:r>
           </a:p>
         </p:txBody>
@@ -11506,7 +14698,47 @@
                   </a:schemeClr>
                 </a:solidFill>
               </a:rPr>
-              <a:t>fiction-stories_3.8M_order-5 model</a:t>
+              <a:t>fiction-stories_3.6M_order-5 model</a:t>
+            </a:r>
+          </a:p>
+        </p:txBody>
+      </p:sp>
+      <p:sp>
+        <p:nvSpPr>
+          <p:cNvPr id="10" name="TextBox 9">
+            <a:extLst>
+              <a:ext uri="{FF2B5EF4-FFF2-40B4-BE49-F238E27FC236}">
+                <a16:creationId xmlns:a16="http://schemas.microsoft.com/office/drawing/2014/main" id="{8D6C76DA-EF0E-4DA9-A92C-B54B256114EF}"/>
+              </a:ext>
+            </a:extLst>
+          </p:cNvPr>
+          <p:cNvSpPr txBox="1"/>
+          <p:nvPr/>
+        </p:nvSpPr>
+        <p:spPr>
+          <a:xfrm>
+            <a:off x="1313835" y="6005390"/>
+            <a:ext cx="9849710" cy="646331"/>
+          </a:xfrm>
+          <a:prstGeom prst="rect">
+            <a:avLst/>
+          </a:prstGeom>
+          <a:noFill/>
+        </p:spPr>
+        <p:txBody>
+          <a:bodyPr wrap="square" rtlCol="0">
+            <a:spAutoFit/>
+          </a:bodyPr>
+          <a:lstStyle/>
+          <a:p>
+            <a:pPr algn="ctr"/>
+            <a:r>
+              <a:rPr lang="en-ZW" dirty="0">
+                <a:solidFill>
+                  <a:srgbClr val="C00000"/>
+                </a:solidFill>
+              </a:rPr>
+              <a:t>This model was trained in less than a minute on a 3.8GHz intel core i5 CPU and only used an average 2.8GB of RAM and with a 6GB peak RAM usage.</a:t>
             </a:r>
           </a:p>
         </p:txBody>
@@ -11514,7 +14746,7 @@
     </p:spTree>
     <p:extLst>
       <p:ext uri="{BB962C8B-B14F-4D97-AF65-F5344CB8AC3E}">
-        <p14:creationId xmlns:p14="http://schemas.microsoft.com/office/powerpoint/2010/main" val="3094001887"/>
+        <p14:creationId xmlns:p14="http://schemas.microsoft.com/office/powerpoint/2010/main" val="1681530487"/>
       </p:ext>
     </p:extLst>
   </p:cSld>
@@ -11546,7 +14778,7 @@
           <p:cNvPr id="2" name="TextBox 1">
             <a:extLst>
               <a:ext uri="{FF2B5EF4-FFF2-40B4-BE49-F238E27FC236}">
-                <a16:creationId xmlns:a16="http://schemas.microsoft.com/office/drawing/2014/main" id="{DE241D64-FB4C-4F84-A301-E43DD2E74DD6}"/>
+                <a16:creationId xmlns:a16="http://schemas.microsoft.com/office/drawing/2014/main" id="{889EA465-1CD8-485D-87D8-347EBAD14E3E}"/>
               </a:ext>
             </a:extLst>
           </p:cNvPr>
@@ -11555,8 +14787,8 @@
         </p:nvSpPr>
         <p:spPr>
           <a:xfrm>
-            <a:off x="5760720" y="2857500"/>
-            <a:ext cx="1005840" cy="584775"/>
+            <a:off x="265471" y="127819"/>
+            <a:ext cx="2566219" cy="369332"/>
           </a:xfrm>
           <a:prstGeom prst="rect">
             <a:avLst/>
@@ -11570,8 +14802,143 @@
           <a:lstStyle/>
           <a:p>
             <a:r>
-              <a:rPr lang="en-ZW" sz="3200" dirty="0"/>
-              <a:t>END</a:t>
+              <a:rPr lang="en-ZW" b="1" dirty="0">
+                <a:solidFill>
+                  <a:srgbClr val="C00000"/>
+                </a:solidFill>
+              </a:rPr>
+              <a:t>Inference</a:t>
+            </a:r>
+          </a:p>
+        </p:txBody>
+      </p:sp>
+      <p:sp>
+        <p:nvSpPr>
+          <p:cNvPr id="4" name="Rectangle 3">
+            <a:extLst>
+              <a:ext uri="{FF2B5EF4-FFF2-40B4-BE49-F238E27FC236}">
+                <a16:creationId xmlns:a16="http://schemas.microsoft.com/office/drawing/2014/main" id="{19792496-43D4-40B9-B1FD-F09DBC18CF5B}"/>
+              </a:ext>
+            </a:extLst>
+          </p:cNvPr>
+          <p:cNvSpPr/>
+          <p:nvPr/>
+        </p:nvSpPr>
+        <p:spPr>
+          <a:xfrm>
+            <a:off x="1274260" y="1634962"/>
+            <a:ext cx="9889285" cy="3785652"/>
+          </a:xfrm>
+          <a:prstGeom prst="rect">
+            <a:avLst/>
+          </a:prstGeom>
+        </p:spPr>
+        <p:txBody>
+          <a:bodyPr wrap="square">
+            <a:spAutoFit/>
+          </a:bodyPr>
+          <a:lstStyle/>
+          <a:p>
+            <a:r>
+              <a:rPr lang="en-ZW" sz="2400" dirty="0"/>
+              <a:t>In a desperate battle, Jack and his team fought valiantly, using their combined skills and knowledge to navigate the treacherous hills that surrounded Middleton. Along the way, they encountered a diverse cast of characters, each with their own story to tell. Some spoke of the terrible power that the weapon represented and the devastating consequences that it could bring to the world. As he spoke, Victoria watched from the shadows, her heart pounding in her chest as she saw the first glimmers of doubt and disbelief begin to creep into the faces of the reporters. She knew that they were up against powerful forces that were determined to keep their secrets buried. Despite the danger, Alex and Lila pressed on.</a:t>
+            </a:r>
+          </a:p>
+        </p:txBody>
+      </p:sp>
+      <p:sp>
+        <p:nvSpPr>
+          <p:cNvPr id="6" name="TextBox 5">
+            <a:extLst>
+              <a:ext uri="{FF2B5EF4-FFF2-40B4-BE49-F238E27FC236}">
+                <a16:creationId xmlns:a16="http://schemas.microsoft.com/office/drawing/2014/main" id="{40A52FF1-D98B-4893-B74C-B391482EFC34}"/>
+              </a:ext>
+            </a:extLst>
+          </p:cNvPr>
+          <p:cNvSpPr txBox="1"/>
+          <p:nvPr/>
+        </p:nvSpPr>
+        <p:spPr>
+          <a:xfrm>
+            <a:off x="1274260" y="1234852"/>
+            <a:ext cx="2860450" cy="400110"/>
+          </a:xfrm>
+          <a:prstGeom prst="rect">
+            <a:avLst/>
+          </a:prstGeom>
+          <a:noFill/>
+        </p:spPr>
+        <p:txBody>
+          <a:bodyPr wrap="square" rtlCol="0">
+            <a:spAutoFit/>
+          </a:bodyPr>
+          <a:lstStyle/>
+          <a:p>
+            <a:r>
+              <a:rPr lang="en-ZW" sz="2000" b="1" dirty="0">
+                <a:solidFill>
+                  <a:srgbClr val="C00000"/>
+                </a:solidFill>
+              </a:rPr>
+              <a:t>Sample generated text</a:t>
+            </a:r>
+          </a:p>
+        </p:txBody>
+      </p:sp>
+      <p:sp>
+        <p:nvSpPr>
+          <p:cNvPr id="8" name="TextBox 7">
+            <a:extLst>
+              <a:ext uri="{FF2B5EF4-FFF2-40B4-BE49-F238E27FC236}">
+                <a16:creationId xmlns:a16="http://schemas.microsoft.com/office/drawing/2014/main" id="{F017215F-D0D0-4B7B-A4FA-4E5323A6D4AD}"/>
+              </a:ext>
+            </a:extLst>
+          </p:cNvPr>
+          <p:cNvSpPr txBox="1"/>
+          <p:nvPr/>
+        </p:nvSpPr>
+        <p:spPr>
+          <a:xfrm>
+            <a:off x="3145585" y="414168"/>
+            <a:ext cx="5900830" cy="646331"/>
+          </a:xfrm>
+          <a:prstGeom prst="rect">
+            <a:avLst/>
+          </a:prstGeom>
+          <a:noFill/>
+          <a:ln w="12700">
+            <a:solidFill>
+              <a:schemeClr val="tx1"/>
+            </a:solidFill>
+          </a:ln>
+        </p:spPr>
+        <p:txBody>
+          <a:bodyPr wrap="square" rtlCol="0">
+            <a:spAutoFit/>
+          </a:bodyPr>
+          <a:lstStyle/>
+          <a:p>
+            <a:r>
+              <a:rPr lang="en-ZW" b="1" dirty="0">
+                <a:solidFill>
+                  <a:schemeClr val="bg1">
+                    <a:lumMod val="50000"/>
+                  </a:schemeClr>
+                </a:solidFill>
+              </a:rPr>
+              <a:t>The following text was generated by GTM, using the</a:t>
+            </a:r>
+          </a:p>
+          <a:p>
+            <a:r>
+              <a:rPr lang="en-ZW" b="1" dirty="0">
+                <a:solidFill>
+                  <a:schemeClr val="bg1">
+                    <a:lumMod val="50000"/>
+                  </a:schemeClr>
+                </a:solidFill>
+              </a:rPr>
+              <a:t>fiction-stories_3.8M_order-5 model</a:t>
             </a:r>
           </a:p>
         </p:txBody>
@@ -11579,7 +14946,7 @@
     </p:spTree>
     <p:extLst>
       <p:ext uri="{BB962C8B-B14F-4D97-AF65-F5344CB8AC3E}">
-        <p14:creationId xmlns:p14="http://schemas.microsoft.com/office/powerpoint/2010/main" val="3651982013"/>
+        <p14:creationId xmlns:p14="http://schemas.microsoft.com/office/powerpoint/2010/main" val="3094001887"/>
       </p:ext>
     </p:extLst>
   </p:cSld>
